--- a/presentation/Presentation.pptx
+++ b/presentation/Presentation.pptx
@@ -5,9 +5,8 @@
     <p:sldMasterId id="2147483648" r:id="rId1"/>
   </p:sldMasterIdLst>
   <p:sldIdLst>
-    <p:sldId id="256" r:id="rId2"/>
-    <p:sldId id="257" r:id="rId3"/>
-    <p:sldId id="258" r:id="rId4"/>
+    <p:sldId id="257" r:id="rId2"/>
+    <p:sldId id="258" r:id="rId3"/>
   </p:sldIdLst>
   <p:sldSz cx="12192000" cy="6858000"/>
   <p:notesSz cx="6858000" cy="9144000"/>
@@ -106,6 +105,11 @@
       </a:defRPr>
     </a:lvl9pPr>
   </p:defaultTextStyle>
+  <p:extLst>
+    <p:ext uri="{EFAFB233-063F-42B5-8137-9DF3F51BA10A}">
+      <p15:sldGuideLst xmlns:p15="http://schemas.microsoft.com/office/powerpoint/2012/main"/>
+    </p:ext>
+  </p:extLst>
 </p:presentation>
 </file>
 
@@ -258,7 +262,7 @@
           <a:p>
             <a:fld id="{40F48B02-BA6B-C94B-B498-A07DA6464472}" type="datetimeFigureOut">
               <a:rPr lang="de-DE" smtClean="0"/>
-              <a:t>05.02.18</a:t>
+              <a:t>06.02.18</a:t>
             </a:fld>
             <a:endParaRPr lang="de-DE"/>
           </a:p>
@@ -458,7 +462,7 @@
           <a:p>
             <a:fld id="{40F48B02-BA6B-C94B-B498-A07DA6464472}" type="datetimeFigureOut">
               <a:rPr lang="de-DE" smtClean="0"/>
-              <a:t>05.02.18</a:t>
+              <a:t>06.02.18</a:t>
             </a:fld>
             <a:endParaRPr lang="de-DE"/>
           </a:p>
@@ -668,7 +672,7 @@
           <a:p>
             <a:fld id="{40F48B02-BA6B-C94B-B498-A07DA6464472}" type="datetimeFigureOut">
               <a:rPr lang="de-DE" smtClean="0"/>
-              <a:t>05.02.18</a:t>
+              <a:t>06.02.18</a:t>
             </a:fld>
             <a:endParaRPr lang="de-DE"/>
           </a:p>
@@ -868,7 +872,7 @@
           <a:p>
             <a:fld id="{40F48B02-BA6B-C94B-B498-A07DA6464472}" type="datetimeFigureOut">
               <a:rPr lang="de-DE" smtClean="0"/>
-              <a:t>05.02.18</a:t>
+              <a:t>06.02.18</a:t>
             </a:fld>
             <a:endParaRPr lang="de-DE"/>
           </a:p>
@@ -1144,7 +1148,7 @@
           <a:p>
             <a:fld id="{40F48B02-BA6B-C94B-B498-A07DA6464472}" type="datetimeFigureOut">
               <a:rPr lang="de-DE" smtClean="0"/>
-              <a:t>05.02.18</a:t>
+              <a:t>06.02.18</a:t>
             </a:fld>
             <a:endParaRPr lang="de-DE"/>
           </a:p>
@@ -1412,7 +1416,7 @@
           <a:p>
             <a:fld id="{40F48B02-BA6B-C94B-B498-A07DA6464472}" type="datetimeFigureOut">
               <a:rPr lang="de-DE" smtClean="0"/>
-              <a:t>05.02.18</a:t>
+              <a:t>06.02.18</a:t>
             </a:fld>
             <a:endParaRPr lang="de-DE"/>
           </a:p>
@@ -1827,7 +1831,7 @@
           <a:p>
             <a:fld id="{40F48B02-BA6B-C94B-B498-A07DA6464472}" type="datetimeFigureOut">
               <a:rPr lang="de-DE" smtClean="0"/>
-              <a:t>05.02.18</a:t>
+              <a:t>06.02.18</a:t>
             </a:fld>
             <a:endParaRPr lang="de-DE"/>
           </a:p>
@@ -1969,7 +1973,7 @@
           <a:p>
             <a:fld id="{40F48B02-BA6B-C94B-B498-A07DA6464472}" type="datetimeFigureOut">
               <a:rPr lang="de-DE" smtClean="0"/>
-              <a:t>05.02.18</a:t>
+              <a:t>06.02.18</a:t>
             </a:fld>
             <a:endParaRPr lang="de-DE"/>
           </a:p>
@@ -2082,7 +2086,7 @@
           <a:p>
             <a:fld id="{40F48B02-BA6B-C94B-B498-A07DA6464472}" type="datetimeFigureOut">
               <a:rPr lang="de-DE" smtClean="0"/>
-              <a:t>05.02.18</a:t>
+              <a:t>06.02.18</a:t>
             </a:fld>
             <a:endParaRPr lang="de-DE"/>
           </a:p>
@@ -2395,7 +2399,7 @@
           <a:p>
             <a:fld id="{40F48B02-BA6B-C94B-B498-A07DA6464472}" type="datetimeFigureOut">
               <a:rPr lang="de-DE" smtClean="0"/>
-              <a:t>05.02.18</a:t>
+              <a:t>06.02.18</a:t>
             </a:fld>
             <a:endParaRPr lang="de-DE"/>
           </a:p>
@@ -2684,7 +2688,7 @@
           <a:p>
             <a:fld id="{40F48B02-BA6B-C94B-B498-A07DA6464472}" type="datetimeFigureOut">
               <a:rPr lang="de-DE" smtClean="0"/>
-              <a:t>05.02.18</a:t>
+              <a:t>06.02.18</a:t>
             </a:fld>
             <a:endParaRPr lang="de-DE"/>
           </a:p>
@@ -2927,7 +2931,7 @@
           <a:p>
             <a:fld id="{40F48B02-BA6B-C94B-B498-A07DA6464472}" type="datetimeFigureOut">
               <a:rPr lang="de-DE" smtClean="0"/>
-              <a:t>05.02.18</a:t>
+              <a:t>06.02.18</a:t>
             </a:fld>
             <a:endParaRPr lang="de-DE"/>
           </a:p>
@@ -3344,60 +3348,1358 @@
           <a:chExt cx="0" cy="0"/>
         </a:xfrm>
       </p:grpSpPr>
-      <p:sp>
-        <p:nvSpPr>
-          <p:cNvPr id="2" name="Title 1">
-            <a:extLst>
-              <a:ext uri="{FF2B5EF4-FFF2-40B4-BE49-F238E27FC236}">
-                <a16:creationId xmlns:a16="http://schemas.microsoft.com/office/drawing/2014/main" id="{8D2D0C2E-86B9-0246-81AA-0D2C583447FB}"/>
-              </a:ext>
-            </a:extLst>
-          </p:cNvPr>
-          <p:cNvSpPr>
-            <a:spLocks noGrp="1"/>
-          </p:cNvSpPr>
-          <p:nvPr>
-            <p:ph type="ctrTitle"/>
-          </p:nvPr>
-        </p:nvSpPr>
-        <p:spPr/>
-        <p:txBody>
-          <a:bodyPr/>
-          <a:lstStyle/>
-          <a:p>
-            <a:endParaRPr lang="de-DE" dirty="0"/>
-          </a:p>
-        </p:txBody>
-      </p:sp>
-      <p:sp>
-        <p:nvSpPr>
-          <p:cNvPr id="3" name="Subtitle 2">
-            <a:extLst>
-              <a:ext uri="{FF2B5EF4-FFF2-40B4-BE49-F238E27FC236}">
-                <a16:creationId xmlns:a16="http://schemas.microsoft.com/office/drawing/2014/main" id="{C98D76F8-D1E0-134D-890F-F73FDA8B1515}"/>
-              </a:ext>
-            </a:extLst>
-          </p:cNvPr>
-          <p:cNvSpPr>
-            <a:spLocks noGrp="1"/>
-          </p:cNvSpPr>
-          <p:nvPr>
-            <p:ph type="subTitle" idx="1"/>
-          </p:nvPr>
-        </p:nvSpPr>
-        <p:spPr/>
-        <p:txBody>
-          <a:bodyPr/>
-          <a:lstStyle/>
-          <a:p>
-            <a:endParaRPr lang="de-DE"/>
-          </a:p>
-        </p:txBody>
-      </p:sp>
+      <p:pic>
+        <p:nvPicPr>
+          <p:cNvPr id="3" name="Picture 2">
+            <a:extLst>
+              <a:ext uri="{FF2B5EF4-FFF2-40B4-BE49-F238E27FC236}">
+                <a16:creationId xmlns:a16="http://schemas.microsoft.com/office/drawing/2014/main" id="{628E65BF-57B8-C34A-BF0F-02E61A23A845}"/>
+              </a:ext>
+            </a:extLst>
+          </p:cNvPr>
+          <p:cNvPicPr>
+            <a:picLocks noChangeAspect="1"/>
+          </p:cNvPicPr>
+          <p:nvPr/>
+        </p:nvPicPr>
+        <p:blipFill>
+          <a:blip r:embed="rId2">
+            <a:extLst>
+              <a:ext uri="{28A0092B-C50C-407E-A947-70E740481C1C}">
+                <a14:useLocalDpi xmlns:a14="http://schemas.microsoft.com/office/drawing/2010/main" val="0"/>
+              </a:ext>
+            </a:extLst>
+          </a:blip>
+          <a:stretch>
+            <a:fillRect/>
+          </a:stretch>
+        </p:blipFill>
+        <p:spPr>
+          <a:xfrm>
+            <a:off x="10481" y="1961008"/>
+            <a:ext cx="4057096" cy="4057096"/>
+          </a:xfrm>
+          <a:prstGeom prst="rect">
+            <a:avLst/>
+          </a:prstGeom>
+        </p:spPr>
+      </p:pic>
+      <p:pic>
+        <p:nvPicPr>
+          <p:cNvPr id="7" name="Picture 6">
+            <a:extLst>
+              <a:ext uri="{FF2B5EF4-FFF2-40B4-BE49-F238E27FC236}">
+                <a16:creationId xmlns:a16="http://schemas.microsoft.com/office/drawing/2014/main" id="{E5A7731D-797C-FE4C-B155-02CDF2F61A0E}"/>
+              </a:ext>
+            </a:extLst>
+          </p:cNvPr>
+          <p:cNvPicPr>
+            <a:picLocks noChangeAspect="1"/>
+          </p:cNvPicPr>
+          <p:nvPr/>
+        </p:nvPicPr>
+        <p:blipFill>
+          <a:blip r:embed="rId3">
+            <a:extLst>
+              <a:ext uri="{28A0092B-C50C-407E-A947-70E740481C1C}">
+                <a14:useLocalDpi xmlns:a14="http://schemas.microsoft.com/office/drawing/2010/main" val="0"/>
+              </a:ext>
+            </a:extLst>
+          </a:blip>
+          <a:stretch>
+            <a:fillRect/>
+          </a:stretch>
+        </p:blipFill>
+        <p:spPr>
+          <a:xfrm>
+            <a:off x="4066391" y="1958636"/>
+            <a:ext cx="4059468" cy="4059468"/>
+          </a:xfrm>
+          <a:prstGeom prst="rect">
+            <a:avLst/>
+          </a:prstGeom>
+        </p:spPr>
+      </p:pic>
+      <p:pic>
+        <p:nvPicPr>
+          <p:cNvPr id="11" name="Picture 10">
+            <a:extLst>
+              <a:ext uri="{FF2B5EF4-FFF2-40B4-BE49-F238E27FC236}">
+                <a16:creationId xmlns:a16="http://schemas.microsoft.com/office/drawing/2014/main" id="{D7BDEB26-C736-A04D-82C1-F7FD22ABA187}"/>
+              </a:ext>
+            </a:extLst>
+          </p:cNvPr>
+          <p:cNvPicPr>
+            <a:picLocks noChangeAspect="1"/>
+          </p:cNvPicPr>
+          <p:nvPr/>
+        </p:nvPicPr>
+        <p:blipFill>
+          <a:blip r:embed="rId4">
+            <a:extLst>
+              <a:ext uri="{28A0092B-C50C-407E-A947-70E740481C1C}">
+                <a14:useLocalDpi xmlns:a14="http://schemas.microsoft.com/office/drawing/2010/main" val="0"/>
+              </a:ext>
+            </a:extLst>
+          </a:blip>
+          <a:stretch>
+            <a:fillRect/>
+          </a:stretch>
+        </p:blipFill>
+        <p:spPr>
+          <a:xfrm>
+            <a:off x="8124673" y="1958636"/>
+            <a:ext cx="4059468" cy="4059468"/>
+          </a:xfrm>
+          <a:prstGeom prst="rect">
+            <a:avLst/>
+          </a:prstGeom>
+        </p:spPr>
+      </p:pic>
+      <mc:AlternateContent xmlns:mc="http://schemas.openxmlformats.org/markup-compatibility/2006">
+        <mc:Choice xmlns:a14="http://schemas.microsoft.com/office/drawing/2010/main" Requires="a14">
+          <p:sp>
+            <p:nvSpPr>
+              <p:cNvPr id="13" name="TextBox 12">
+                <a:extLst>
+                  <a:ext uri="{FF2B5EF4-FFF2-40B4-BE49-F238E27FC236}">
+                    <a16:creationId xmlns:a16="http://schemas.microsoft.com/office/drawing/2014/main" id="{BE606C33-3B42-5449-A044-11FDB719C658}"/>
+                  </a:ext>
+                </a:extLst>
+              </p:cNvPr>
+              <p:cNvSpPr txBox="1"/>
+              <p:nvPr/>
+            </p:nvSpPr>
+            <p:spPr>
+              <a:xfrm>
+                <a:off x="1809736" y="6018104"/>
+                <a:ext cx="596574" cy="276999"/>
+              </a:xfrm>
+              <a:prstGeom prst="rect">
+                <a:avLst/>
+              </a:prstGeom>
+              <a:noFill/>
+            </p:spPr>
+            <p:txBody>
+              <a:bodyPr wrap="none" lIns="0" tIns="0" rIns="0" bIns="0" rtlCol="0">
+                <a:spAutoFit/>
+              </a:bodyPr>
+              <a:lstStyle/>
+              <a:p>
+                <a:pPr/>
+                <a14:m>
+                  <m:oMathPara xmlns:m="http://schemas.openxmlformats.org/officeDocument/2006/math">
+                    <m:oMathParaPr>
+                      <m:jc m:val="centerGroup"/>
+                    </m:oMathParaPr>
+                    <m:oMath xmlns:m="http://schemas.openxmlformats.org/officeDocument/2006/math">
+                      <m:r>
+                        <a:rPr lang="de-DE" b="0" i="1" smtClean="0">
+                          <a:latin typeface="Cambria Math" panose="02040503050406030204" pitchFamily="18" charset="0"/>
+                        </a:rPr>
+                        <m:t>𝑟</m:t>
+                      </m:r>
+                      <m:r>
+                        <a:rPr lang="de-DE" b="0" i="1" smtClean="0">
+                          <a:latin typeface="Cambria Math" panose="02040503050406030204" pitchFamily="18" charset="0"/>
+                        </a:rPr>
+                        <m:t>&lt;0</m:t>
+                      </m:r>
+                    </m:oMath>
+                  </m:oMathPara>
+                </a14:m>
+                <a:endParaRPr lang="de-DE" dirty="0"/>
+              </a:p>
+            </p:txBody>
+          </p:sp>
+        </mc:Choice>
+        <mc:Fallback>
+          <p:sp>
+            <p:nvSpPr>
+              <p:cNvPr id="13" name="TextBox 12">
+                <a:extLst>
+                  <a:ext uri="{FF2B5EF4-FFF2-40B4-BE49-F238E27FC236}">
+                    <a16:creationId xmlns:a16="http://schemas.microsoft.com/office/drawing/2014/main" id="{BE606C33-3B42-5449-A044-11FDB719C658}"/>
+                  </a:ext>
+                </a:extLst>
+              </p:cNvPr>
+              <p:cNvSpPr txBox="1">
+                <a:spLocks noRot="1" noChangeAspect="1" noMove="1" noResize="1" noEditPoints="1" noAdjustHandles="1" noChangeArrowheads="1" noChangeShapeType="1" noTextEdit="1"/>
+              </p:cNvSpPr>
+              <p:nvPr/>
+            </p:nvSpPr>
+            <p:spPr>
+              <a:xfrm>
+                <a:off x="1809736" y="6018104"/>
+                <a:ext cx="596574" cy="276999"/>
+              </a:xfrm>
+              <a:prstGeom prst="rect">
+                <a:avLst/>
+              </a:prstGeom>
+              <a:blipFill>
+                <a:blip r:embed="rId5"/>
+                <a:stretch>
+                  <a:fillRect l="-2083" r="-8333" b="-4348"/>
+                </a:stretch>
+              </a:blipFill>
+            </p:spPr>
+            <p:txBody>
+              <a:bodyPr/>
+              <a:lstStyle/>
+              <a:p>
+                <a:r>
+                  <a:rPr lang="de-DE">
+                    <a:noFill/>
+                  </a:rPr>
+                  <a:t> </a:t>
+                </a:r>
+              </a:p>
+            </p:txBody>
+          </p:sp>
+        </mc:Fallback>
+      </mc:AlternateContent>
+      <mc:AlternateContent xmlns:mc="http://schemas.openxmlformats.org/markup-compatibility/2006">
+        <mc:Choice xmlns:a14="http://schemas.microsoft.com/office/drawing/2010/main" Requires="a14">
+          <p:sp>
+            <p:nvSpPr>
+              <p:cNvPr id="14" name="TextBox 13">
+                <a:extLst>
+                  <a:ext uri="{FF2B5EF4-FFF2-40B4-BE49-F238E27FC236}">
+                    <a16:creationId xmlns:a16="http://schemas.microsoft.com/office/drawing/2014/main" id="{6CDAB569-B22E-7A48-AB86-5D183A6ABCDE}"/>
+                  </a:ext>
+                </a:extLst>
+              </p:cNvPr>
+              <p:cNvSpPr txBox="1"/>
+              <p:nvPr/>
+            </p:nvSpPr>
+            <p:spPr>
+              <a:xfrm>
+                <a:off x="5892512" y="6018103"/>
+                <a:ext cx="596574" cy="276999"/>
+              </a:xfrm>
+              <a:prstGeom prst="rect">
+                <a:avLst/>
+              </a:prstGeom>
+              <a:noFill/>
+            </p:spPr>
+            <p:txBody>
+              <a:bodyPr wrap="none" lIns="0" tIns="0" rIns="0" bIns="0" rtlCol="0">
+                <a:spAutoFit/>
+              </a:bodyPr>
+              <a:lstStyle/>
+              <a:p>
+                <a:pPr/>
+                <a14:m>
+                  <m:oMathPara xmlns:m="http://schemas.openxmlformats.org/officeDocument/2006/math">
+                    <m:oMathParaPr>
+                      <m:jc m:val="centerGroup"/>
+                    </m:oMathParaPr>
+                    <m:oMath xmlns:m="http://schemas.openxmlformats.org/officeDocument/2006/math">
+                      <m:r>
+                        <a:rPr lang="de-DE" b="0" i="1" smtClean="0">
+                          <a:latin typeface="Cambria Math" panose="02040503050406030204" pitchFamily="18" charset="0"/>
+                        </a:rPr>
+                        <m:t>𝑟</m:t>
+                      </m:r>
+                      <m:r>
+                        <a:rPr lang="de-DE" b="0" i="1" smtClean="0">
+                          <a:latin typeface="Cambria Math" panose="02040503050406030204" pitchFamily="18" charset="0"/>
+                        </a:rPr>
+                        <m:t>=0</m:t>
+                      </m:r>
+                    </m:oMath>
+                  </m:oMathPara>
+                </a14:m>
+                <a:endParaRPr lang="de-DE" dirty="0"/>
+              </a:p>
+            </p:txBody>
+          </p:sp>
+        </mc:Choice>
+        <mc:Fallback>
+          <p:sp>
+            <p:nvSpPr>
+              <p:cNvPr id="14" name="TextBox 13">
+                <a:extLst>
+                  <a:ext uri="{FF2B5EF4-FFF2-40B4-BE49-F238E27FC236}">
+                    <a16:creationId xmlns:a16="http://schemas.microsoft.com/office/drawing/2014/main" id="{6CDAB569-B22E-7A48-AB86-5D183A6ABCDE}"/>
+                  </a:ext>
+                </a:extLst>
+              </p:cNvPr>
+              <p:cNvSpPr txBox="1">
+                <a:spLocks noRot="1" noChangeAspect="1" noMove="1" noResize="1" noEditPoints="1" noAdjustHandles="1" noChangeArrowheads="1" noChangeShapeType="1" noTextEdit="1"/>
+              </p:cNvSpPr>
+              <p:nvPr/>
+            </p:nvSpPr>
+            <p:spPr>
+              <a:xfrm>
+                <a:off x="5892512" y="6018103"/>
+                <a:ext cx="596574" cy="276999"/>
+              </a:xfrm>
+              <a:prstGeom prst="rect">
+                <a:avLst/>
+              </a:prstGeom>
+              <a:blipFill>
+                <a:blip r:embed="rId6"/>
+                <a:stretch>
+                  <a:fillRect l="-4167" r="-8333" b="-4348"/>
+                </a:stretch>
+              </a:blipFill>
+            </p:spPr>
+            <p:txBody>
+              <a:bodyPr/>
+              <a:lstStyle/>
+              <a:p>
+                <a:r>
+                  <a:rPr lang="de-DE">
+                    <a:noFill/>
+                  </a:rPr>
+                  <a:t> </a:t>
+                </a:r>
+              </a:p>
+            </p:txBody>
+          </p:sp>
+        </mc:Fallback>
+      </mc:AlternateContent>
+      <mc:AlternateContent xmlns:mc="http://schemas.openxmlformats.org/markup-compatibility/2006">
+        <mc:Choice xmlns:a14="http://schemas.microsoft.com/office/drawing/2010/main" Requires="a14">
+          <p:sp>
+            <p:nvSpPr>
+              <p:cNvPr id="15" name="TextBox 14">
+                <a:extLst>
+                  <a:ext uri="{FF2B5EF4-FFF2-40B4-BE49-F238E27FC236}">
+                    <a16:creationId xmlns:a16="http://schemas.microsoft.com/office/drawing/2014/main" id="{DF7D7182-4DD0-3647-829A-E221423910E5}"/>
+                  </a:ext>
+                </a:extLst>
+              </p:cNvPr>
+              <p:cNvSpPr txBox="1"/>
+              <p:nvPr/>
+            </p:nvSpPr>
+            <p:spPr>
+              <a:xfrm>
+                <a:off x="9950794" y="6018103"/>
+                <a:ext cx="596574" cy="276999"/>
+              </a:xfrm>
+              <a:prstGeom prst="rect">
+                <a:avLst/>
+              </a:prstGeom>
+              <a:noFill/>
+            </p:spPr>
+            <p:txBody>
+              <a:bodyPr wrap="none" lIns="0" tIns="0" rIns="0" bIns="0" rtlCol="0">
+                <a:spAutoFit/>
+              </a:bodyPr>
+              <a:lstStyle/>
+              <a:p>
+                <a:pPr/>
+                <a14:m>
+                  <m:oMathPara xmlns:m="http://schemas.openxmlformats.org/officeDocument/2006/math">
+                    <m:oMathParaPr>
+                      <m:jc m:val="centerGroup"/>
+                    </m:oMathParaPr>
+                    <m:oMath xmlns:m="http://schemas.openxmlformats.org/officeDocument/2006/math">
+                      <m:r>
+                        <a:rPr lang="de-DE" b="0" i="1" smtClean="0">
+                          <a:latin typeface="Cambria Math" panose="02040503050406030204" pitchFamily="18" charset="0"/>
+                        </a:rPr>
+                        <m:t>𝑟</m:t>
+                      </m:r>
+                      <m:r>
+                        <a:rPr lang="de-DE" b="0" i="1" smtClean="0">
+                          <a:latin typeface="Cambria Math" panose="02040503050406030204" pitchFamily="18" charset="0"/>
+                        </a:rPr>
+                        <m:t>&gt;0</m:t>
+                      </m:r>
+                    </m:oMath>
+                  </m:oMathPara>
+                </a14:m>
+                <a:endParaRPr lang="de-DE" dirty="0"/>
+              </a:p>
+            </p:txBody>
+          </p:sp>
+        </mc:Choice>
+        <mc:Fallback>
+          <p:sp>
+            <p:nvSpPr>
+              <p:cNvPr id="15" name="TextBox 14">
+                <a:extLst>
+                  <a:ext uri="{FF2B5EF4-FFF2-40B4-BE49-F238E27FC236}">
+                    <a16:creationId xmlns:a16="http://schemas.microsoft.com/office/drawing/2014/main" id="{DF7D7182-4DD0-3647-829A-E221423910E5}"/>
+                  </a:ext>
+                </a:extLst>
+              </p:cNvPr>
+              <p:cNvSpPr txBox="1">
+                <a:spLocks noRot="1" noChangeAspect="1" noMove="1" noResize="1" noEditPoints="1" noAdjustHandles="1" noChangeArrowheads="1" noChangeShapeType="1" noTextEdit="1"/>
+              </p:cNvSpPr>
+              <p:nvPr/>
+            </p:nvSpPr>
+            <p:spPr>
+              <a:xfrm>
+                <a:off x="9950794" y="6018103"/>
+                <a:ext cx="596574" cy="276999"/>
+              </a:xfrm>
+              <a:prstGeom prst="rect">
+                <a:avLst/>
+              </a:prstGeom>
+              <a:blipFill>
+                <a:blip r:embed="rId7"/>
+                <a:stretch>
+                  <a:fillRect l="-6250" r="-6250" b="-4348"/>
+                </a:stretch>
+              </a:blipFill>
+            </p:spPr>
+            <p:txBody>
+              <a:bodyPr/>
+              <a:lstStyle/>
+              <a:p>
+                <a:r>
+                  <a:rPr lang="de-DE">
+                    <a:noFill/>
+                  </a:rPr>
+                  <a:t> </a:t>
+                </a:r>
+              </a:p>
+            </p:txBody>
+          </p:sp>
+        </mc:Fallback>
+      </mc:AlternateContent>
+      <mc:AlternateContent xmlns:mc="http://schemas.openxmlformats.org/markup-compatibility/2006">
+        <mc:Choice xmlns:a14="http://schemas.microsoft.com/office/drawing/2010/main" Requires="a14">
+          <p:sp>
+            <p:nvSpPr>
+              <p:cNvPr id="20" name="TextBox 19">
+                <a:extLst>
+                  <a:ext uri="{FF2B5EF4-FFF2-40B4-BE49-F238E27FC236}">
+                    <a16:creationId xmlns:a16="http://schemas.microsoft.com/office/drawing/2014/main" id="{A7FE0CCA-0029-1141-B8D3-BC3E713169D8}"/>
+                  </a:ext>
+                </a:extLst>
+              </p:cNvPr>
+              <p:cNvSpPr txBox="1"/>
+              <p:nvPr/>
+            </p:nvSpPr>
+            <p:spPr>
+              <a:xfrm>
+                <a:off x="11588885" y="4180549"/>
+                <a:ext cx="183319" cy="276999"/>
+              </a:xfrm>
+              <a:prstGeom prst="rect">
+                <a:avLst/>
+              </a:prstGeom>
+              <a:noFill/>
+            </p:spPr>
+            <p:txBody>
+              <a:bodyPr wrap="none" lIns="0" tIns="0" rIns="0" bIns="0" rtlCol="0">
+                <a:spAutoFit/>
+              </a:bodyPr>
+              <a:lstStyle/>
+              <a:p>
+                <a:pPr/>
+                <a14:m>
+                  <m:oMathPara xmlns:m="http://schemas.openxmlformats.org/officeDocument/2006/math">
+                    <m:oMathParaPr>
+                      <m:jc m:val="centerGroup"/>
+                    </m:oMathParaPr>
+                    <m:oMath xmlns:m="http://schemas.openxmlformats.org/officeDocument/2006/math">
+                      <m:r>
+                        <a:rPr lang="de-DE" b="0" i="1" smtClean="0">
+                          <a:solidFill>
+                            <a:schemeClr val="tx1">
+                              <a:lumMod val="65000"/>
+                              <a:lumOff val="35000"/>
+                            </a:schemeClr>
+                          </a:solidFill>
+                          <a:latin typeface="Cambria Math" panose="02040503050406030204" pitchFamily="18" charset="0"/>
+                        </a:rPr>
+                        <m:t>𝑥</m:t>
+                      </m:r>
+                    </m:oMath>
+                  </m:oMathPara>
+                </a14:m>
+                <a:endParaRPr lang="de-DE" dirty="0">
+                  <a:solidFill>
+                    <a:schemeClr val="tx1">
+                      <a:lumMod val="65000"/>
+                      <a:lumOff val="35000"/>
+                    </a:schemeClr>
+                  </a:solidFill>
+                </a:endParaRPr>
+              </a:p>
+            </p:txBody>
+          </p:sp>
+        </mc:Choice>
+        <mc:Fallback>
+          <p:sp>
+            <p:nvSpPr>
+              <p:cNvPr id="20" name="TextBox 19">
+                <a:extLst>
+                  <a:ext uri="{FF2B5EF4-FFF2-40B4-BE49-F238E27FC236}">
+                    <a16:creationId xmlns:a16="http://schemas.microsoft.com/office/drawing/2014/main" id="{A7FE0CCA-0029-1141-B8D3-BC3E713169D8}"/>
+                  </a:ext>
+                </a:extLst>
+              </p:cNvPr>
+              <p:cNvSpPr txBox="1">
+                <a:spLocks noRot="1" noChangeAspect="1" noMove="1" noResize="1" noEditPoints="1" noAdjustHandles="1" noChangeArrowheads="1" noChangeShapeType="1" noTextEdit="1"/>
+              </p:cNvSpPr>
+              <p:nvPr/>
+            </p:nvSpPr>
+            <p:spPr>
+              <a:xfrm>
+                <a:off x="11588885" y="4180549"/>
+                <a:ext cx="183319" cy="276999"/>
+              </a:xfrm>
+              <a:prstGeom prst="rect">
+                <a:avLst/>
+              </a:prstGeom>
+              <a:blipFill>
+                <a:blip r:embed="rId8"/>
+                <a:stretch>
+                  <a:fillRect l="-13333" r="-6667"/>
+                </a:stretch>
+              </a:blipFill>
+            </p:spPr>
+            <p:txBody>
+              <a:bodyPr/>
+              <a:lstStyle/>
+              <a:p>
+                <a:r>
+                  <a:rPr lang="de-DE">
+                    <a:noFill/>
+                  </a:rPr>
+                  <a:t> </a:t>
+                </a:r>
+              </a:p>
+            </p:txBody>
+          </p:sp>
+        </mc:Fallback>
+      </mc:AlternateContent>
+      <mc:AlternateContent xmlns:mc="http://schemas.openxmlformats.org/markup-compatibility/2006">
+        <mc:Choice xmlns:a14="http://schemas.microsoft.com/office/drawing/2010/main" Requires="a14">
+          <p:sp>
+            <p:nvSpPr>
+              <p:cNvPr id="21" name="TextBox 20">
+                <a:extLst>
+                  <a:ext uri="{FF2B5EF4-FFF2-40B4-BE49-F238E27FC236}">
+                    <a16:creationId xmlns:a16="http://schemas.microsoft.com/office/drawing/2014/main" id="{9AA966EC-A40A-ED45-A3B5-CCF1D082E908}"/>
+                  </a:ext>
+                </a:extLst>
+              </p:cNvPr>
+              <p:cNvSpPr txBox="1"/>
+              <p:nvPr/>
+            </p:nvSpPr>
+            <p:spPr>
+              <a:xfrm>
+                <a:off x="3477508" y="4180551"/>
+                <a:ext cx="183319" cy="276999"/>
+              </a:xfrm>
+              <a:prstGeom prst="rect">
+                <a:avLst/>
+              </a:prstGeom>
+              <a:noFill/>
+            </p:spPr>
+            <p:txBody>
+              <a:bodyPr wrap="none" lIns="0" tIns="0" rIns="0" bIns="0" rtlCol="0">
+                <a:spAutoFit/>
+              </a:bodyPr>
+              <a:lstStyle/>
+              <a:p>
+                <a:pPr/>
+                <a14:m>
+                  <m:oMathPara xmlns:m="http://schemas.openxmlformats.org/officeDocument/2006/math">
+                    <m:oMathParaPr>
+                      <m:jc m:val="centerGroup"/>
+                    </m:oMathParaPr>
+                    <m:oMath xmlns:m="http://schemas.openxmlformats.org/officeDocument/2006/math">
+                      <m:r>
+                        <a:rPr lang="de-DE" b="0" i="1" smtClean="0">
+                          <a:solidFill>
+                            <a:schemeClr val="tx1">
+                              <a:lumMod val="65000"/>
+                              <a:lumOff val="35000"/>
+                            </a:schemeClr>
+                          </a:solidFill>
+                          <a:latin typeface="Cambria Math" panose="02040503050406030204" pitchFamily="18" charset="0"/>
+                        </a:rPr>
+                        <m:t>𝑥</m:t>
+                      </m:r>
+                    </m:oMath>
+                  </m:oMathPara>
+                </a14:m>
+                <a:endParaRPr lang="de-DE" dirty="0">
+                  <a:solidFill>
+                    <a:schemeClr val="tx1">
+                      <a:lumMod val="65000"/>
+                      <a:lumOff val="35000"/>
+                    </a:schemeClr>
+                  </a:solidFill>
+                </a:endParaRPr>
+              </a:p>
+            </p:txBody>
+          </p:sp>
+        </mc:Choice>
+        <mc:Fallback>
+          <p:sp>
+            <p:nvSpPr>
+              <p:cNvPr id="21" name="TextBox 20">
+                <a:extLst>
+                  <a:ext uri="{FF2B5EF4-FFF2-40B4-BE49-F238E27FC236}">
+                    <a16:creationId xmlns:a16="http://schemas.microsoft.com/office/drawing/2014/main" id="{9AA966EC-A40A-ED45-A3B5-CCF1D082E908}"/>
+                  </a:ext>
+                </a:extLst>
+              </p:cNvPr>
+              <p:cNvSpPr txBox="1">
+                <a:spLocks noRot="1" noChangeAspect="1" noMove="1" noResize="1" noEditPoints="1" noAdjustHandles="1" noChangeArrowheads="1" noChangeShapeType="1" noTextEdit="1"/>
+              </p:cNvSpPr>
+              <p:nvPr/>
+            </p:nvSpPr>
+            <p:spPr>
+              <a:xfrm>
+                <a:off x="3477508" y="4180551"/>
+                <a:ext cx="183319" cy="276999"/>
+              </a:xfrm>
+              <a:prstGeom prst="rect">
+                <a:avLst/>
+              </a:prstGeom>
+              <a:blipFill>
+                <a:blip r:embed="rId9"/>
+                <a:stretch>
+                  <a:fillRect l="-13333" r="-13333"/>
+                </a:stretch>
+              </a:blipFill>
+            </p:spPr>
+            <p:txBody>
+              <a:bodyPr/>
+              <a:lstStyle/>
+              <a:p>
+                <a:r>
+                  <a:rPr lang="de-DE">
+                    <a:noFill/>
+                  </a:rPr>
+                  <a:t> </a:t>
+                </a:r>
+              </a:p>
+            </p:txBody>
+          </p:sp>
+        </mc:Fallback>
+      </mc:AlternateContent>
+      <mc:AlternateContent xmlns:mc="http://schemas.openxmlformats.org/markup-compatibility/2006">
+        <mc:Choice xmlns:a14="http://schemas.microsoft.com/office/drawing/2010/main" Requires="a14">
+          <p:sp>
+            <p:nvSpPr>
+              <p:cNvPr id="19" name="TextBox 18">
+                <a:extLst>
+                  <a:ext uri="{FF2B5EF4-FFF2-40B4-BE49-F238E27FC236}">
+                    <a16:creationId xmlns:a16="http://schemas.microsoft.com/office/drawing/2014/main" id="{1BC35356-F83B-5741-BE39-235F289B56BC}"/>
+                  </a:ext>
+                </a:extLst>
+              </p:cNvPr>
+              <p:cNvSpPr txBox="1"/>
+              <p:nvPr/>
+            </p:nvSpPr>
+            <p:spPr>
+              <a:xfrm>
+                <a:off x="7531789" y="4180550"/>
+                <a:ext cx="183319" cy="276999"/>
+              </a:xfrm>
+              <a:prstGeom prst="rect">
+                <a:avLst/>
+              </a:prstGeom>
+              <a:noFill/>
+            </p:spPr>
+            <p:txBody>
+              <a:bodyPr wrap="none" lIns="0" tIns="0" rIns="0" bIns="0" rtlCol="0">
+                <a:spAutoFit/>
+              </a:bodyPr>
+              <a:lstStyle/>
+              <a:p>
+                <a:pPr/>
+                <a14:m>
+                  <m:oMathPara xmlns:m="http://schemas.openxmlformats.org/officeDocument/2006/math">
+                    <m:oMathParaPr>
+                      <m:jc m:val="centerGroup"/>
+                    </m:oMathParaPr>
+                    <m:oMath xmlns:m="http://schemas.openxmlformats.org/officeDocument/2006/math">
+                      <m:r>
+                        <a:rPr lang="de-DE" b="0" i="1" smtClean="0">
+                          <a:solidFill>
+                            <a:schemeClr val="tx1">
+                              <a:lumMod val="65000"/>
+                              <a:lumOff val="35000"/>
+                            </a:schemeClr>
+                          </a:solidFill>
+                          <a:latin typeface="Cambria Math" panose="02040503050406030204" pitchFamily="18" charset="0"/>
+                        </a:rPr>
+                        <m:t>𝑥</m:t>
+                      </m:r>
+                    </m:oMath>
+                  </m:oMathPara>
+                </a14:m>
+                <a:endParaRPr lang="de-DE" dirty="0">
+                  <a:solidFill>
+                    <a:schemeClr val="tx1">
+                      <a:lumMod val="65000"/>
+                      <a:lumOff val="35000"/>
+                    </a:schemeClr>
+                  </a:solidFill>
+                </a:endParaRPr>
+              </a:p>
+            </p:txBody>
+          </p:sp>
+        </mc:Choice>
+        <mc:Fallback>
+          <p:sp>
+            <p:nvSpPr>
+              <p:cNvPr id="19" name="TextBox 18">
+                <a:extLst>
+                  <a:ext uri="{FF2B5EF4-FFF2-40B4-BE49-F238E27FC236}">
+                    <a16:creationId xmlns:a16="http://schemas.microsoft.com/office/drawing/2014/main" id="{1BC35356-F83B-5741-BE39-235F289B56BC}"/>
+                  </a:ext>
+                </a:extLst>
+              </p:cNvPr>
+              <p:cNvSpPr txBox="1">
+                <a:spLocks noRot="1" noChangeAspect="1" noMove="1" noResize="1" noEditPoints="1" noAdjustHandles="1" noChangeArrowheads="1" noChangeShapeType="1" noTextEdit="1"/>
+              </p:cNvSpPr>
+              <p:nvPr/>
+            </p:nvSpPr>
+            <p:spPr>
+              <a:xfrm>
+                <a:off x="7531789" y="4180550"/>
+                <a:ext cx="183319" cy="276999"/>
+              </a:xfrm>
+              <a:prstGeom prst="rect">
+                <a:avLst/>
+              </a:prstGeom>
+              <a:blipFill>
+                <a:blip r:embed="rId9"/>
+                <a:stretch>
+                  <a:fillRect l="-13333" r="-13333"/>
+                </a:stretch>
+              </a:blipFill>
+            </p:spPr>
+            <p:txBody>
+              <a:bodyPr/>
+              <a:lstStyle/>
+              <a:p>
+                <a:r>
+                  <a:rPr lang="de-DE">
+                    <a:noFill/>
+                  </a:rPr>
+                  <a:t> </a:t>
+                </a:r>
+              </a:p>
+            </p:txBody>
+          </p:sp>
+        </mc:Fallback>
+      </mc:AlternateContent>
+      <mc:AlternateContent xmlns:mc="http://schemas.openxmlformats.org/markup-compatibility/2006">
+        <mc:Choice xmlns:a14="http://schemas.microsoft.com/office/drawing/2010/main" Requires="a14">
+          <p:sp>
+            <p:nvSpPr>
+              <p:cNvPr id="18" name="TextBox 17">
+                <a:extLst>
+                  <a:ext uri="{FF2B5EF4-FFF2-40B4-BE49-F238E27FC236}">
+                    <a16:creationId xmlns:a16="http://schemas.microsoft.com/office/drawing/2014/main" id="{797B0EE6-5868-234A-901F-706EA46DBD15}"/>
+                  </a:ext>
+                </a:extLst>
+              </p:cNvPr>
+              <p:cNvSpPr txBox="1"/>
+              <p:nvPr/>
+            </p:nvSpPr>
+            <p:spPr>
+              <a:xfrm>
+                <a:off x="6208078" y="2463768"/>
+                <a:ext cx="183320" cy="276999"/>
+              </a:xfrm>
+              <a:prstGeom prst="rect">
+                <a:avLst/>
+              </a:prstGeom>
+              <a:noFill/>
+            </p:spPr>
+            <p:txBody>
+              <a:bodyPr wrap="none" lIns="0" tIns="0" rIns="0" bIns="0" rtlCol="0">
+                <a:spAutoFit/>
+              </a:bodyPr>
+              <a:lstStyle/>
+              <a:p>
+                <a:pPr/>
+                <a14:m>
+                  <m:oMathPara xmlns:m="http://schemas.openxmlformats.org/officeDocument/2006/math">
+                    <m:oMathParaPr>
+                      <m:jc m:val="centerGroup"/>
+                    </m:oMathParaPr>
+                    <m:oMath xmlns:m="http://schemas.openxmlformats.org/officeDocument/2006/math">
+                      <m:acc>
+                        <m:accPr>
+                          <m:chr m:val="̇"/>
+                          <m:ctrlPr>
+                            <a:rPr lang="de-DE" i="1" smtClean="0">
+                              <a:solidFill>
+                                <a:schemeClr val="tx1">
+                                  <a:lumMod val="65000"/>
+                                  <a:lumOff val="35000"/>
+                                </a:schemeClr>
+                              </a:solidFill>
+                              <a:latin typeface="Cambria Math" panose="02040503050406030204" pitchFamily="18" charset="0"/>
+                            </a:rPr>
+                          </m:ctrlPr>
+                        </m:accPr>
+                        <m:e>
+                          <m:r>
+                            <a:rPr lang="de-DE" b="0" i="1" smtClean="0">
+                              <a:solidFill>
+                                <a:schemeClr val="tx1">
+                                  <a:lumMod val="65000"/>
+                                  <a:lumOff val="35000"/>
+                                </a:schemeClr>
+                              </a:solidFill>
+                              <a:latin typeface="Cambria Math" panose="02040503050406030204" pitchFamily="18" charset="0"/>
+                            </a:rPr>
+                            <m:t>𝑥</m:t>
+                          </m:r>
+                        </m:e>
+                      </m:acc>
+                    </m:oMath>
+                  </m:oMathPara>
+                </a14:m>
+                <a:endParaRPr lang="de-DE" dirty="0">
+                  <a:solidFill>
+                    <a:schemeClr val="tx1">
+                      <a:lumMod val="65000"/>
+                      <a:lumOff val="35000"/>
+                    </a:schemeClr>
+                  </a:solidFill>
+                </a:endParaRPr>
+              </a:p>
+            </p:txBody>
+          </p:sp>
+        </mc:Choice>
+        <mc:Fallback>
+          <p:sp>
+            <p:nvSpPr>
+              <p:cNvPr id="18" name="TextBox 17">
+                <a:extLst>
+                  <a:ext uri="{FF2B5EF4-FFF2-40B4-BE49-F238E27FC236}">
+                    <a16:creationId xmlns:a16="http://schemas.microsoft.com/office/drawing/2014/main" id="{797B0EE6-5868-234A-901F-706EA46DBD15}"/>
+                  </a:ext>
+                </a:extLst>
+              </p:cNvPr>
+              <p:cNvSpPr txBox="1">
+                <a:spLocks noRot="1" noChangeAspect="1" noMove="1" noResize="1" noEditPoints="1" noAdjustHandles="1" noChangeArrowheads="1" noChangeShapeType="1" noTextEdit="1"/>
+              </p:cNvSpPr>
+              <p:nvPr/>
+            </p:nvSpPr>
+            <p:spPr>
+              <a:xfrm>
+                <a:off x="6208078" y="2463768"/>
+                <a:ext cx="183320" cy="276999"/>
+              </a:xfrm>
+              <a:prstGeom prst="rect">
+                <a:avLst/>
+              </a:prstGeom>
+              <a:blipFill>
+                <a:blip r:embed="rId10"/>
+                <a:stretch>
+                  <a:fillRect l="-13333" r="-13333"/>
+                </a:stretch>
+              </a:blipFill>
+            </p:spPr>
+            <p:txBody>
+              <a:bodyPr/>
+              <a:lstStyle/>
+              <a:p>
+                <a:r>
+                  <a:rPr lang="de-DE">
+                    <a:noFill/>
+                  </a:rPr>
+                  <a:t> </a:t>
+                </a:r>
+              </a:p>
+            </p:txBody>
+          </p:sp>
+        </mc:Fallback>
+      </mc:AlternateContent>
+      <mc:AlternateContent xmlns:mc="http://schemas.openxmlformats.org/markup-compatibility/2006">
+        <mc:Choice xmlns:a14="http://schemas.microsoft.com/office/drawing/2010/main" Requires="a14">
+          <p:sp>
+            <p:nvSpPr>
+              <p:cNvPr id="17" name="TextBox 16">
+                <a:extLst>
+                  <a:ext uri="{FF2B5EF4-FFF2-40B4-BE49-F238E27FC236}">
+                    <a16:creationId xmlns:a16="http://schemas.microsoft.com/office/drawing/2014/main" id="{06F6D14B-2A39-7C4D-A7A4-DBAD674B3B16}"/>
+                  </a:ext>
+                </a:extLst>
+              </p:cNvPr>
+              <p:cNvSpPr txBox="1"/>
+              <p:nvPr/>
+            </p:nvSpPr>
+            <p:spPr>
+              <a:xfrm>
+                <a:off x="2131331" y="2463768"/>
+                <a:ext cx="183320" cy="276999"/>
+              </a:xfrm>
+              <a:prstGeom prst="rect">
+                <a:avLst/>
+              </a:prstGeom>
+              <a:noFill/>
+            </p:spPr>
+            <p:txBody>
+              <a:bodyPr wrap="none" lIns="0" tIns="0" rIns="0" bIns="0" rtlCol="0">
+                <a:spAutoFit/>
+              </a:bodyPr>
+              <a:lstStyle/>
+              <a:p>
+                <a:pPr/>
+                <a14:m>
+                  <m:oMathPara xmlns:m="http://schemas.openxmlformats.org/officeDocument/2006/math">
+                    <m:oMathParaPr>
+                      <m:jc m:val="centerGroup"/>
+                    </m:oMathParaPr>
+                    <m:oMath xmlns:m="http://schemas.openxmlformats.org/officeDocument/2006/math">
+                      <m:acc>
+                        <m:accPr>
+                          <m:chr m:val="̇"/>
+                          <m:ctrlPr>
+                            <a:rPr lang="de-DE" i="1" smtClean="0">
+                              <a:solidFill>
+                                <a:schemeClr val="tx1">
+                                  <a:lumMod val="65000"/>
+                                  <a:lumOff val="35000"/>
+                                </a:schemeClr>
+                              </a:solidFill>
+                              <a:latin typeface="Cambria Math" panose="02040503050406030204" pitchFamily="18" charset="0"/>
+                            </a:rPr>
+                          </m:ctrlPr>
+                        </m:accPr>
+                        <m:e>
+                          <m:r>
+                            <a:rPr lang="de-DE" b="0" i="1" smtClean="0">
+                              <a:solidFill>
+                                <a:schemeClr val="tx1">
+                                  <a:lumMod val="65000"/>
+                                  <a:lumOff val="35000"/>
+                                </a:schemeClr>
+                              </a:solidFill>
+                              <a:latin typeface="Cambria Math" panose="02040503050406030204" pitchFamily="18" charset="0"/>
+                            </a:rPr>
+                            <m:t>𝑥</m:t>
+                          </m:r>
+                        </m:e>
+                      </m:acc>
+                    </m:oMath>
+                  </m:oMathPara>
+                </a14:m>
+                <a:endParaRPr lang="de-DE" dirty="0">
+                  <a:solidFill>
+                    <a:schemeClr val="tx1">
+                      <a:lumMod val="65000"/>
+                      <a:lumOff val="35000"/>
+                    </a:schemeClr>
+                  </a:solidFill>
+                </a:endParaRPr>
+              </a:p>
+            </p:txBody>
+          </p:sp>
+        </mc:Choice>
+        <mc:Fallback>
+          <p:sp>
+            <p:nvSpPr>
+              <p:cNvPr id="17" name="TextBox 16">
+                <a:extLst>
+                  <a:ext uri="{FF2B5EF4-FFF2-40B4-BE49-F238E27FC236}">
+                    <a16:creationId xmlns:a16="http://schemas.microsoft.com/office/drawing/2014/main" id="{06F6D14B-2A39-7C4D-A7A4-DBAD674B3B16}"/>
+                  </a:ext>
+                </a:extLst>
+              </p:cNvPr>
+              <p:cNvSpPr txBox="1">
+                <a:spLocks noRot="1" noChangeAspect="1" noMove="1" noResize="1" noEditPoints="1" noAdjustHandles="1" noChangeArrowheads="1" noChangeShapeType="1" noTextEdit="1"/>
+              </p:cNvSpPr>
+              <p:nvPr/>
+            </p:nvSpPr>
+            <p:spPr>
+              <a:xfrm>
+                <a:off x="2131331" y="2463768"/>
+                <a:ext cx="183320" cy="276999"/>
+              </a:xfrm>
+              <a:prstGeom prst="rect">
+                <a:avLst/>
+              </a:prstGeom>
+              <a:blipFill>
+                <a:blip r:embed="rId10"/>
+                <a:stretch>
+                  <a:fillRect l="-21429" r="-14286"/>
+                </a:stretch>
+              </a:blipFill>
+            </p:spPr>
+            <p:txBody>
+              <a:bodyPr/>
+              <a:lstStyle/>
+              <a:p>
+                <a:r>
+                  <a:rPr lang="de-DE">
+                    <a:noFill/>
+                  </a:rPr>
+                  <a:t> </a:t>
+                </a:r>
+              </a:p>
+            </p:txBody>
+          </p:sp>
+        </mc:Fallback>
+      </mc:AlternateContent>
+      <mc:AlternateContent xmlns:mc="http://schemas.openxmlformats.org/markup-compatibility/2006">
+        <mc:Choice xmlns:a14="http://schemas.microsoft.com/office/drawing/2010/main" Requires="a14">
+          <p:sp>
+            <p:nvSpPr>
+              <p:cNvPr id="16" name="TextBox 15">
+                <a:extLst>
+                  <a:ext uri="{FF2B5EF4-FFF2-40B4-BE49-F238E27FC236}">
+                    <a16:creationId xmlns:a16="http://schemas.microsoft.com/office/drawing/2014/main" id="{FE8C5F4A-921A-5B42-9347-201DD1CCC5F3}"/>
+                  </a:ext>
+                </a:extLst>
+              </p:cNvPr>
+              <p:cNvSpPr txBox="1"/>
+              <p:nvPr/>
+            </p:nvSpPr>
+            <p:spPr>
+              <a:xfrm>
+                <a:off x="10249081" y="2463768"/>
+                <a:ext cx="183320" cy="276999"/>
+              </a:xfrm>
+              <a:prstGeom prst="rect">
+                <a:avLst/>
+              </a:prstGeom>
+              <a:noFill/>
+            </p:spPr>
+            <p:txBody>
+              <a:bodyPr wrap="none" lIns="0" tIns="0" rIns="0" bIns="0" rtlCol="0">
+                <a:spAutoFit/>
+              </a:bodyPr>
+              <a:lstStyle/>
+              <a:p>
+                <a:pPr/>
+                <a14:m>
+                  <m:oMathPara xmlns:m="http://schemas.openxmlformats.org/officeDocument/2006/math">
+                    <m:oMathParaPr>
+                      <m:jc m:val="centerGroup"/>
+                    </m:oMathParaPr>
+                    <m:oMath xmlns:m="http://schemas.openxmlformats.org/officeDocument/2006/math">
+                      <m:acc>
+                        <m:accPr>
+                          <m:chr m:val="̇"/>
+                          <m:ctrlPr>
+                            <a:rPr lang="de-DE" i="1" smtClean="0">
+                              <a:solidFill>
+                                <a:schemeClr val="tx1">
+                                  <a:lumMod val="65000"/>
+                                  <a:lumOff val="35000"/>
+                                </a:schemeClr>
+                              </a:solidFill>
+                              <a:latin typeface="Cambria Math" panose="02040503050406030204" pitchFamily="18" charset="0"/>
+                            </a:rPr>
+                          </m:ctrlPr>
+                        </m:accPr>
+                        <m:e>
+                          <m:r>
+                            <a:rPr lang="de-DE" b="0" i="1" smtClean="0">
+                              <a:solidFill>
+                                <a:schemeClr val="tx1">
+                                  <a:lumMod val="65000"/>
+                                  <a:lumOff val="35000"/>
+                                </a:schemeClr>
+                              </a:solidFill>
+                              <a:latin typeface="Cambria Math" panose="02040503050406030204" pitchFamily="18" charset="0"/>
+                            </a:rPr>
+                            <m:t>𝑥</m:t>
+                          </m:r>
+                        </m:e>
+                      </m:acc>
+                    </m:oMath>
+                  </m:oMathPara>
+                </a14:m>
+                <a:endParaRPr lang="de-DE" dirty="0">
+                  <a:solidFill>
+                    <a:schemeClr val="tx1">
+                      <a:lumMod val="65000"/>
+                      <a:lumOff val="35000"/>
+                    </a:schemeClr>
+                  </a:solidFill>
+                </a:endParaRPr>
+              </a:p>
+            </p:txBody>
+          </p:sp>
+        </mc:Choice>
+        <mc:Fallback>
+          <p:sp>
+            <p:nvSpPr>
+              <p:cNvPr id="16" name="TextBox 15">
+                <a:extLst>
+                  <a:ext uri="{FF2B5EF4-FFF2-40B4-BE49-F238E27FC236}">
+                    <a16:creationId xmlns:a16="http://schemas.microsoft.com/office/drawing/2014/main" id="{FE8C5F4A-921A-5B42-9347-201DD1CCC5F3}"/>
+                  </a:ext>
+                </a:extLst>
+              </p:cNvPr>
+              <p:cNvSpPr txBox="1">
+                <a:spLocks noRot="1" noChangeAspect="1" noMove="1" noResize="1" noEditPoints="1" noAdjustHandles="1" noChangeArrowheads="1" noChangeShapeType="1" noTextEdit="1"/>
+              </p:cNvSpPr>
+              <p:nvPr/>
+            </p:nvSpPr>
+            <p:spPr>
+              <a:xfrm>
+                <a:off x="10249081" y="2463768"/>
+                <a:ext cx="183320" cy="276999"/>
+              </a:xfrm>
+              <a:prstGeom prst="rect">
+                <a:avLst/>
+              </a:prstGeom>
+              <a:blipFill>
+                <a:blip r:embed="rId11"/>
+                <a:stretch>
+                  <a:fillRect l="-13333" r="-13333"/>
+                </a:stretch>
+              </a:blipFill>
+            </p:spPr>
+            <p:txBody>
+              <a:bodyPr/>
+              <a:lstStyle/>
+              <a:p>
+                <a:r>
+                  <a:rPr lang="de-DE">
+                    <a:noFill/>
+                  </a:rPr>
+                  <a:t> </a:t>
+                </a:r>
+              </a:p>
+            </p:txBody>
+          </p:sp>
+        </mc:Fallback>
+      </mc:AlternateContent>
+      <mc:AlternateContent xmlns:mc="http://schemas.openxmlformats.org/markup-compatibility/2006">
+        <mc:Choice xmlns:a14="http://schemas.microsoft.com/office/drawing/2010/main" Requires="a14">
+          <p:sp>
+            <p:nvSpPr>
+              <p:cNvPr id="4" name="TextBox 3">
+                <a:extLst>
+                  <a:ext uri="{FF2B5EF4-FFF2-40B4-BE49-F238E27FC236}">
+                    <a16:creationId xmlns:a16="http://schemas.microsoft.com/office/drawing/2014/main" id="{45FE9C2B-3CA9-2B42-8EDC-DDAED20379DA}"/>
+                  </a:ext>
+                </a:extLst>
+              </p:cNvPr>
+              <p:cNvSpPr txBox="1"/>
+              <p:nvPr/>
+            </p:nvSpPr>
+            <p:spPr>
+              <a:xfrm>
+                <a:off x="437819" y="365729"/>
+                <a:ext cx="2743833" cy="2031325"/>
+              </a:xfrm>
+              <a:prstGeom prst="rect">
+                <a:avLst/>
+              </a:prstGeom>
+              <a:noFill/>
+            </p:spPr>
+            <p:txBody>
+              <a:bodyPr wrap="square" rtlCol="0">
+                <a:spAutoFit/>
+              </a:bodyPr>
+              <a:lstStyle/>
+              <a:p>
+                <a:r>
+                  <a:rPr lang="de-DE" sz="2400" dirty="0" err="1">
+                    <a:latin typeface="Avenir Next Medium" panose="020B0503020202020204" pitchFamily="34" charset="0"/>
+                  </a:rPr>
+                  <a:t>Bifurcation</a:t>
+                </a:r>
+                <a:r>
+                  <a:rPr lang="de-DE" sz="2400" dirty="0">
+                    <a:latin typeface="Avenir Next Medium" panose="020B0503020202020204" pitchFamily="34" charset="0"/>
+                  </a:rPr>
+                  <a:t> </a:t>
+                </a:r>
+                <a:r>
+                  <a:rPr lang="de-DE" sz="2400" dirty="0" err="1">
+                    <a:latin typeface="Avenir Next Medium" panose="020B0503020202020204" pitchFamily="34" charset="0"/>
+                  </a:rPr>
+                  <a:t>Theory</a:t>
+                </a:r>
+                <a:endParaRPr lang="de-DE" sz="2400" dirty="0">
+                  <a:latin typeface="Avenir Next Medium" panose="020B0503020202020204" pitchFamily="34" charset="0"/>
+                </a:endParaRPr>
+              </a:p>
+              <a:p>
+                <a:r>
+                  <a:rPr lang="de-DE" dirty="0">
+                    <a:latin typeface="Avenir Next" panose="020B0503020202020204" pitchFamily="34" charset="0"/>
+                  </a:rPr>
+                  <a:t>A </a:t>
+                </a:r>
+                <a:r>
+                  <a:rPr lang="de-DE" dirty="0" err="1">
+                    <a:latin typeface="Avenir Next" panose="020B0503020202020204" pitchFamily="34" charset="0"/>
+                  </a:rPr>
+                  <a:t>short</a:t>
+                </a:r>
+                <a:r>
+                  <a:rPr lang="de-DE" dirty="0">
+                    <a:latin typeface="Avenir Next" panose="020B0503020202020204" pitchFamily="34" charset="0"/>
+                  </a:rPr>
+                  <a:t> </a:t>
+                </a:r>
+                <a:r>
+                  <a:rPr lang="de-DE" dirty="0" err="1">
+                    <a:latin typeface="Avenir Next" panose="020B0503020202020204" pitchFamily="34" charset="0"/>
+                  </a:rPr>
+                  <a:t>reminder</a:t>
+                </a:r>
+                <a:endParaRPr lang="de-DE" dirty="0">
+                  <a:latin typeface="Avenir Next" panose="020B0503020202020204" pitchFamily="34" charset="0"/>
+                </a:endParaRPr>
+              </a:p>
+              <a:p>
+                <a:endParaRPr lang="de-DE" dirty="0">
+                  <a:latin typeface="Avenir Next" panose="020B0503020202020204" pitchFamily="34" charset="0"/>
+                </a:endParaRPr>
+              </a:p>
+              <a:p>
+                <a:endParaRPr lang="de-DE" sz="1200" dirty="0">
+                  <a:latin typeface="Avenir Next" panose="020B0503020202020204" pitchFamily="34" charset="0"/>
+                </a:endParaRPr>
+              </a:p>
+              <a:p>
+                <a:r>
+                  <a:rPr lang="de-DE" dirty="0">
+                    <a:latin typeface="Avenir Next" panose="020B0503020202020204" pitchFamily="34" charset="0"/>
+                  </a:rPr>
+                  <a:t>Example:</a:t>
+                </a:r>
+              </a:p>
+              <a:p>
+                <a:pPr/>
+                <a14:m>
+                  <m:oMathPara xmlns:m="http://schemas.openxmlformats.org/officeDocument/2006/math">
+                    <m:oMathParaPr>
+                      <m:jc m:val="left"/>
+                    </m:oMathParaPr>
+                    <m:oMath xmlns:m="http://schemas.openxmlformats.org/officeDocument/2006/math">
+                      <m:acc>
+                        <m:accPr>
+                          <m:chr m:val="̇"/>
+                          <m:ctrlPr>
+                            <a:rPr lang="de-DE" i="1">
+                              <a:latin typeface="Cambria Math" panose="02040503050406030204" pitchFamily="18" charset="0"/>
+                            </a:rPr>
+                          </m:ctrlPr>
+                        </m:accPr>
+                        <m:e>
+                          <m:r>
+                            <a:rPr lang="de-DE" i="1">
+                              <a:latin typeface="Cambria Math" panose="02040503050406030204" pitchFamily="18" charset="0"/>
+                            </a:rPr>
+                            <m:t>𝑥</m:t>
+                          </m:r>
+                        </m:e>
+                      </m:acc>
+                      <m:r>
+                        <a:rPr lang="de-DE" i="1">
+                          <a:latin typeface="Cambria Math" panose="02040503050406030204" pitchFamily="18" charset="0"/>
+                        </a:rPr>
+                        <m:t>=</m:t>
+                      </m:r>
+                      <m:r>
+                        <a:rPr lang="de-DE" i="1">
+                          <a:latin typeface="Cambria Math" panose="02040503050406030204" pitchFamily="18" charset="0"/>
+                        </a:rPr>
+                        <m:t>𝑟</m:t>
+                      </m:r>
+                      <m:r>
+                        <a:rPr lang="de-DE" i="1">
+                          <a:latin typeface="Cambria Math" panose="02040503050406030204" pitchFamily="18" charset="0"/>
+                        </a:rPr>
+                        <m:t>+</m:t>
+                      </m:r>
+                      <m:sSup>
+                        <m:sSupPr>
+                          <m:ctrlPr>
+                            <a:rPr lang="de-DE" i="1">
+                              <a:latin typeface="Cambria Math" panose="02040503050406030204" pitchFamily="18" charset="0"/>
+                            </a:rPr>
+                          </m:ctrlPr>
+                        </m:sSupPr>
+                        <m:e>
+                          <m:r>
+                            <a:rPr lang="de-DE" i="1">
+                              <a:latin typeface="Cambria Math" panose="02040503050406030204" pitchFamily="18" charset="0"/>
+                            </a:rPr>
+                            <m:t>𝑥</m:t>
+                          </m:r>
+                        </m:e>
+                        <m:sup>
+                          <m:r>
+                            <a:rPr lang="de-DE" i="1">
+                              <a:latin typeface="Cambria Math" panose="02040503050406030204" pitchFamily="18" charset="0"/>
+                            </a:rPr>
+                            <m:t>2</m:t>
+                          </m:r>
+                        </m:sup>
+                      </m:sSup>
+                    </m:oMath>
+                  </m:oMathPara>
+                </a14:m>
+                <a:endParaRPr lang="de-DE" dirty="0"/>
+              </a:p>
+              <a:p>
+                <a:endParaRPr lang="de-DE" dirty="0">
+                  <a:latin typeface="Avenir Next" panose="020B0503020202020204" pitchFamily="34" charset="0"/>
+                </a:endParaRPr>
+              </a:p>
+            </p:txBody>
+          </p:sp>
+        </mc:Choice>
+        <mc:Fallback>
+          <p:sp>
+            <p:nvSpPr>
+              <p:cNvPr id="4" name="TextBox 3">
+                <a:extLst>
+                  <a:ext uri="{FF2B5EF4-FFF2-40B4-BE49-F238E27FC236}">
+                    <a16:creationId xmlns:a16="http://schemas.microsoft.com/office/drawing/2014/main" id="{45FE9C2B-3CA9-2B42-8EDC-DDAED20379DA}"/>
+                  </a:ext>
+                </a:extLst>
+              </p:cNvPr>
+              <p:cNvSpPr txBox="1">
+                <a:spLocks noRot="1" noChangeAspect="1" noMove="1" noResize="1" noEditPoints="1" noAdjustHandles="1" noChangeArrowheads="1" noChangeShapeType="1" noTextEdit="1"/>
+              </p:cNvSpPr>
+              <p:nvPr/>
+            </p:nvSpPr>
+            <p:spPr>
+              <a:xfrm>
+                <a:off x="437819" y="365729"/>
+                <a:ext cx="2743833" cy="2031325"/>
+              </a:xfrm>
+              <a:prstGeom prst="rect">
+                <a:avLst/>
+              </a:prstGeom>
+              <a:blipFill>
+                <a:blip r:embed="rId12"/>
+                <a:stretch>
+                  <a:fillRect l="-3211" t="-2484" r="-2752"/>
+                </a:stretch>
+              </a:blipFill>
+            </p:spPr>
+            <p:txBody>
+              <a:bodyPr/>
+              <a:lstStyle/>
+              <a:p>
+                <a:r>
+                  <a:rPr lang="de-DE">
+                    <a:noFill/>
+                  </a:rPr>
+                  <a:t> </a:t>
+                </a:r>
+              </a:p>
+            </p:txBody>
+          </p:sp>
+        </mc:Fallback>
+      </mc:AlternateContent>
     </p:spTree>
     <p:extLst>
       <p:ext uri="{BB962C8B-B14F-4D97-AF65-F5344CB8AC3E}">
-        <p14:creationId xmlns:p14="http://schemas.microsoft.com/office/powerpoint/2010/main" val="2199774835"/>
+        <p14:creationId xmlns:p14="http://schemas.microsoft.com/office/powerpoint/2010/main" val="2890326449"/>
       </p:ext>
     </p:extLst>
   </p:cSld>
@@ -3424,66 +4726,86 @@
           <a:chExt cx="0" cy="0"/>
         </a:xfrm>
       </p:grpSpPr>
-      <p:sp>
-        <p:nvSpPr>
-          <p:cNvPr id="4" name="TextBox 3">
-            <a:extLst>
-              <a:ext uri="{FF2B5EF4-FFF2-40B4-BE49-F238E27FC236}">
-                <a16:creationId xmlns:a16="http://schemas.microsoft.com/office/drawing/2014/main" id="{45FE9C2B-3CA9-2B42-8EDC-DDAED20379DA}"/>
-              </a:ext>
-            </a:extLst>
-          </p:cNvPr>
-          <p:cNvSpPr txBox="1"/>
+      <p:pic>
+        <p:nvPicPr>
+          <p:cNvPr id="3" name="Picture 2">
+            <a:extLst>
+              <a:ext uri="{FF2B5EF4-FFF2-40B4-BE49-F238E27FC236}">
+                <a16:creationId xmlns:a16="http://schemas.microsoft.com/office/drawing/2014/main" id="{3DC32B41-1898-8443-8D10-366E8E2616EB}"/>
+              </a:ext>
+            </a:extLst>
+          </p:cNvPr>
+          <p:cNvPicPr>
+            <a:picLocks noChangeAspect="1"/>
+          </p:cNvPicPr>
           <p:nvPr/>
-        </p:nvSpPr>
+        </p:nvPicPr>
+        <p:blipFill>
+          <a:blip r:embed="rId2">
+            <a:extLst>
+              <a:ext uri="{28A0092B-C50C-407E-A947-70E740481C1C}">
+                <a14:useLocalDpi xmlns:a14="http://schemas.microsoft.com/office/drawing/2010/main" val="0"/>
+              </a:ext>
+            </a:extLst>
+          </a:blip>
+          <a:stretch>
+            <a:fillRect/>
+          </a:stretch>
+        </p:blipFill>
         <p:spPr>
           <a:xfrm>
-            <a:off x="772049" y="686250"/>
-            <a:ext cx="2099229" cy="369332"/>
+            <a:off x="415101" y="1603648"/>
+            <a:ext cx="5635841" cy="4239133"/>
           </a:xfrm>
           <a:prstGeom prst="rect">
             <a:avLst/>
           </a:prstGeom>
-          <a:noFill/>
         </p:spPr>
-        <p:txBody>
-          <a:bodyPr wrap="none" rtlCol="0">
-            <a:spAutoFit/>
-          </a:bodyPr>
-          <a:lstStyle/>
-          <a:p>
-            <a:r>
-              <a:rPr lang="de-DE" dirty="0" err="1">
-                <a:latin typeface="Avenir Next" panose="020B0503020202020204" pitchFamily="34" charset="0"/>
-              </a:rPr>
-              <a:t>Bifurcation</a:t>
-            </a:r>
-            <a:r>
-              <a:rPr lang="de-DE" dirty="0">
-                <a:latin typeface="Avenir Next" panose="020B0503020202020204" pitchFamily="34" charset="0"/>
-              </a:rPr>
-              <a:t> </a:t>
-            </a:r>
-            <a:r>
-              <a:rPr lang="de-DE" dirty="0" err="1">
-                <a:latin typeface="Avenir Next" panose="020B0503020202020204" pitchFamily="34" charset="0"/>
-              </a:rPr>
-              <a:t>Theory</a:t>
-            </a:r>
-            <a:endParaRPr lang="de-DE" dirty="0">
-              <a:latin typeface="Avenir Next" panose="020B0503020202020204" pitchFamily="34" charset="0"/>
-            </a:endParaRPr>
-          </a:p>
-        </p:txBody>
-      </p:sp>
+      </p:pic>
+      <p:pic>
+        <p:nvPicPr>
+          <p:cNvPr id="5" name="Picture 4">
+            <a:extLst>
+              <a:ext uri="{FF2B5EF4-FFF2-40B4-BE49-F238E27FC236}">
+                <a16:creationId xmlns:a16="http://schemas.microsoft.com/office/drawing/2014/main" id="{849467FA-B2AD-144E-ABC2-22C7B9C7727B}"/>
+              </a:ext>
+            </a:extLst>
+          </p:cNvPr>
+          <p:cNvPicPr>
+            <a:picLocks noChangeAspect="1"/>
+          </p:cNvPicPr>
+          <p:nvPr/>
+        </p:nvPicPr>
+        <p:blipFill>
+          <a:blip r:embed="rId3">
+            <a:extLst>
+              <a:ext uri="{28A0092B-C50C-407E-A947-70E740481C1C}">
+                <a14:useLocalDpi xmlns:a14="http://schemas.microsoft.com/office/drawing/2010/main" val="0"/>
+              </a:ext>
+            </a:extLst>
+          </a:blip>
+          <a:stretch>
+            <a:fillRect/>
+          </a:stretch>
+        </p:blipFill>
+        <p:spPr>
+          <a:xfrm>
+            <a:off x="5636712" y="1603648"/>
+            <a:ext cx="5635842" cy="4239133"/>
+          </a:xfrm>
+          <a:prstGeom prst="rect">
+            <a:avLst/>
+          </a:prstGeom>
+        </p:spPr>
+      </p:pic>
       <mc:AlternateContent xmlns:mc="http://schemas.openxmlformats.org/markup-compatibility/2006">
         <mc:Choice xmlns:a14="http://schemas.microsoft.com/office/drawing/2010/main" Requires="a14">
           <p:sp>
             <p:nvSpPr>
-              <p:cNvPr id="6" name="TextBox 5">
+              <p:cNvPr id="7" name="TextBox 6">
                 <a:extLst>
                   <a:ext uri="{FF2B5EF4-FFF2-40B4-BE49-F238E27FC236}">
-                    <a16:creationId xmlns:a16="http://schemas.microsoft.com/office/drawing/2014/main" id="{749FCBED-4FEE-5D46-86CD-95DC461FFBD9}"/>
+                    <a16:creationId xmlns:a16="http://schemas.microsoft.com/office/drawing/2014/main" id="{B2CFB6EC-1702-9C4F-976B-52ED2AC693F9}"/>
                   </a:ext>
                 </a:extLst>
               </p:cNvPr>
@@ -3492,7 +4814,7 @@
             </p:nvSpPr>
             <p:spPr>
               <a:xfrm>
-                <a:off x="899302" y="1309498"/>
+                <a:off x="2674086" y="5942276"/>
                 <a:ext cx="1117870" cy="276999"/>
               </a:xfrm>
               <a:prstGeom prst="rect">
@@ -3576,7 +4898,7 @@
                     </m:oMath>
                   </m:oMathPara>
                 </a14:m>
-                <a:endParaRPr lang="de-DE" b="0" dirty="0"/>
+                <a:endParaRPr lang="de-DE" dirty="0"/>
               </a:p>
             </p:txBody>
           </p:sp>
@@ -3584,10 +4906,10 @@
         <mc:Fallback>
           <p:sp>
             <p:nvSpPr>
-              <p:cNvPr id="6" name="TextBox 5">
+              <p:cNvPr id="7" name="TextBox 6">
                 <a:extLst>
                   <a:ext uri="{FF2B5EF4-FFF2-40B4-BE49-F238E27FC236}">
-                    <a16:creationId xmlns:a16="http://schemas.microsoft.com/office/drawing/2014/main" id="{749FCBED-4FEE-5D46-86CD-95DC461FFBD9}"/>
+                    <a16:creationId xmlns:a16="http://schemas.microsoft.com/office/drawing/2014/main" id="{B2CFB6EC-1702-9C4F-976B-52ED2AC693F9}"/>
                   </a:ext>
                 </a:extLst>
               </p:cNvPr>
@@ -3598,225 +4920,16 @@
             </p:nvSpPr>
             <p:spPr>
               <a:xfrm>
-                <a:off x="899302" y="1309498"/>
+                <a:off x="2674086" y="5942276"/>
                 <a:ext cx="1117870" cy="276999"/>
               </a:xfrm>
               <a:prstGeom prst="rect">
                 <a:avLst/>
               </a:prstGeom>
               <a:blipFill>
-                <a:blip r:embed="rId2"/>
+                <a:blip r:embed="rId4"/>
                 <a:stretch>
-                  <a:fillRect l="-2247" r="-1124"/>
-                </a:stretch>
-              </a:blipFill>
-            </p:spPr>
-            <p:txBody>
-              <a:bodyPr/>
-              <a:lstStyle/>
-              <a:p>
-                <a:r>
-                  <a:rPr lang="de-DE">
-                    <a:noFill/>
-                  </a:rPr>
-                  <a:t> </a:t>
-                </a:r>
-              </a:p>
-            </p:txBody>
-          </p:sp>
-        </mc:Fallback>
-      </mc:AlternateContent>
-      <p:pic>
-        <p:nvPicPr>
-          <p:cNvPr id="8" name="Picture 7">
-            <a:extLst>
-              <a:ext uri="{FF2B5EF4-FFF2-40B4-BE49-F238E27FC236}">
-                <a16:creationId xmlns:a16="http://schemas.microsoft.com/office/drawing/2014/main" id="{B38A437E-559F-5943-82EE-8FCFA18F20F5}"/>
-              </a:ext>
-            </a:extLst>
-          </p:cNvPr>
-          <p:cNvPicPr>
-            <a:picLocks noChangeAspect="1"/>
-          </p:cNvPicPr>
-          <p:nvPr/>
-        </p:nvPicPr>
-        <p:blipFill>
-          <a:blip r:embed="rId3">
-            <a:extLst>
-              <a:ext uri="{28A0092B-C50C-407E-A947-70E740481C1C}">
-                <a14:useLocalDpi xmlns:a14="http://schemas.microsoft.com/office/drawing/2010/main" val="0"/>
-              </a:ext>
-            </a:extLst>
-          </a:blip>
-          <a:stretch>
-            <a:fillRect/>
-          </a:stretch>
-        </p:blipFill>
-        <p:spPr>
-          <a:xfrm>
-            <a:off x="-11703" y="3143250"/>
-            <a:ext cx="4263309" cy="3206750"/>
-          </a:xfrm>
-          <a:prstGeom prst="rect">
-            <a:avLst/>
-          </a:prstGeom>
-        </p:spPr>
-      </p:pic>
-      <p:pic>
-        <p:nvPicPr>
-          <p:cNvPr id="10" name="Picture 9">
-            <a:extLst>
-              <a:ext uri="{FF2B5EF4-FFF2-40B4-BE49-F238E27FC236}">
-                <a16:creationId xmlns:a16="http://schemas.microsoft.com/office/drawing/2014/main" id="{526DC65E-176E-D144-A2FD-1CA8B273B1F8}"/>
-              </a:ext>
-            </a:extLst>
-          </p:cNvPr>
-          <p:cNvPicPr>
-            <a:picLocks noChangeAspect="1"/>
-          </p:cNvPicPr>
-          <p:nvPr/>
-        </p:nvPicPr>
-        <p:blipFill>
-          <a:blip r:embed="rId4">
-            <a:extLst>
-              <a:ext uri="{28A0092B-C50C-407E-A947-70E740481C1C}">
-                <a14:useLocalDpi xmlns:a14="http://schemas.microsoft.com/office/drawing/2010/main" val="0"/>
-              </a:ext>
-            </a:extLst>
-          </a:blip>
-          <a:stretch>
-            <a:fillRect/>
-          </a:stretch>
-        </p:blipFill>
-        <p:spPr>
-          <a:xfrm>
-            <a:off x="3958494" y="3143250"/>
-            <a:ext cx="4263309" cy="3206750"/>
-          </a:xfrm>
-          <a:prstGeom prst="rect">
-            <a:avLst/>
-          </a:prstGeom>
-        </p:spPr>
-      </p:pic>
-      <p:pic>
-        <p:nvPicPr>
-          <p:cNvPr id="12" name="Picture 11">
-            <a:extLst>
-              <a:ext uri="{FF2B5EF4-FFF2-40B4-BE49-F238E27FC236}">
-                <a16:creationId xmlns:a16="http://schemas.microsoft.com/office/drawing/2014/main" id="{561B4B27-F769-EE46-A354-551B18349ED4}"/>
-              </a:ext>
-            </a:extLst>
-          </p:cNvPr>
-          <p:cNvPicPr>
-            <a:picLocks noChangeAspect="1"/>
-          </p:cNvPicPr>
-          <p:nvPr/>
-        </p:nvPicPr>
-        <p:blipFill>
-          <a:blip r:embed="rId5">
-            <a:extLst>
-              <a:ext uri="{28A0092B-C50C-407E-A947-70E740481C1C}">
-                <a14:useLocalDpi xmlns:a14="http://schemas.microsoft.com/office/drawing/2010/main" val="0"/>
-              </a:ext>
-            </a:extLst>
-          </a:blip>
-          <a:stretch>
-            <a:fillRect/>
-          </a:stretch>
-        </p:blipFill>
-        <p:spPr>
-          <a:xfrm>
-            <a:off x="7928691" y="3143250"/>
-            <a:ext cx="4263309" cy="3206750"/>
-          </a:xfrm>
-          <a:prstGeom prst="rect">
-            <a:avLst/>
-          </a:prstGeom>
-        </p:spPr>
-      </p:pic>
-      <mc:AlternateContent xmlns:mc="http://schemas.openxmlformats.org/markup-compatibility/2006">
-        <mc:Choice xmlns:a14="http://schemas.microsoft.com/office/drawing/2010/main" Requires="a14">
-          <p:sp>
-            <p:nvSpPr>
-              <p:cNvPr id="13" name="TextBox 12">
-                <a:extLst>
-                  <a:ext uri="{FF2B5EF4-FFF2-40B4-BE49-F238E27FC236}">
-                    <a16:creationId xmlns:a16="http://schemas.microsoft.com/office/drawing/2014/main" id="{BE606C33-3B42-5449-A044-11FDB719C658}"/>
-                  </a:ext>
-                </a:extLst>
-              </p:cNvPr>
-              <p:cNvSpPr txBox="1"/>
-              <p:nvPr/>
-            </p:nvSpPr>
-            <p:spPr>
-              <a:xfrm>
-                <a:off x="1821664" y="3004750"/>
-                <a:ext cx="596574" cy="276999"/>
-              </a:xfrm>
-              <a:prstGeom prst="rect">
-                <a:avLst/>
-              </a:prstGeom>
-              <a:noFill/>
-            </p:spPr>
-            <p:txBody>
-              <a:bodyPr wrap="none" lIns="0" tIns="0" rIns="0" bIns="0" rtlCol="0">
-                <a:spAutoFit/>
-              </a:bodyPr>
-              <a:lstStyle/>
-              <a:p>
-                <a14:m>
-                  <m:oMathPara xmlns:m="http://schemas.openxmlformats.org/officeDocument/2006/math">
-                    <m:oMathParaPr>
-                      <m:jc m:val="centerGroup"/>
-                    </m:oMathParaPr>
-                    <m:oMath xmlns:m="http://schemas.openxmlformats.org/officeDocument/2006/math">
-                      <m:r>
-                        <a:rPr lang="de-DE" b="0" i="1" smtClean="0">
-                          <a:latin typeface="Cambria Math" panose="02040503050406030204" pitchFamily="18" charset="0"/>
-                        </a:rPr>
-                        <m:t>𝑟</m:t>
-                      </m:r>
-                      <m:r>
-                        <a:rPr lang="de-DE" b="0" i="1" smtClean="0">
-                          <a:latin typeface="Cambria Math" panose="02040503050406030204" pitchFamily="18" charset="0"/>
-                        </a:rPr>
-                        <m:t>&lt;0</m:t>
-                      </m:r>
-                    </m:oMath>
-                  </m:oMathPara>
-                </a14:m>
-                <a:endParaRPr lang="de-DE" dirty="0"/>
-              </a:p>
-            </p:txBody>
-          </p:sp>
-        </mc:Choice>
-        <mc:Fallback>
-          <p:sp>
-            <p:nvSpPr>
-              <p:cNvPr id="13" name="TextBox 12">
-                <a:extLst>
-                  <a:ext uri="{FF2B5EF4-FFF2-40B4-BE49-F238E27FC236}">
-                    <a16:creationId xmlns:a16="http://schemas.microsoft.com/office/drawing/2014/main" id="{BE606C33-3B42-5449-A044-11FDB719C658}"/>
-                  </a:ext>
-                </a:extLst>
-              </p:cNvPr>
-              <p:cNvSpPr txBox="1">
-                <a:spLocks noRot="1" noChangeAspect="1" noMove="1" noResize="1" noEditPoints="1" noAdjustHandles="1" noChangeArrowheads="1" noChangeShapeType="1" noTextEdit="1"/>
-              </p:cNvSpPr>
-              <p:nvPr/>
-            </p:nvSpPr>
-            <p:spPr>
-              <a:xfrm>
-                <a:off x="1821664" y="3004750"/>
-                <a:ext cx="596574" cy="276999"/>
-              </a:xfrm>
-              <a:prstGeom prst="rect">
-                <a:avLst/>
-              </a:prstGeom>
-              <a:blipFill>
-                <a:blip r:embed="rId6"/>
-                <a:stretch>
-                  <a:fillRect l="-2083" r="-8333" b="-4545"/>
+                  <a:fillRect l="-2247" t="-4545" r="-1124"/>
                 </a:stretch>
               </a:blipFill>
             </p:spPr>
@@ -3839,10 +4952,10 @@
         <mc:Choice xmlns:a14="http://schemas.microsoft.com/office/drawing/2010/main" Requires="a14">
           <p:sp>
             <p:nvSpPr>
-              <p:cNvPr id="14" name="TextBox 13">
+              <p:cNvPr id="8" name="TextBox 7">
                 <a:extLst>
                   <a:ext uri="{FF2B5EF4-FFF2-40B4-BE49-F238E27FC236}">
-                    <a16:creationId xmlns:a16="http://schemas.microsoft.com/office/drawing/2014/main" id="{6CDAB569-B22E-7A48-AB86-5D183A6ABCDE}"/>
+                    <a16:creationId xmlns:a16="http://schemas.microsoft.com/office/drawing/2014/main" id="{B12712F2-E07A-7B4B-8EBE-1834CF67F84D}"/>
                   </a:ext>
                 </a:extLst>
               </p:cNvPr>
@@ -3851,8 +4964,8 @@
             </p:nvSpPr>
             <p:spPr>
               <a:xfrm>
-                <a:off x="5797036" y="3004749"/>
-                <a:ext cx="596574" cy="276999"/>
+                <a:off x="7895698" y="5942275"/>
+                <a:ext cx="1243225" cy="276999"/>
               </a:xfrm>
               <a:prstGeom prst="rect">
                 <a:avLst/>
@@ -3871,18 +4984,67 @@
                       <m:jc m:val="centerGroup"/>
                     </m:oMathParaPr>
                     <m:oMath xmlns:m="http://schemas.openxmlformats.org/officeDocument/2006/math">
+                      <m:acc>
+                        <m:accPr>
+                          <m:chr m:val="̇"/>
+                          <m:ctrlPr>
+                            <a:rPr lang="de-DE" b="0" i="1" smtClean="0">
+                              <a:latin typeface="Cambria Math" panose="02040503050406030204" pitchFamily="18" charset="0"/>
+                            </a:rPr>
+                          </m:ctrlPr>
+                        </m:accPr>
+                        <m:e>
+                          <m:r>
+                            <a:rPr lang="de-DE" b="0" i="1" smtClean="0">
+                              <a:latin typeface="Cambria Math" panose="02040503050406030204" pitchFamily="18" charset="0"/>
+                            </a:rPr>
+                            <m:t>𝑥</m:t>
+                          </m:r>
+                        </m:e>
+                      </m:acc>
                       <m:r>
                         <a:rPr lang="de-DE" b="0" i="1" smtClean="0">
                           <a:latin typeface="Cambria Math" panose="02040503050406030204" pitchFamily="18" charset="0"/>
                         </a:rPr>
-                        <m:t>𝑟</m:t>
+                        <m:t>=</m:t>
                       </m:r>
                       <m:r>
                         <a:rPr lang="de-DE" b="0" i="1" smtClean="0">
                           <a:latin typeface="Cambria Math" panose="02040503050406030204" pitchFamily="18" charset="0"/>
                         </a:rPr>
-                        <m:t>=0</m:t>
+                        <m:t>𝑟𝑥</m:t>
                       </m:r>
+                      <m:r>
+                        <a:rPr lang="de-DE" b="0" i="1" smtClean="0">
+                          <a:latin typeface="Cambria Math" panose="02040503050406030204" pitchFamily="18" charset="0"/>
+                        </a:rPr>
+                        <m:t>−</m:t>
+                      </m:r>
+                      <m:sSup>
+                        <m:sSupPr>
+                          <m:ctrlPr>
+                            <a:rPr lang="de-DE" b="0" i="1" smtClean="0">
+                              <a:latin typeface="Cambria Math" panose="02040503050406030204" pitchFamily="18" charset="0"/>
+                            </a:rPr>
+                          </m:ctrlPr>
+                        </m:sSupPr>
+                        <m:e>
+                          <m:r>
+                            <a:rPr lang="de-DE" b="0" i="1" smtClean="0">
+                              <a:latin typeface="Cambria Math" panose="02040503050406030204" pitchFamily="18" charset="0"/>
+                            </a:rPr>
+                            <m:t>𝑥</m:t>
+                          </m:r>
+                        </m:e>
+                        <m:sup>
+                          <m:r>
+                            <a:rPr lang="de-DE" b="0" i="1" smtClean="0">
+                              <a:latin typeface="Cambria Math" panose="02040503050406030204" pitchFamily="18" charset="0"/>
+                            </a:rPr>
+                            <m:t>2</m:t>
+                          </m:r>
+                        </m:sup>
+                      </m:sSup>
                     </m:oMath>
                   </m:oMathPara>
                 </a14:m>
@@ -3894,10 +5056,10 @@
         <mc:Fallback>
           <p:sp>
             <p:nvSpPr>
-              <p:cNvPr id="14" name="TextBox 13">
+              <p:cNvPr id="8" name="TextBox 7">
                 <a:extLst>
                   <a:ext uri="{FF2B5EF4-FFF2-40B4-BE49-F238E27FC236}">
-                    <a16:creationId xmlns:a16="http://schemas.microsoft.com/office/drawing/2014/main" id="{6CDAB569-B22E-7A48-AB86-5D183A6ABCDE}"/>
+                    <a16:creationId xmlns:a16="http://schemas.microsoft.com/office/drawing/2014/main" id="{B12712F2-E07A-7B4B-8EBE-1834CF67F84D}"/>
                   </a:ext>
                 </a:extLst>
               </p:cNvPr>
@@ -3908,16 +5070,221 @@
             </p:nvSpPr>
             <p:spPr>
               <a:xfrm>
-                <a:off x="5797036" y="3004749"/>
-                <a:ext cx="596574" cy="276999"/>
+                <a:off x="7895698" y="5942275"/>
+                <a:ext cx="1243225" cy="276999"/>
               </a:xfrm>
               <a:prstGeom prst="rect">
                 <a:avLst/>
               </a:prstGeom>
               <a:blipFill>
-                <a:blip r:embed="rId7"/>
+                <a:blip r:embed="rId5"/>
                 <a:stretch>
-                  <a:fillRect l="-4255" r="-8511" b="-4545"/>
+                  <a:fillRect l="-2020" t="-4545"/>
+                </a:stretch>
+              </a:blipFill>
+            </p:spPr>
+            <p:txBody>
+              <a:bodyPr/>
+              <a:lstStyle/>
+              <a:p>
+                <a:r>
+                  <a:rPr lang="de-DE">
+                    <a:noFill/>
+                  </a:rPr>
+                  <a:t> </a:t>
+                </a:r>
+              </a:p>
+            </p:txBody>
+          </p:sp>
+        </mc:Fallback>
+      </mc:AlternateContent>
+      <p:sp>
+        <p:nvSpPr>
+          <p:cNvPr id="9" name="TextBox 8">
+            <a:extLst>
+              <a:ext uri="{FF2B5EF4-FFF2-40B4-BE49-F238E27FC236}">
+                <a16:creationId xmlns:a16="http://schemas.microsoft.com/office/drawing/2014/main" id="{2CD62D37-4FCC-D441-B997-B164BDFE4B38}"/>
+              </a:ext>
+            </a:extLst>
+          </p:cNvPr>
+          <p:cNvSpPr txBox="1"/>
+          <p:nvPr/>
+        </p:nvSpPr>
+        <p:spPr>
+          <a:xfrm>
+            <a:off x="437818" y="365729"/>
+            <a:ext cx="5613124" cy="1015663"/>
+          </a:xfrm>
+          <a:prstGeom prst="rect">
+            <a:avLst/>
+          </a:prstGeom>
+          <a:noFill/>
+        </p:spPr>
+        <p:txBody>
+          <a:bodyPr wrap="square" rtlCol="0">
+            <a:spAutoFit/>
+          </a:bodyPr>
+          <a:lstStyle/>
+          <a:p>
+            <a:r>
+              <a:rPr lang="de-DE" sz="2400" dirty="0" err="1">
+                <a:latin typeface="Avenir Next Medium" panose="020B0503020202020204" pitchFamily="34" charset="0"/>
+              </a:rPr>
+              <a:t>Bifurcation</a:t>
+            </a:r>
+            <a:r>
+              <a:rPr lang="de-DE" sz="2400" dirty="0">
+                <a:latin typeface="Avenir Next Medium" panose="020B0503020202020204" pitchFamily="34" charset="0"/>
+              </a:rPr>
+              <a:t> </a:t>
+            </a:r>
+            <a:r>
+              <a:rPr lang="de-DE" sz="2400" dirty="0" err="1">
+                <a:latin typeface="Avenir Next Medium" panose="020B0503020202020204" pitchFamily="34" charset="0"/>
+              </a:rPr>
+              <a:t>Diagrams</a:t>
+            </a:r>
+            <a:endParaRPr lang="de-DE" sz="2400" dirty="0">
+              <a:latin typeface="Avenir Next Medium" panose="020B0503020202020204" pitchFamily="34" charset="0"/>
+            </a:endParaRPr>
+          </a:p>
+          <a:p>
+            <a:r>
+              <a:rPr lang="de-DE" dirty="0">
+                <a:latin typeface="Avenir Next" panose="020B0503020202020204" pitchFamily="34" charset="0"/>
+              </a:rPr>
+              <a:t>Critical </a:t>
+            </a:r>
+            <a:r>
+              <a:rPr lang="de-DE" dirty="0" err="1">
+                <a:latin typeface="Avenir Next" panose="020B0503020202020204" pitchFamily="34" charset="0"/>
+              </a:rPr>
+              <a:t>slowing</a:t>
+            </a:r>
+            <a:r>
+              <a:rPr lang="de-DE" dirty="0">
+                <a:latin typeface="Avenir Next" panose="020B0503020202020204" pitchFamily="34" charset="0"/>
+              </a:rPr>
+              <a:t> down, </a:t>
+            </a:r>
+            <a:r>
+              <a:rPr lang="de-DE" dirty="0" err="1">
+                <a:latin typeface="Avenir Next" panose="020B0503020202020204" pitchFamily="34" charset="0"/>
+              </a:rPr>
+              <a:t>Transcritical</a:t>
+            </a:r>
+            <a:r>
+              <a:rPr lang="de-DE" dirty="0">
+                <a:latin typeface="Avenir Next" panose="020B0503020202020204" pitchFamily="34" charset="0"/>
+              </a:rPr>
+              <a:t> </a:t>
+            </a:r>
+            <a:r>
+              <a:rPr lang="de-DE" dirty="0" err="1">
+                <a:latin typeface="Avenir Next" panose="020B0503020202020204" pitchFamily="34" charset="0"/>
+              </a:rPr>
+              <a:t>Bifurcation</a:t>
+            </a:r>
+            <a:endParaRPr lang="de-DE" dirty="0"/>
+          </a:p>
+          <a:p>
+            <a:endParaRPr lang="de-DE" dirty="0">
+              <a:latin typeface="Avenir Next" panose="020B0503020202020204" pitchFamily="34" charset="0"/>
+            </a:endParaRPr>
+          </a:p>
+        </p:txBody>
+      </p:sp>
+      <mc:AlternateContent xmlns:mc="http://schemas.openxmlformats.org/markup-compatibility/2006">
+        <mc:Choice xmlns:a14="http://schemas.microsoft.com/office/drawing/2010/main" Requires="a14">
+          <p:sp>
+            <p:nvSpPr>
+              <p:cNvPr id="10" name="TextBox 9">
+                <a:extLst>
+                  <a:ext uri="{FF2B5EF4-FFF2-40B4-BE49-F238E27FC236}">
+                    <a16:creationId xmlns:a16="http://schemas.microsoft.com/office/drawing/2014/main" id="{4B0565CA-7468-0545-B6DF-D0553E77F3B4}"/>
+                  </a:ext>
+                </a:extLst>
+              </p:cNvPr>
+              <p:cNvSpPr txBox="1"/>
+              <p:nvPr/>
+            </p:nvSpPr>
+            <p:spPr>
+              <a:xfrm>
+                <a:off x="3333829" y="2075462"/>
+                <a:ext cx="183320" cy="276999"/>
+              </a:xfrm>
+              <a:prstGeom prst="rect">
+                <a:avLst/>
+              </a:prstGeom>
+              <a:noFill/>
+            </p:spPr>
+            <p:txBody>
+              <a:bodyPr wrap="none" lIns="0" tIns="0" rIns="0" bIns="0" rtlCol="0">
+                <a:spAutoFit/>
+              </a:bodyPr>
+              <a:lstStyle/>
+              <a:p>
+                <a:pPr/>
+                <a14:m>
+                  <m:oMathPara xmlns:m="http://schemas.openxmlformats.org/officeDocument/2006/math">
+                    <m:oMathParaPr>
+                      <m:jc m:val="centerGroup"/>
+                    </m:oMathParaPr>
+                    <m:oMath xmlns:m="http://schemas.openxmlformats.org/officeDocument/2006/math">
+                      <m:r>
+                        <a:rPr lang="de-DE" b="0" i="1" smtClean="0">
+                          <a:solidFill>
+                            <a:schemeClr val="tx1">
+                              <a:lumMod val="65000"/>
+                              <a:lumOff val="35000"/>
+                            </a:schemeClr>
+                          </a:solidFill>
+                          <a:latin typeface="Cambria Math" panose="02040503050406030204" pitchFamily="18" charset="0"/>
+                        </a:rPr>
+                        <m:t>𝑥</m:t>
+                      </m:r>
+                    </m:oMath>
+                  </m:oMathPara>
+                </a14:m>
+                <a:endParaRPr lang="de-DE" dirty="0">
+                  <a:solidFill>
+                    <a:schemeClr val="tx1">
+                      <a:lumMod val="65000"/>
+                      <a:lumOff val="35000"/>
+                    </a:schemeClr>
+                  </a:solidFill>
+                </a:endParaRPr>
+              </a:p>
+            </p:txBody>
+          </p:sp>
+        </mc:Choice>
+        <mc:Fallback>
+          <p:sp>
+            <p:nvSpPr>
+              <p:cNvPr id="10" name="TextBox 9">
+                <a:extLst>
+                  <a:ext uri="{FF2B5EF4-FFF2-40B4-BE49-F238E27FC236}">
+                    <a16:creationId xmlns:a16="http://schemas.microsoft.com/office/drawing/2014/main" id="{4B0565CA-7468-0545-B6DF-D0553E77F3B4}"/>
+                  </a:ext>
+                </a:extLst>
+              </p:cNvPr>
+              <p:cNvSpPr txBox="1">
+                <a:spLocks noRot="1" noChangeAspect="1" noMove="1" noResize="1" noEditPoints="1" noAdjustHandles="1" noChangeArrowheads="1" noChangeShapeType="1" noTextEdit="1"/>
+              </p:cNvSpPr>
+              <p:nvPr/>
+            </p:nvSpPr>
+            <p:spPr>
+              <a:xfrm>
+                <a:off x="3333829" y="2075462"/>
+                <a:ext cx="183320" cy="276999"/>
+              </a:xfrm>
+              <a:prstGeom prst="rect">
+                <a:avLst/>
+              </a:prstGeom>
+              <a:blipFill>
+                <a:blip r:embed="rId6"/>
+                <a:stretch>
+                  <a:fillRect l="-20000" r="-6667"/>
                 </a:stretch>
               </a:blipFill>
             </p:spPr>
@@ -3940,10 +5307,10 @@
         <mc:Choice xmlns:a14="http://schemas.microsoft.com/office/drawing/2010/main" Requires="a14">
           <p:sp>
             <p:nvSpPr>
-              <p:cNvPr id="15" name="TextBox 14">
+              <p:cNvPr id="11" name="TextBox 10">
                 <a:extLst>
                   <a:ext uri="{FF2B5EF4-FFF2-40B4-BE49-F238E27FC236}">
-                    <a16:creationId xmlns:a16="http://schemas.microsoft.com/office/drawing/2014/main" id="{DF7D7182-4DD0-3647-829A-E221423910E5}"/>
+                    <a16:creationId xmlns:a16="http://schemas.microsoft.com/office/drawing/2014/main" id="{379B1D10-C83A-0E42-8DDC-4F5AE34276BB}"/>
                   </a:ext>
                 </a:extLst>
               </p:cNvPr>
@@ -3952,8 +5319,8 @@
             </p:nvSpPr>
             <p:spPr>
               <a:xfrm>
-                <a:off x="9762058" y="2880151"/>
-                <a:ext cx="596574" cy="276999"/>
+                <a:off x="5289977" y="3707542"/>
+                <a:ext cx="166969" cy="276999"/>
               </a:xfrm>
               <a:prstGeom prst="rect">
                 <a:avLst/>
@@ -3966,6 +5333,7 @@
               </a:bodyPr>
               <a:lstStyle/>
               <a:p>
+                <a:pPr/>
                 <a14:m>
                   <m:oMathPara xmlns:m="http://schemas.openxmlformats.org/officeDocument/2006/math">
                     <m:oMathParaPr>
@@ -3974,20 +5342,27 @@
                     <m:oMath xmlns:m="http://schemas.openxmlformats.org/officeDocument/2006/math">
                       <m:r>
                         <a:rPr lang="de-DE" b="0" i="1" smtClean="0">
+                          <a:solidFill>
+                            <a:schemeClr val="tx1">
+                              <a:lumMod val="65000"/>
+                              <a:lumOff val="35000"/>
+                            </a:schemeClr>
+                          </a:solidFill>
                           <a:latin typeface="Cambria Math" panose="02040503050406030204" pitchFamily="18" charset="0"/>
                         </a:rPr>
                         <m:t>𝑟</m:t>
                       </m:r>
-                      <m:r>
-                        <a:rPr lang="de-DE" b="0" i="1" smtClean="0">
-                          <a:latin typeface="Cambria Math" panose="02040503050406030204" pitchFamily="18" charset="0"/>
-                        </a:rPr>
-                        <m:t>&gt;0</m:t>
-                      </m:r>
                     </m:oMath>
                   </m:oMathPara>
                 </a14:m>
-                <a:endParaRPr lang="de-DE" dirty="0"/>
+                <a:endParaRPr lang="de-DE" dirty="0">
+                  <a:solidFill>
+                    <a:schemeClr val="tx1">
+                      <a:lumMod val="65000"/>
+                      <a:lumOff val="35000"/>
+                    </a:schemeClr>
+                  </a:solidFill>
+                </a:endParaRPr>
               </a:p>
             </p:txBody>
           </p:sp>
@@ -3995,10 +5370,10 @@
         <mc:Fallback>
           <p:sp>
             <p:nvSpPr>
-              <p:cNvPr id="15" name="TextBox 14">
+              <p:cNvPr id="11" name="TextBox 10">
                 <a:extLst>
                   <a:ext uri="{FF2B5EF4-FFF2-40B4-BE49-F238E27FC236}">
-                    <a16:creationId xmlns:a16="http://schemas.microsoft.com/office/drawing/2014/main" id="{DF7D7182-4DD0-3647-829A-E221423910E5}"/>
+                    <a16:creationId xmlns:a16="http://schemas.microsoft.com/office/drawing/2014/main" id="{379B1D10-C83A-0E42-8DDC-4F5AE34276BB}"/>
                   </a:ext>
                 </a:extLst>
               </p:cNvPr>
@@ -4009,16 +5384,16 @@
             </p:nvSpPr>
             <p:spPr>
               <a:xfrm>
-                <a:off x="9762058" y="2880151"/>
-                <a:ext cx="596574" cy="276999"/>
+                <a:off x="5289977" y="3707542"/>
+                <a:ext cx="166969" cy="276999"/>
               </a:xfrm>
               <a:prstGeom prst="rect">
                 <a:avLst/>
               </a:prstGeom>
               <a:blipFill>
-                <a:blip r:embed="rId8"/>
+                <a:blip r:embed="rId7"/>
                 <a:stretch>
-                  <a:fillRect l="-4167" r="-6250" b="-4348"/>
+                  <a:fillRect l="-21429" r="-14286"/>
                 </a:stretch>
               </a:blipFill>
             </p:spPr>
@@ -4041,10 +5416,10 @@
         <mc:Choice xmlns:a14="http://schemas.microsoft.com/office/drawing/2010/main" Requires="a14">
           <p:sp>
             <p:nvSpPr>
-              <p:cNvPr id="16" name="TextBox 15">
+              <p:cNvPr id="12" name="TextBox 11">
                 <a:extLst>
                   <a:ext uri="{FF2B5EF4-FFF2-40B4-BE49-F238E27FC236}">
-                    <a16:creationId xmlns:a16="http://schemas.microsoft.com/office/drawing/2014/main" id="{FE8C5F4A-921A-5B42-9347-201DD1CCC5F3}"/>
+                    <a16:creationId xmlns:a16="http://schemas.microsoft.com/office/drawing/2014/main" id="{0AFAE06D-2C9C-E447-A5D2-8C8D69A0E1F9}"/>
                   </a:ext>
                 </a:extLst>
               </p:cNvPr>
@@ -4053,7 +5428,7 @@
             </p:nvSpPr>
             <p:spPr>
               <a:xfrm>
-                <a:off x="2229744" y="3457042"/>
+                <a:off x="8570088" y="2075461"/>
                 <a:ext cx="183320" cy="276999"/>
               </a:xfrm>
               <a:prstGeom prst="rect">
@@ -4067,34 +5442,36 @@
               </a:bodyPr>
               <a:lstStyle/>
               <a:p>
+                <a:pPr/>
                 <a14:m>
                   <m:oMathPara xmlns:m="http://schemas.openxmlformats.org/officeDocument/2006/math">
                     <m:oMathParaPr>
                       <m:jc m:val="centerGroup"/>
                     </m:oMathParaPr>
                     <m:oMath xmlns:m="http://schemas.openxmlformats.org/officeDocument/2006/math">
-                      <m:acc>
-                        <m:accPr>
-                          <m:chr m:val="̇"/>
-                          <m:ctrlPr>
-                            <a:rPr lang="de-DE" i="1" smtClean="0">
-                              <a:latin typeface="Cambria Math" panose="02040503050406030204" pitchFamily="18" charset="0"/>
-                            </a:rPr>
-                          </m:ctrlPr>
-                        </m:accPr>
-                        <m:e>
-                          <m:r>
-                            <a:rPr lang="de-DE" b="0" i="1" smtClean="0">
-                              <a:latin typeface="Cambria Math" panose="02040503050406030204" pitchFamily="18" charset="0"/>
-                            </a:rPr>
-                            <m:t>𝑥</m:t>
-                          </m:r>
-                        </m:e>
-                      </m:acc>
+                      <m:r>
+                        <a:rPr lang="de-DE" b="0" i="1" smtClean="0">
+                          <a:solidFill>
+                            <a:schemeClr val="tx1">
+                              <a:lumMod val="65000"/>
+                              <a:lumOff val="35000"/>
+                            </a:schemeClr>
+                          </a:solidFill>
+                          <a:latin typeface="Cambria Math" panose="02040503050406030204" pitchFamily="18" charset="0"/>
+                        </a:rPr>
+                        <m:t>𝑥</m:t>
+                      </m:r>
                     </m:oMath>
                   </m:oMathPara>
                 </a14:m>
-                <a:endParaRPr lang="de-DE" dirty="0"/>
+                <a:endParaRPr lang="de-DE" dirty="0">
+                  <a:solidFill>
+                    <a:schemeClr val="tx1">
+                      <a:lumMod val="65000"/>
+                      <a:lumOff val="35000"/>
+                    </a:schemeClr>
+                  </a:solidFill>
+                </a:endParaRPr>
               </a:p>
             </p:txBody>
           </p:sp>
@@ -4102,10 +5479,10 @@
         <mc:Fallback>
           <p:sp>
             <p:nvSpPr>
-              <p:cNvPr id="16" name="TextBox 15">
+              <p:cNvPr id="12" name="TextBox 11">
                 <a:extLst>
                   <a:ext uri="{FF2B5EF4-FFF2-40B4-BE49-F238E27FC236}">
-                    <a16:creationId xmlns:a16="http://schemas.microsoft.com/office/drawing/2014/main" id="{FE8C5F4A-921A-5B42-9347-201DD1CCC5F3}"/>
+                    <a16:creationId xmlns:a16="http://schemas.microsoft.com/office/drawing/2014/main" id="{0AFAE06D-2C9C-E447-A5D2-8C8D69A0E1F9}"/>
                   </a:ext>
                 </a:extLst>
               </p:cNvPr>
@@ -4116,121 +5493,14 @@
             </p:nvSpPr>
             <p:spPr>
               <a:xfrm>
-                <a:off x="2229744" y="3457042"/>
+                <a:off x="8570088" y="2075461"/>
                 <a:ext cx="183320" cy="276999"/>
               </a:xfrm>
               <a:prstGeom prst="rect">
                 <a:avLst/>
               </a:prstGeom>
               <a:blipFill>
-                <a:blip r:embed="rId9"/>
-                <a:stretch>
-                  <a:fillRect l="-20000" r="-13333"/>
-                </a:stretch>
-              </a:blipFill>
-            </p:spPr>
-            <p:txBody>
-              <a:bodyPr/>
-              <a:lstStyle/>
-              <a:p>
-                <a:r>
-                  <a:rPr lang="de-DE">
-                    <a:noFill/>
-                  </a:rPr>
-                  <a:t> </a:t>
-                </a:r>
-              </a:p>
-            </p:txBody>
-          </p:sp>
-        </mc:Fallback>
-      </mc:AlternateContent>
-      <mc:AlternateContent xmlns:mc="http://schemas.openxmlformats.org/markup-compatibility/2006">
-        <mc:Choice xmlns:a14="http://schemas.microsoft.com/office/drawing/2010/main" Requires="a14">
-          <p:sp>
-            <p:nvSpPr>
-              <p:cNvPr id="17" name="TextBox 16">
-                <a:extLst>
-                  <a:ext uri="{FF2B5EF4-FFF2-40B4-BE49-F238E27FC236}">
-                    <a16:creationId xmlns:a16="http://schemas.microsoft.com/office/drawing/2014/main" id="{06F6D14B-2A39-7C4D-A7A4-DBAD674B3B16}"/>
-                  </a:ext>
-                </a:extLst>
-              </p:cNvPr>
-              <p:cNvSpPr txBox="1"/>
-              <p:nvPr/>
-            </p:nvSpPr>
-            <p:spPr>
-              <a:xfrm>
-                <a:off x="10170138" y="3460361"/>
-                <a:ext cx="183320" cy="276999"/>
-              </a:xfrm>
-              <a:prstGeom prst="rect">
-                <a:avLst/>
-              </a:prstGeom>
-              <a:noFill/>
-            </p:spPr>
-            <p:txBody>
-              <a:bodyPr wrap="none" lIns="0" tIns="0" rIns="0" bIns="0" rtlCol="0">
-                <a:spAutoFit/>
-              </a:bodyPr>
-              <a:lstStyle/>
-              <a:p>
-                <a14:m>
-                  <m:oMathPara xmlns:m="http://schemas.openxmlformats.org/officeDocument/2006/math">
-                    <m:oMathParaPr>
-                      <m:jc m:val="centerGroup"/>
-                    </m:oMathParaPr>
-                    <m:oMath xmlns:m="http://schemas.openxmlformats.org/officeDocument/2006/math">
-                      <m:acc>
-                        <m:accPr>
-                          <m:chr m:val="̇"/>
-                          <m:ctrlPr>
-                            <a:rPr lang="de-DE" i="1" smtClean="0">
-                              <a:latin typeface="Cambria Math" panose="02040503050406030204" pitchFamily="18" charset="0"/>
-                            </a:rPr>
-                          </m:ctrlPr>
-                        </m:accPr>
-                        <m:e>
-                          <m:r>
-                            <a:rPr lang="de-DE" b="0" i="1" smtClean="0">
-                              <a:latin typeface="Cambria Math" panose="02040503050406030204" pitchFamily="18" charset="0"/>
-                            </a:rPr>
-                            <m:t>𝑥</m:t>
-                          </m:r>
-                        </m:e>
-                      </m:acc>
-                    </m:oMath>
-                  </m:oMathPara>
-                </a14:m>
-                <a:endParaRPr lang="de-DE" dirty="0"/>
-              </a:p>
-            </p:txBody>
-          </p:sp>
-        </mc:Choice>
-        <mc:Fallback>
-          <p:sp>
-            <p:nvSpPr>
-              <p:cNvPr id="17" name="TextBox 16">
-                <a:extLst>
-                  <a:ext uri="{FF2B5EF4-FFF2-40B4-BE49-F238E27FC236}">
-                    <a16:creationId xmlns:a16="http://schemas.microsoft.com/office/drawing/2014/main" id="{06F6D14B-2A39-7C4D-A7A4-DBAD674B3B16}"/>
-                  </a:ext>
-                </a:extLst>
-              </p:cNvPr>
-              <p:cNvSpPr txBox="1">
-                <a:spLocks noRot="1" noChangeAspect="1" noMove="1" noResize="1" noEditPoints="1" noAdjustHandles="1" noChangeArrowheads="1" noChangeShapeType="1" noTextEdit="1"/>
-              </p:cNvSpPr>
-              <p:nvPr/>
-            </p:nvSpPr>
-            <p:spPr>
-              <a:xfrm>
-                <a:off x="10170138" y="3460361"/>
-                <a:ext cx="183320" cy="276999"/>
-              </a:xfrm>
-              <a:prstGeom prst="rect">
-                <a:avLst/>
-              </a:prstGeom>
-              <a:blipFill>
-                <a:blip r:embed="rId10"/>
+                <a:blip r:embed="rId8"/>
                 <a:stretch>
                   <a:fillRect l="-13333" r="-13333"/>
                 </a:stretch>
@@ -4255,10 +5525,10 @@
         <mc:Choice xmlns:a14="http://schemas.microsoft.com/office/drawing/2010/main" Requires="a14">
           <p:sp>
             <p:nvSpPr>
-              <p:cNvPr id="18" name="TextBox 17">
+              <p:cNvPr id="13" name="TextBox 12">
                 <a:extLst>
                   <a:ext uri="{FF2B5EF4-FFF2-40B4-BE49-F238E27FC236}">
-                    <a16:creationId xmlns:a16="http://schemas.microsoft.com/office/drawing/2014/main" id="{797B0EE6-5868-234A-901F-706EA46DBD15}"/>
+                    <a16:creationId xmlns:a16="http://schemas.microsoft.com/office/drawing/2014/main" id="{A7507C0A-EBA9-5B49-958D-EFE4166E5FCA}"/>
                   </a:ext>
                 </a:extLst>
               </p:cNvPr>
@@ -4267,8 +5537,8 @@
             </p:nvSpPr>
             <p:spPr>
               <a:xfrm>
-                <a:off x="6199941" y="3470942"/>
-                <a:ext cx="183320" cy="276999"/>
+                <a:off x="10511588" y="3707542"/>
+                <a:ext cx="166969" cy="276999"/>
               </a:xfrm>
               <a:prstGeom prst="rect">
                 <a:avLst/>
@@ -4281,34 +5551,36 @@
               </a:bodyPr>
               <a:lstStyle/>
               <a:p>
+                <a:pPr/>
                 <a14:m>
                   <m:oMathPara xmlns:m="http://schemas.openxmlformats.org/officeDocument/2006/math">
                     <m:oMathParaPr>
                       <m:jc m:val="centerGroup"/>
                     </m:oMathParaPr>
                     <m:oMath xmlns:m="http://schemas.openxmlformats.org/officeDocument/2006/math">
-                      <m:acc>
-                        <m:accPr>
-                          <m:chr m:val="̇"/>
-                          <m:ctrlPr>
-                            <a:rPr lang="de-DE" i="1" smtClean="0">
-                              <a:latin typeface="Cambria Math" panose="02040503050406030204" pitchFamily="18" charset="0"/>
-                            </a:rPr>
-                          </m:ctrlPr>
-                        </m:accPr>
-                        <m:e>
-                          <m:r>
-                            <a:rPr lang="de-DE" b="0" i="1" smtClean="0">
-                              <a:latin typeface="Cambria Math" panose="02040503050406030204" pitchFamily="18" charset="0"/>
-                            </a:rPr>
-                            <m:t>𝑥</m:t>
-                          </m:r>
-                        </m:e>
-                      </m:acc>
+                      <m:r>
+                        <a:rPr lang="de-DE" b="0" i="1" smtClean="0">
+                          <a:solidFill>
+                            <a:schemeClr val="tx1">
+                              <a:lumMod val="65000"/>
+                              <a:lumOff val="35000"/>
+                            </a:schemeClr>
+                          </a:solidFill>
+                          <a:latin typeface="Cambria Math" panose="02040503050406030204" pitchFamily="18" charset="0"/>
+                        </a:rPr>
+                        <m:t>𝑟</m:t>
+                      </m:r>
                     </m:oMath>
                   </m:oMathPara>
                 </a14:m>
-                <a:endParaRPr lang="de-DE" dirty="0"/>
+                <a:endParaRPr lang="de-DE" dirty="0">
+                  <a:solidFill>
+                    <a:schemeClr val="tx1">
+                      <a:lumMod val="65000"/>
+                      <a:lumOff val="35000"/>
+                    </a:schemeClr>
+                  </a:solidFill>
+                </a:endParaRPr>
               </a:p>
             </p:txBody>
           </p:sp>
@@ -4316,10 +5588,10 @@
         <mc:Fallback>
           <p:sp>
             <p:nvSpPr>
-              <p:cNvPr id="18" name="TextBox 17">
+              <p:cNvPr id="13" name="TextBox 12">
                 <a:extLst>
                   <a:ext uri="{FF2B5EF4-FFF2-40B4-BE49-F238E27FC236}">
-                    <a16:creationId xmlns:a16="http://schemas.microsoft.com/office/drawing/2014/main" id="{797B0EE6-5868-234A-901F-706EA46DBD15}"/>
+                    <a16:creationId xmlns:a16="http://schemas.microsoft.com/office/drawing/2014/main" id="{A7507C0A-EBA9-5B49-958D-EFE4166E5FCA}"/>
                   </a:ext>
                 </a:extLst>
               </p:cNvPr>
@@ -4330,16 +5602,16 @@
             </p:nvSpPr>
             <p:spPr>
               <a:xfrm>
-                <a:off x="6199941" y="3470942"/>
-                <a:ext cx="183320" cy="276999"/>
+                <a:off x="10511588" y="3707542"/>
+                <a:ext cx="166969" cy="276999"/>
               </a:xfrm>
               <a:prstGeom prst="rect">
                 <a:avLst/>
               </a:prstGeom>
               <a:blipFill>
-                <a:blip r:embed="rId11"/>
+                <a:blip r:embed="rId9"/>
                 <a:stretch>
-                  <a:fillRect l="-12500" r="-6250"/>
+                  <a:fillRect l="-23077" r="-7692"/>
                 </a:stretch>
               </a:blipFill>
             </p:spPr>
@@ -4358,321 +5630,6 @@
           </p:sp>
         </mc:Fallback>
       </mc:AlternateContent>
-      <mc:AlternateContent xmlns:mc="http://schemas.openxmlformats.org/markup-compatibility/2006">
-        <mc:Choice xmlns:a14="http://schemas.microsoft.com/office/drawing/2010/main" Requires="a14">
-          <p:sp>
-            <p:nvSpPr>
-              <p:cNvPr id="19" name="TextBox 18">
-                <a:extLst>
-                  <a:ext uri="{FF2B5EF4-FFF2-40B4-BE49-F238E27FC236}">
-                    <a16:creationId xmlns:a16="http://schemas.microsoft.com/office/drawing/2014/main" id="{1BC35356-F83B-5741-BE39-235F289B56BC}"/>
-                  </a:ext>
-                </a:extLst>
-              </p:cNvPr>
-              <p:cNvSpPr txBox="1"/>
-              <p:nvPr/>
-            </p:nvSpPr>
-            <p:spPr>
-              <a:xfrm>
-                <a:off x="11557814" y="5795374"/>
-                <a:ext cx="183319" cy="276999"/>
-              </a:xfrm>
-              <a:prstGeom prst="rect">
-                <a:avLst/>
-              </a:prstGeom>
-              <a:noFill/>
-            </p:spPr>
-            <p:txBody>
-              <a:bodyPr wrap="none" lIns="0" tIns="0" rIns="0" bIns="0" rtlCol="0">
-                <a:spAutoFit/>
-              </a:bodyPr>
-              <a:lstStyle/>
-              <a:p>
-                <a14:m>
-                  <m:oMathPara xmlns:m="http://schemas.openxmlformats.org/officeDocument/2006/math">
-                    <m:oMathParaPr>
-                      <m:jc m:val="centerGroup"/>
-                    </m:oMathParaPr>
-                    <m:oMath xmlns:m="http://schemas.openxmlformats.org/officeDocument/2006/math">
-                      <m:r>
-                        <a:rPr lang="de-DE" b="0" i="1" smtClean="0">
-                          <a:latin typeface="Cambria Math" panose="02040503050406030204" pitchFamily="18" charset="0"/>
-                        </a:rPr>
-                        <m:t>𝑥</m:t>
-                      </m:r>
-                    </m:oMath>
-                  </m:oMathPara>
-                </a14:m>
-                <a:endParaRPr lang="de-DE" dirty="0"/>
-              </a:p>
-            </p:txBody>
-          </p:sp>
-        </mc:Choice>
-        <mc:Fallback>
-          <p:sp>
-            <p:nvSpPr>
-              <p:cNvPr id="19" name="TextBox 18">
-                <a:extLst>
-                  <a:ext uri="{FF2B5EF4-FFF2-40B4-BE49-F238E27FC236}">
-                    <a16:creationId xmlns:a16="http://schemas.microsoft.com/office/drawing/2014/main" id="{1BC35356-F83B-5741-BE39-235F289B56BC}"/>
-                  </a:ext>
-                </a:extLst>
-              </p:cNvPr>
-              <p:cNvSpPr txBox="1">
-                <a:spLocks noRot="1" noChangeAspect="1" noMove="1" noResize="1" noEditPoints="1" noAdjustHandles="1" noChangeArrowheads="1" noChangeShapeType="1" noTextEdit="1"/>
-              </p:cNvSpPr>
-              <p:nvPr/>
-            </p:nvSpPr>
-            <p:spPr>
-              <a:xfrm>
-                <a:off x="11557814" y="5795374"/>
-                <a:ext cx="183319" cy="276999"/>
-              </a:xfrm>
-              <a:prstGeom prst="rect">
-                <a:avLst/>
-              </a:prstGeom>
-              <a:blipFill>
-                <a:blip r:embed="rId12"/>
-                <a:stretch>
-                  <a:fillRect l="-13333" r="-13333"/>
-                </a:stretch>
-              </a:blipFill>
-            </p:spPr>
-            <p:txBody>
-              <a:bodyPr/>
-              <a:lstStyle/>
-              <a:p>
-                <a:r>
-                  <a:rPr lang="de-DE">
-                    <a:noFill/>
-                  </a:rPr>
-                  <a:t> </a:t>
-                </a:r>
-              </a:p>
-            </p:txBody>
-          </p:sp>
-        </mc:Fallback>
-      </mc:AlternateContent>
-      <mc:AlternateContent xmlns:mc="http://schemas.openxmlformats.org/markup-compatibility/2006">
-        <mc:Choice xmlns:a14="http://schemas.microsoft.com/office/drawing/2010/main" Requires="a14">
-          <p:sp>
-            <p:nvSpPr>
-              <p:cNvPr id="20" name="TextBox 19">
-                <a:extLst>
-                  <a:ext uri="{FF2B5EF4-FFF2-40B4-BE49-F238E27FC236}">
-                    <a16:creationId xmlns:a16="http://schemas.microsoft.com/office/drawing/2014/main" id="{A7FE0CCA-0029-1141-B8D3-BC3E713169D8}"/>
-                  </a:ext>
-                </a:extLst>
-              </p:cNvPr>
-              <p:cNvSpPr txBox="1"/>
-              <p:nvPr/>
-            </p:nvSpPr>
-            <p:spPr>
-              <a:xfrm>
-                <a:off x="7679277" y="5795375"/>
-                <a:ext cx="183319" cy="276999"/>
-              </a:xfrm>
-              <a:prstGeom prst="rect">
-                <a:avLst/>
-              </a:prstGeom>
-              <a:noFill/>
-            </p:spPr>
-            <p:txBody>
-              <a:bodyPr wrap="none" lIns="0" tIns="0" rIns="0" bIns="0" rtlCol="0">
-                <a:spAutoFit/>
-              </a:bodyPr>
-              <a:lstStyle/>
-              <a:p>
-                <a14:m>
-                  <m:oMathPara xmlns:m="http://schemas.openxmlformats.org/officeDocument/2006/math">
-                    <m:oMathParaPr>
-                      <m:jc m:val="centerGroup"/>
-                    </m:oMathParaPr>
-                    <m:oMath xmlns:m="http://schemas.openxmlformats.org/officeDocument/2006/math">
-                      <m:r>
-                        <a:rPr lang="de-DE" b="0" i="1" smtClean="0">
-                          <a:latin typeface="Cambria Math" panose="02040503050406030204" pitchFamily="18" charset="0"/>
-                        </a:rPr>
-                        <m:t>𝑥</m:t>
-                      </m:r>
-                    </m:oMath>
-                  </m:oMathPara>
-                </a14:m>
-                <a:endParaRPr lang="de-DE" dirty="0"/>
-              </a:p>
-            </p:txBody>
-          </p:sp>
-        </mc:Choice>
-        <mc:Fallback>
-          <p:sp>
-            <p:nvSpPr>
-              <p:cNvPr id="20" name="TextBox 19">
-                <a:extLst>
-                  <a:ext uri="{FF2B5EF4-FFF2-40B4-BE49-F238E27FC236}">
-                    <a16:creationId xmlns:a16="http://schemas.microsoft.com/office/drawing/2014/main" id="{A7FE0CCA-0029-1141-B8D3-BC3E713169D8}"/>
-                  </a:ext>
-                </a:extLst>
-              </p:cNvPr>
-              <p:cNvSpPr txBox="1">
-                <a:spLocks noRot="1" noChangeAspect="1" noMove="1" noResize="1" noEditPoints="1" noAdjustHandles="1" noChangeArrowheads="1" noChangeShapeType="1" noTextEdit="1"/>
-              </p:cNvSpPr>
-              <p:nvPr/>
-            </p:nvSpPr>
-            <p:spPr>
-              <a:xfrm>
-                <a:off x="7679277" y="5795375"/>
-                <a:ext cx="183319" cy="276999"/>
-              </a:xfrm>
-              <a:prstGeom prst="rect">
-                <a:avLst/>
-              </a:prstGeom>
-              <a:blipFill>
-                <a:blip r:embed="rId13"/>
-                <a:stretch>
-                  <a:fillRect l="-20000" r="-13333"/>
-                </a:stretch>
-              </a:blipFill>
-            </p:spPr>
-            <p:txBody>
-              <a:bodyPr/>
-              <a:lstStyle/>
-              <a:p>
-                <a:r>
-                  <a:rPr lang="de-DE">
-                    <a:noFill/>
-                  </a:rPr>
-                  <a:t> </a:t>
-                </a:r>
-              </a:p>
-            </p:txBody>
-          </p:sp>
-        </mc:Fallback>
-      </mc:AlternateContent>
-      <mc:AlternateContent xmlns:mc="http://schemas.openxmlformats.org/markup-compatibility/2006">
-        <mc:Choice xmlns:a14="http://schemas.microsoft.com/office/drawing/2010/main" Requires="a14">
-          <p:sp>
-            <p:nvSpPr>
-              <p:cNvPr id="21" name="TextBox 20">
-                <a:extLst>
-                  <a:ext uri="{FF2B5EF4-FFF2-40B4-BE49-F238E27FC236}">
-                    <a16:creationId xmlns:a16="http://schemas.microsoft.com/office/drawing/2014/main" id="{9AA966EC-A40A-ED45-A3B5-CCF1D082E908}"/>
-                  </a:ext>
-                </a:extLst>
-              </p:cNvPr>
-              <p:cNvSpPr txBox="1"/>
-              <p:nvPr/>
-            </p:nvSpPr>
-            <p:spPr>
-              <a:xfrm>
-                <a:off x="3642986" y="4870537"/>
-                <a:ext cx="183319" cy="276999"/>
-              </a:xfrm>
-              <a:prstGeom prst="rect">
-                <a:avLst/>
-              </a:prstGeom>
-              <a:noFill/>
-            </p:spPr>
-            <p:txBody>
-              <a:bodyPr wrap="none" lIns="0" tIns="0" rIns="0" bIns="0" rtlCol="0">
-                <a:spAutoFit/>
-              </a:bodyPr>
-              <a:lstStyle/>
-              <a:p>
-                <a14:m>
-                  <m:oMathPara xmlns:m="http://schemas.openxmlformats.org/officeDocument/2006/math">
-                    <m:oMathParaPr>
-                      <m:jc m:val="centerGroup"/>
-                    </m:oMathParaPr>
-                    <m:oMath xmlns:m="http://schemas.openxmlformats.org/officeDocument/2006/math">
-                      <m:r>
-                        <a:rPr lang="de-DE" b="0" i="1" smtClean="0">
-                          <a:latin typeface="Cambria Math" panose="02040503050406030204" pitchFamily="18" charset="0"/>
-                        </a:rPr>
-                        <m:t>𝑥</m:t>
-                      </m:r>
-                    </m:oMath>
-                  </m:oMathPara>
-                </a14:m>
-                <a:endParaRPr lang="de-DE" dirty="0"/>
-              </a:p>
-            </p:txBody>
-          </p:sp>
-        </mc:Choice>
-        <mc:Fallback>
-          <p:sp>
-            <p:nvSpPr>
-              <p:cNvPr id="21" name="TextBox 20">
-                <a:extLst>
-                  <a:ext uri="{FF2B5EF4-FFF2-40B4-BE49-F238E27FC236}">
-                    <a16:creationId xmlns:a16="http://schemas.microsoft.com/office/drawing/2014/main" id="{9AA966EC-A40A-ED45-A3B5-CCF1D082E908}"/>
-                  </a:ext>
-                </a:extLst>
-              </p:cNvPr>
-              <p:cNvSpPr txBox="1">
-                <a:spLocks noRot="1" noChangeAspect="1" noMove="1" noResize="1" noEditPoints="1" noAdjustHandles="1" noChangeArrowheads="1" noChangeShapeType="1" noTextEdit="1"/>
-              </p:cNvSpPr>
-              <p:nvPr/>
-            </p:nvSpPr>
-            <p:spPr>
-              <a:xfrm>
-                <a:off x="3642986" y="4870537"/>
-                <a:ext cx="183319" cy="276999"/>
-              </a:xfrm>
-              <a:prstGeom prst="rect">
-                <a:avLst/>
-              </a:prstGeom>
-              <a:blipFill>
-                <a:blip r:embed="rId14"/>
-                <a:stretch>
-                  <a:fillRect l="-13333" r="-13333"/>
-                </a:stretch>
-              </a:blipFill>
-            </p:spPr>
-            <p:txBody>
-              <a:bodyPr/>
-              <a:lstStyle/>
-              <a:p>
-                <a:r>
-                  <a:rPr lang="de-DE">
-                    <a:noFill/>
-                  </a:rPr>
-                  <a:t> </a:t>
-                </a:r>
-              </a:p>
-            </p:txBody>
-          </p:sp>
-        </mc:Fallback>
-      </mc:AlternateContent>
-    </p:spTree>
-    <p:extLst>
-      <p:ext uri="{BB962C8B-B14F-4D97-AF65-F5344CB8AC3E}">
-        <p14:creationId xmlns:p14="http://schemas.microsoft.com/office/powerpoint/2010/main" val="2890326449"/>
-      </p:ext>
-    </p:extLst>
-  </p:cSld>
-  <p:clrMapOvr>
-    <a:masterClrMapping/>
-  </p:clrMapOvr>
-</p:sld>
-</file>
-
-<file path=ppt/slides/slide3.xml><?xml version="1.0" encoding="utf-8"?>
-<p:sld xmlns:a="http://schemas.openxmlformats.org/drawingml/2006/main" xmlns:r="http://schemas.openxmlformats.org/officeDocument/2006/relationships" xmlns:p="http://schemas.openxmlformats.org/presentationml/2006/main">
-  <p:cSld>
-    <p:spTree>
-      <p:nvGrpSpPr>
-        <p:cNvPr id="1" name=""/>
-        <p:cNvGrpSpPr/>
-        <p:nvPr/>
-      </p:nvGrpSpPr>
-      <p:grpSpPr>
-        <a:xfrm>
-          <a:off x="0" y="0"/>
-          <a:ext cx="0" cy="0"/>
-          <a:chOff x="0" y="0"/>
-          <a:chExt cx="0" cy="0"/>
-        </a:xfrm>
-      </p:grpSpPr>
     </p:spTree>
     <p:extLst>
       <p:ext uri="{BB962C8B-B14F-4D97-AF65-F5344CB8AC3E}">

--- a/presentation/Presentation.pptx
+++ b/presentation/Presentation.pptx
@@ -7,6 +7,10 @@
   <p:sldIdLst>
     <p:sldId id="257" r:id="rId2"/>
     <p:sldId id="258" r:id="rId3"/>
+    <p:sldId id="260" r:id="rId4"/>
+    <p:sldId id="259" r:id="rId5"/>
+    <p:sldId id="261" r:id="rId6"/>
+    <p:sldId id="262" r:id="rId7"/>
   </p:sldIdLst>
   <p:sldSz cx="12192000" cy="6858000"/>
   <p:notesSz cx="6858000" cy="9144000"/>
@@ -5643,6 +5647,3270 @@
 </p:sld>
 </file>
 
+<file path=ppt/slides/slide3.xml><?xml version="1.0" encoding="utf-8"?>
+<p:sld xmlns:a="http://schemas.openxmlformats.org/drawingml/2006/main" xmlns:r="http://schemas.openxmlformats.org/officeDocument/2006/relationships" xmlns:p="http://schemas.openxmlformats.org/presentationml/2006/main">
+  <p:cSld>
+    <p:spTree>
+      <p:nvGrpSpPr>
+        <p:cNvPr id="1" name=""/>
+        <p:cNvGrpSpPr/>
+        <p:nvPr/>
+      </p:nvGrpSpPr>
+      <p:grpSpPr>
+        <a:xfrm>
+          <a:off x="0" y="0"/>
+          <a:ext cx="0" cy="0"/>
+          <a:chOff x="0" y="0"/>
+          <a:chExt cx="0" cy="0"/>
+        </a:xfrm>
+      </p:grpSpPr>
+      <mc:AlternateContent xmlns:mc="http://schemas.openxmlformats.org/markup-compatibility/2006">
+        <mc:Choice xmlns:a14="http://schemas.microsoft.com/office/drawing/2010/main" Requires="a14">
+          <p:sp>
+            <p:nvSpPr>
+              <p:cNvPr id="5" name="TextBox 4">
+                <a:extLst>
+                  <a:ext uri="{FF2B5EF4-FFF2-40B4-BE49-F238E27FC236}">
+                    <a16:creationId xmlns:a16="http://schemas.microsoft.com/office/drawing/2014/main" id="{20F9F961-2654-3A46-8219-57FD68C153FB}"/>
+                  </a:ext>
+                </a:extLst>
+              </p:cNvPr>
+              <p:cNvSpPr txBox="1"/>
+              <p:nvPr/>
+            </p:nvSpPr>
+            <p:spPr>
+              <a:xfrm>
+                <a:off x="538026" y="2071048"/>
+                <a:ext cx="6626861" cy="709105"/>
+              </a:xfrm>
+              <a:prstGeom prst="rect">
+                <a:avLst/>
+              </a:prstGeom>
+              <a:noFill/>
+            </p:spPr>
+            <p:txBody>
+              <a:bodyPr wrap="square" lIns="0" tIns="0" rIns="0" bIns="0" rtlCol="0">
+                <a:spAutoFit/>
+              </a:bodyPr>
+              <a:lstStyle/>
+              <a:p>
+                <a:pPr/>
+                <a14:m>
+                  <m:oMathPara xmlns:m="http://schemas.openxmlformats.org/officeDocument/2006/math">
+                    <m:oMathParaPr>
+                      <m:jc m:val="left"/>
+                    </m:oMathParaPr>
+                    <m:oMath xmlns:m="http://schemas.openxmlformats.org/officeDocument/2006/math">
+                      <m:f>
+                        <m:fPr>
+                          <m:ctrlPr>
+                            <a:rPr lang="de-DE" sz="2400" i="1" smtClean="0">
+                              <a:latin typeface="Cambria Math" panose="02040503050406030204" pitchFamily="18" charset="0"/>
+                            </a:rPr>
+                          </m:ctrlPr>
+                        </m:fPr>
+                        <m:num>
+                          <m:r>
+                            <m:rPr>
+                              <m:nor/>
+                            </m:rPr>
+                            <a:rPr lang="de-DE" sz="2400" i="0" smtClean="0">
+                              <a:latin typeface="Cambria Math" panose="02040503050406030204" pitchFamily="18" charset="0"/>
+                            </a:rPr>
+                            <m:t>d</m:t>
+                          </m:r>
+                          <m:r>
+                            <a:rPr lang="de-DE" sz="2400" b="0" i="1" smtClean="0">
+                              <a:latin typeface="Cambria Math" panose="02040503050406030204" pitchFamily="18" charset="0"/>
+                            </a:rPr>
+                            <m:t>𝑇</m:t>
+                          </m:r>
+                        </m:num>
+                        <m:den>
+                          <m:r>
+                            <m:rPr>
+                              <m:nor/>
+                            </m:rPr>
+                            <a:rPr lang="de-DE" sz="2400" i="0" smtClean="0">
+                              <a:latin typeface="Cambria Math" panose="02040503050406030204" pitchFamily="18" charset="0"/>
+                            </a:rPr>
+                            <m:t>d</m:t>
+                          </m:r>
+                          <m:r>
+                            <a:rPr lang="de-DE" sz="2400" b="0" i="1" smtClean="0">
+                              <a:latin typeface="Cambria Math" panose="02040503050406030204" pitchFamily="18" charset="0"/>
+                            </a:rPr>
+                            <m:t>𝑡</m:t>
+                          </m:r>
+                        </m:den>
+                      </m:f>
+                      <m:r>
+                        <a:rPr lang="de-DE" sz="2400" b="0" i="1" smtClean="0">
+                          <a:latin typeface="Cambria Math" panose="02040503050406030204" pitchFamily="18" charset="0"/>
+                        </a:rPr>
+                        <m:t>=</m:t>
+                      </m:r>
+                      <m:r>
+                        <a:rPr lang="de-DE" sz="2400" b="0" i="1" smtClean="0">
+                          <a:latin typeface="Cambria Math" panose="02040503050406030204" pitchFamily="18" charset="0"/>
+                        </a:rPr>
+                        <m:t>𝑟</m:t>
+                      </m:r>
+                      <m:d>
+                        <m:dPr>
+                          <m:ctrlPr>
+                            <a:rPr lang="de-DE" sz="2400" b="0" i="1" smtClean="0">
+                              <a:latin typeface="Cambria Math" panose="02040503050406030204" pitchFamily="18" charset="0"/>
+                            </a:rPr>
+                          </m:ctrlPr>
+                        </m:dPr>
+                        <m:e>
+                          <m:r>
+                            <a:rPr lang="de-DE" sz="2400" b="0" i="1" smtClean="0">
+                              <a:latin typeface="Cambria Math" panose="02040503050406030204" pitchFamily="18" charset="0"/>
+                            </a:rPr>
+                            <m:t>𝑃</m:t>
+                          </m:r>
+                        </m:e>
+                      </m:d>
+                      <m:r>
+                        <a:rPr lang="de-DE" sz="2400" b="0" i="1" smtClean="0">
+                          <a:latin typeface="Cambria Math" panose="02040503050406030204" pitchFamily="18" charset="0"/>
+                        </a:rPr>
+                        <m:t>𝑇</m:t>
+                      </m:r>
+                      <m:d>
+                        <m:dPr>
+                          <m:ctrlPr>
+                            <a:rPr lang="de-DE" sz="2400" b="0" i="1" smtClean="0">
+                              <a:latin typeface="Cambria Math" panose="02040503050406030204" pitchFamily="18" charset="0"/>
+                            </a:rPr>
+                          </m:ctrlPr>
+                        </m:dPr>
+                        <m:e>
+                          <m:r>
+                            <a:rPr lang="de-DE" sz="2400" b="0" i="1" smtClean="0">
+                              <a:latin typeface="Cambria Math" panose="02040503050406030204" pitchFamily="18" charset="0"/>
+                            </a:rPr>
+                            <m:t>1−</m:t>
+                          </m:r>
+                          <m:f>
+                            <m:fPr>
+                              <m:ctrlPr>
+                                <a:rPr lang="de-DE" sz="2400" b="0" i="1" smtClean="0">
+                                  <a:latin typeface="Cambria Math" panose="02040503050406030204" pitchFamily="18" charset="0"/>
+                                </a:rPr>
+                              </m:ctrlPr>
+                            </m:fPr>
+                            <m:num>
+                              <m:r>
+                                <a:rPr lang="de-DE" sz="2400" b="0" i="1" smtClean="0">
+                                  <a:latin typeface="Cambria Math" panose="02040503050406030204" pitchFamily="18" charset="0"/>
+                                </a:rPr>
+                                <m:t>𝑇</m:t>
+                              </m:r>
+                            </m:num>
+                            <m:den>
+                              <m:r>
+                                <a:rPr lang="de-DE" sz="2400" b="0" i="1" smtClean="0">
+                                  <a:latin typeface="Cambria Math" panose="02040503050406030204" pitchFamily="18" charset="0"/>
+                                </a:rPr>
+                                <m:t>𝐾</m:t>
+                              </m:r>
+                            </m:den>
+                          </m:f>
+                        </m:e>
+                      </m:d>
+                    </m:oMath>
+                  </m:oMathPara>
+                </a14:m>
+                <a:endParaRPr lang="de-DE" sz="2400" dirty="0"/>
+              </a:p>
+            </p:txBody>
+          </p:sp>
+        </mc:Choice>
+        <mc:Fallback>
+          <p:sp>
+            <p:nvSpPr>
+              <p:cNvPr id="5" name="TextBox 4">
+                <a:extLst>
+                  <a:ext uri="{FF2B5EF4-FFF2-40B4-BE49-F238E27FC236}">
+                    <a16:creationId xmlns:a16="http://schemas.microsoft.com/office/drawing/2014/main" id="{20F9F961-2654-3A46-8219-57FD68C153FB}"/>
+                  </a:ext>
+                </a:extLst>
+              </p:cNvPr>
+              <p:cNvSpPr txBox="1">
+                <a:spLocks noRot="1" noChangeAspect="1" noMove="1" noResize="1" noEditPoints="1" noAdjustHandles="1" noChangeArrowheads="1" noChangeShapeType="1" noTextEdit="1"/>
+              </p:cNvSpPr>
+              <p:nvPr/>
+            </p:nvSpPr>
+            <p:spPr>
+              <a:xfrm>
+                <a:off x="538026" y="2071048"/>
+                <a:ext cx="6626861" cy="709105"/>
+              </a:xfrm>
+              <a:prstGeom prst="rect">
+                <a:avLst/>
+              </a:prstGeom>
+              <a:blipFill>
+                <a:blip r:embed="rId2"/>
+                <a:stretch>
+                  <a:fillRect l="-1530" t="-1754" b="-12281"/>
+                </a:stretch>
+              </a:blipFill>
+            </p:spPr>
+            <p:txBody>
+              <a:bodyPr/>
+              <a:lstStyle/>
+              <a:p>
+                <a:r>
+                  <a:rPr lang="de-DE">
+                    <a:noFill/>
+                  </a:rPr>
+                  <a:t> </a:t>
+                </a:r>
+              </a:p>
+            </p:txBody>
+          </p:sp>
+        </mc:Fallback>
+      </mc:AlternateContent>
+      <mc:AlternateContent xmlns:mc="http://schemas.openxmlformats.org/markup-compatibility/2006">
+        <mc:Choice xmlns:a14="http://schemas.microsoft.com/office/drawing/2010/main" Requires="a14">
+          <p:sp>
+            <p:nvSpPr>
+              <p:cNvPr id="7" name="TextBox 6">
+                <a:extLst>
+                  <a:ext uri="{FF2B5EF4-FFF2-40B4-BE49-F238E27FC236}">
+                    <a16:creationId xmlns:a16="http://schemas.microsoft.com/office/drawing/2014/main" id="{22862AB7-DE73-3E4F-BCC5-699D5C452E58}"/>
+                  </a:ext>
+                </a:extLst>
+              </p:cNvPr>
+              <p:cNvSpPr txBox="1"/>
+              <p:nvPr/>
+            </p:nvSpPr>
+            <p:spPr>
+              <a:xfrm>
+                <a:off x="437818" y="365729"/>
+                <a:ext cx="5286577" cy="1334404"/>
+              </a:xfrm>
+              <a:prstGeom prst="rect">
+                <a:avLst/>
+              </a:prstGeom>
+              <a:noFill/>
+            </p:spPr>
+            <p:txBody>
+              <a:bodyPr wrap="square" rtlCol="0">
+                <a:spAutoFit/>
+              </a:bodyPr>
+              <a:lstStyle/>
+              <a:p>
+                <a:r>
+                  <a:rPr lang="de-DE" sz="2400" dirty="0">
+                    <a:latin typeface="Avenir Next Medium" panose="020B0503020202020204" pitchFamily="34" charset="0"/>
+                  </a:rPr>
+                  <a:t>Tree-Cover Model</a:t>
+                </a:r>
+              </a:p>
+              <a:p>
+                <a:r>
+                  <a:rPr lang="de-DE" dirty="0">
+                    <a:latin typeface="Avenir Next" panose="020B0503020202020204" pitchFamily="34" charset="0"/>
+                  </a:rPr>
+                  <a:t>Dynamics </a:t>
+                </a:r>
+                <a:r>
+                  <a:rPr lang="de-DE" dirty="0" err="1">
+                    <a:latin typeface="Avenir Next" panose="020B0503020202020204" pitchFamily="34" charset="0"/>
+                  </a:rPr>
+                  <a:t>of</a:t>
+                </a:r>
+                <a:r>
+                  <a:rPr lang="de-DE" dirty="0">
+                    <a:latin typeface="Avenir Next" panose="020B0503020202020204" pitchFamily="34" charset="0"/>
+                  </a:rPr>
+                  <a:t> </a:t>
+                </a:r>
+                <a:r>
+                  <a:rPr lang="de-DE" dirty="0" err="1">
+                    <a:latin typeface="Avenir Next" panose="020B0503020202020204" pitchFamily="34" charset="0"/>
+                  </a:rPr>
+                  <a:t>Tree</a:t>
+                </a:r>
+                <a:r>
+                  <a:rPr lang="de-DE" dirty="0">
+                    <a:latin typeface="Avenir Next" panose="020B0503020202020204" pitchFamily="34" charset="0"/>
+                  </a:rPr>
+                  <a:t>-Cover (</a:t>
+                </a:r>
+                <a14:m>
+                  <m:oMath xmlns:m="http://schemas.openxmlformats.org/officeDocument/2006/math">
+                    <m:r>
+                      <a:rPr lang="de-DE" i="1" dirty="0" smtClean="0">
+                        <a:latin typeface="Cambria Math" panose="02040503050406030204" pitchFamily="18" charset="0"/>
+                      </a:rPr>
+                      <m:t>𝑇</m:t>
+                    </m:r>
+                  </m:oMath>
+                </a14:m>
+                <a:r>
+                  <a:rPr lang="de-DE" dirty="0">
+                    <a:latin typeface="Avenir Next" panose="020B0503020202020204" pitchFamily="34" charset="0"/>
+                  </a:rPr>
+                  <a:t> in </a:t>
+                </a:r>
+                <a14:m>
+                  <m:oMath xmlns:m="http://schemas.openxmlformats.org/officeDocument/2006/math">
+                    <m:r>
+                      <a:rPr lang="de-DE" i="1" dirty="0" smtClean="0">
+                        <a:latin typeface="Cambria Math" panose="02040503050406030204" pitchFamily="18" charset="0"/>
+                      </a:rPr>
+                      <m:t>%</m:t>
+                    </m:r>
+                  </m:oMath>
+                </a14:m>
+                <a:r>
+                  <a:rPr lang="de-DE" dirty="0">
+                    <a:latin typeface="Avenir Next" panose="020B0503020202020204" pitchFamily="34" charset="0"/>
+                  </a:rPr>
+                  <a:t>) in </a:t>
+                </a:r>
+                <a:r>
+                  <a:rPr lang="de-DE" dirty="0" err="1">
+                    <a:latin typeface="Avenir Next" panose="020B0503020202020204" pitchFamily="34" charset="0"/>
+                  </a:rPr>
+                  <a:t>dependence</a:t>
+                </a:r>
+                <a:r>
+                  <a:rPr lang="de-DE" dirty="0">
+                    <a:latin typeface="Avenir Next" panose="020B0503020202020204" pitchFamily="34" charset="0"/>
+                  </a:rPr>
+                  <a:t> </a:t>
+                </a:r>
+                <a:r>
+                  <a:rPr lang="de-DE" dirty="0" err="1">
+                    <a:latin typeface="Avenir Next" panose="020B0503020202020204" pitchFamily="34" charset="0"/>
+                  </a:rPr>
+                  <a:t>of</a:t>
+                </a:r>
+                <a:r>
+                  <a:rPr lang="de-DE" dirty="0">
+                    <a:latin typeface="Avenir Next" panose="020B0503020202020204" pitchFamily="34" charset="0"/>
+                  </a:rPr>
+                  <a:t> </a:t>
+                </a:r>
+                <a:r>
+                  <a:rPr lang="de-DE" dirty="0" err="1">
+                    <a:latin typeface="Avenir Next" panose="020B0503020202020204" pitchFamily="34" charset="0"/>
+                  </a:rPr>
+                  <a:t>Precepitation</a:t>
+                </a:r>
+                <a:r>
+                  <a:rPr lang="de-DE" dirty="0">
+                    <a:latin typeface="Avenir Next" panose="020B0503020202020204" pitchFamily="34" charset="0"/>
+                  </a:rPr>
+                  <a:t> (</a:t>
+                </a:r>
+                <a14:m>
+                  <m:oMath xmlns:m="http://schemas.openxmlformats.org/officeDocument/2006/math">
+                    <m:r>
+                      <a:rPr lang="de-DE" i="1" dirty="0" smtClean="0">
+                        <a:latin typeface="Cambria Math" panose="02040503050406030204" pitchFamily="18" charset="0"/>
+                      </a:rPr>
+                      <m:t>𝑃</m:t>
+                    </m:r>
+                  </m:oMath>
+                </a14:m>
+                <a:r>
+                  <a:rPr lang="de-DE" dirty="0">
+                    <a:latin typeface="Avenir Next" panose="020B0503020202020204" pitchFamily="34" charset="0"/>
+                  </a:rPr>
+                  <a:t> in </a:t>
+                </a:r>
+                <a14:m>
+                  <m:oMath xmlns:m="http://schemas.openxmlformats.org/officeDocument/2006/math">
+                    <m:r>
+                      <m:rPr>
+                        <m:sty m:val="p"/>
+                      </m:rPr>
+                      <a:rPr lang="de-DE" b="0" i="0" dirty="0" smtClean="0">
+                        <a:latin typeface="Cambria Math" panose="02040503050406030204" pitchFamily="18" charset="0"/>
+                        <a:ea typeface="Cambria Math" panose="02040503050406030204" pitchFamily="18" charset="0"/>
+                      </a:rPr>
+                      <m:t>mm</m:t>
+                    </m:r>
+                    <m:r>
+                      <a:rPr lang="de-DE" i="1" dirty="0" smtClean="0">
+                        <a:latin typeface="Cambria Math" panose="02040503050406030204" pitchFamily="18" charset="0"/>
+                        <a:ea typeface="Cambria Math" panose="02040503050406030204" pitchFamily="18" charset="0"/>
+                      </a:rPr>
+                      <m:t>∙</m:t>
+                    </m:r>
+                    <m:sSup>
+                      <m:sSupPr>
+                        <m:ctrlPr>
+                          <a:rPr lang="de-DE" b="0" i="1" dirty="0" err="1" smtClean="0">
+                            <a:latin typeface="Cambria Math" panose="02040503050406030204" pitchFamily="18" charset="0"/>
+                          </a:rPr>
+                        </m:ctrlPr>
+                      </m:sSupPr>
+                      <m:e>
+                        <m:r>
+                          <m:rPr>
+                            <m:nor/>
+                          </m:rPr>
+                          <a:rPr lang="de-DE" b="0" i="0" dirty="0" smtClean="0">
+                            <a:latin typeface="Cambria Math" panose="02040503050406030204" pitchFamily="18" charset="0"/>
+                          </a:rPr>
+                          <m:t>yr</m:t>
+                        </m:r>
+                      </m:e>
+                      <m:sup>
+                        <m:r>
+                          <a:rPr lang="de-DE" b="0" i="1" dirty="0" smtClean="0">
+                            <a:latin typeface="Cambria Math" panose="02040503050406030204" pitchFamily="18" charset="0"/>
+                          </a:rPr>
+                          <m:t>−1</m:t>
+                        </m:r>
+                      </m:sup>
+                    </m:sSup>
+                  </m:oMath>
+                </a14:m>
+                <a:r>
+                  <a:rPr lang="de-DE" dirty="0">
+                    <a:latin typeface="Avenir Next" panose="020B0503020202020204" pitchFamily="34" charset="0"/>
+                  </a:rPr>
+                  <a:t>)</a:t>
+                </a:r>
+                <a:endParaRPr lang="de-DE" dirty="0"/>
+              </a:p>
+              <a:p>
+                <a:endParaRPr lang="de-DE" dirty="0">
+                  <a:latin typeface="Avenir Next" panose="020B0503020202020204" pitchFamily="34" charset="0"/>
+                </a:endParaRPr>
+              </a:p>
+            </p:txBody>
+          </p:sp>
+        </mc:Choice>
+        <mc:Fallback>
+          <p:sp>
+            <p:nvSpPr>
+              <p:cNvPr id="7" name="TextBox 6">
+                <a:extLst>
+                  <a:ext uri="{FF2B5EF4-FFF2-40B4-BE49-F238E27FC236}">
+                    <a16:creationId xmlns:a16="http://schemas.microsoft.com/office/drawing/2014/main" id="{22862AB7-DE73-3E4F-BCC5-699D5C452E58}"/>
+                  </a:ext>
+                </a:extLst>
+              </p:cNvPr>
+              <p:cNvSpPr txBox="1">
+                <a:spLocks noRot="1" noChangeAspect="1" noMove="1" noResize="1" noEditPoints="1" noAdjustHandles="1" noChangeArrowheads="1" noChangeShapeType="1" noTextEdit="1"/>
+              </p:cNvSpPr>
+              <p:nvPr/>
+            </p:nvSpPr>
+            <p:spPr>
+              <a:xfrm>
+                <a:off x="437818" y="365729"/>
+                <a:ext cx="5286577" cy="1334404"/>
+              </a:xfrm>
+              <a:prstGeom prst="rect">
+                <a:avLst/>
+              </a:prstGeom>
+              <a:blipFill>
+                <a:blip r:embed="rId3"/>
+                <a:stretch>
+                  <a:fillRect l="-1675" t="-3774"/>
+                </a:stretch>
+              </a:blipFill>
+            </p:spPr>
+            <p:txBody>
+              <a:bodyPr/>
+              <a:lstStyle/>
+              <a:p>
+                <a:r>
+                  <a:rPr lang="de-DE">
+                    <a:noFill/>
+                  </a:rPr>
+                  <a:t> </a:t>
+                </a:r>
+              </a:p>
+            </p:txBody>
+          </p:sp>
+        </mc:Fallback>
+      </mc:AlternateContent>
+      <p:pic>
+        <p:nvPicPr>
+          <p:cNvPr id="3" name="Picture 2">
+            <a:extLst>
+              <a:ext uri="{FF2B5EF4-FFF2-40B4-BE49-F238E27FC236}">
+                <a16:creationId xmlns:a16="http://schemas.microsoft.com/office/drawing/2014/main" id="{0E6A8F93-9C61-1945-9E82-C086869CBE01}"/>
+              </a:ext>
+            </a:extLst>
+          </p:cNvPr>
+          <p:cNvPicPr>
+            <a:picLocks noChangeAspect="1"/>
+          </p:cNvPicPr>
+          <p:nvPr/>
+        </p:nvPicPr>
+        <p:blipFill>
+          <a:blip r:embed="rId4">
+            <a:extLst>
+              <a:ext uri="{28A0092B-C50C-407E-A947-70E740481C1C}">
+                <a14:useLocalDpi xmlns:a14="http://schemas.microsoft.com/office/drawing/2010/main" val="0"/>
+              </a:ext>
+            </a:extLst>
+          </a:blip>
+          <a:stretch>
+            <a:fillRect/>
+          </a:stretch>
+        </p:blipFill>
+        <p:spPr>
+          <a:xfrm>
+            <a:off x="4848719" y="3151068"/>
+            <a:ext cx="6900897" cy="3416949"/>
+          </a:xfrm>
+          <a:prstGeom prst="rect">
+            <a:avLst/>
+          </a:prstGeom>
+        </p:spPr>
+      </p:pic>
+      <p:sp>
+        <p:nvSpPr>
+          <p:cNvPr id="8" name="TextBox 7">
+            <a:extLst>
+              <a:ext uri="{FF2B5EF4-FFF2-40B4-BE49-F238E27FC236}">
+                <a16:creationId xmlns:a16="http://schemas.microsoft.com/office/drawing/2014/main" id="{7A680A8E-3739-C84C-AEE1-CA4DE69623A3}"/>
+              </a:ext>
+            </a:extLst>
+          </p:cNvPr>
+          <p:cNvSpPr txBox="1"/>
+          <p:nvPr/>
+        </p:nvSpPr>
+        <p:spPr>
+          <a:xfrm>
+            <a:off x="437818" y="3969899"/>
+            <a:ext cx="2864630" cy="923330"/>
+          </a:xfrm>
+          <a:prstGeom prst="rect">
+            <a:avLst/>
+          </a:prstGeom>
+          <a:noFill/>
+        </p:spPr>
+        <p:txBody>
+          <a:bodyPr wrap="none" rtlCol="0">
+            <a:spAutoFit/>
+          </a:bodyPr>
+          <a:lstStyle/>
+          <a:p>
+            <a:pPr marL="285750" indent="-285750">
+              <a:buFontTx/>
+              <a:buChar char="-"/>
+            </a:pPr>
+            <a:r>
+              <a:rPr lang="de-DE" dirty="0" err="1"/>
+              <a:t>Logistic</a:t>
+            </a:r>
+            <a:r>
+              <a:rPr lang="de-DE" dirty="0"/>
+              <a:t> </a:t>
+            </a:r>
+            <a:r>
+              <a:rPr lang="de-DE" dirty="0" err="1"/>
+              <a:t>growth</a:t>
+            </a:r>
+            <a:endParaRPr lang="de-DE" dirty="0"/>
+          </a:p>
+          <a:p>
+            <a:pPr marL="285750" indent="-285750">
+              <a:buFontTx/>
+              <a:buChar char="-"/>
+            </a:pPr>
+            <a:endParaRPr lang="de-DE" dirty="0"/>
+          </a:p>
+          <a:p>
+            <a:pPr marL="285750" indent="-285750">
+              <a:buFontTx/>
+              <a:buChar char="-"/>
+            </a:pPr>
+            <a:r>
+              <a:rPr lang="de-DE" dirty="0"/>
+              <a:t>K … </a:t>
+            </a:r>
+            <a:r>
+              <a:rPr lang="de-DE" dirty="0" err="1"/>
+              <a:t>maximum</a:t>
+            </a:r>
+            <a:r>
+              <a:rPr lang="de-DE" dirty="0"/>
+              <a:t> </a:t>
+            </a:r>
+            <a:r>
+              <a:rPr lang="de-DE" dirty="0" err="1"/>
+              <a:t>Tree</a:t>
+            </a:r>
+            <a:r>
+              <a:rPr lang="de-DE" dirty="0"/>
+              <a:t>-Cover</a:t>
+            </a:r>
+          </a:p>
+        </p:txBody>
+      </p:sp>
+      <p:sp>
+        <p:nvSpPr>
+          <p:cNvPr id="4" name="Rectangle 3">
+            <a:extLst>
+              <a:ext uri="{FF2B5EF4-FFF2-40B4-BE49-F238E27FC236}">
+                <a16:creationId xmlns:a16="http://schemas.microsoft.com/office/drawing/2014/main" id="{E7257DCE-8CD7-6048-9936-B66AC284FBBC}"/>
+              </a:ext>
+            </a:extLst>
+          </p:cNvPr>
+          <p:cNvSpPr/>
+          <p:nvPr/>
+        </p:nvSpPr>
+        <p:spPr>
+          <a:xfrm>
+            <a:off x="1252603" y="2071048"/>
+            <a:ext cx="626301" cy="834990"/>
+          </a:xfrm>
+          <a:prstGeom prst="rect">
+            <a:avLst/>
+          </a:prstGeom>
+          <a:solidFill>
+            <a:schemeClr val="bg1"/>
+          </a:solidFill>
+          <a:ln>
+            <a:noFill/>
+          </a:ln>
+        </p:spPr>
+        <p:style>
+          <a:lnRef idx="2">
+            <a:schemeClr val="accent1">
+              <a:shade val="50000"/>
+            </a:schemeClr>
+          </a:lnRef>
+          <a:fillRef idx="1">
+            <a:schemeClr val="accent1"/>
+          </a:fillRef>
+          <a:effectRef idx="0">
+            <a:schemeClr val="accent1"/>
+          </a:effectRef>
+          <a:fontRef idx="minor">
+            <a:schemeClr val="lt1"/>
+          </a:fontRef>
+        </p:style>
+        <p:txBody>
+          <a:bodyPr rtlCol="0" anchor="ctr"/>
+          <a:lstStyle/>
+          <a:p>
+            <a:pPr algn="ctr"/>
+            <a:endParaRPr lang="de-DE">
+              <a:ln>
+                <a:solidFill>
+                  <a:schemeClr val="bg1"/>
+                </a:solidFill>
+              </a:ln>
+              <a:solidFill>
+                <a:schemeClr val="bg1"/>
+              </a:solidFill>
+            </a:endParaRPr>
+          </a:p>
+        </p:txBody>
+      </p:sp>
+    </p:spTree>
+    <p:extLst>
+      <p:ext uri="{BB962C8B-B14F-4D97-AF65-F5344CB8AC3E}">
+        <p14:creationId xmlns:p14="http://schemas.microsoft.com/office/powerpoint/2010/main" val="4126028975"/>
+      </p:ext>
+    </p:extLst>
+  </p:cSld>
+  <p:clrMapOvr>
+    <a:masterClrMapping/>
+  </p:clrMapOvr>
+</p:sld>
+</file>
+
+<file path=ppt/slides/slide4.xml><?xml version="1.0" encoding="utf-8"?>
+<p:sld xmlns:a="http://schemas.openxmlformats.org/drawingml/2006/main" xmlns:r="http://schemas.openxmlformats.org/officeDocument/2006/relationships" xmlns:p="http://schemas.openxmlformats.org/presentationml/2006/main">
+  <p:cSld>
+    <p:spTree>
+      <p:nvGrpSpPr>
+        <p:cNvPr id="1" name=""/>
+        <p:cNvGrpSpPr/>
+        <p:nvPr/>
+      </p:nvGrpSpPr>
+      <p:grpSpPr>
+        <a:xfrm>
+          <a:off x="0" y="0"/>
+          <a:ext cx="0" cy="0"/>
+          <a:chOff x="0" y="0"/>
+          <a:chExt cx="0" cy="0"/>
+        </a:xfrm>
+      </p:grpSpPr>
+      <mc:AlternateContent xmlns:mc="http://schemas.openxmlformats.org/markup-compatibility/2006">
+        <mc:Choice xmlns:a14="http://schemas.microsoft.com/office/drawing/2010/main" Requires="a14">
+          <p:sp>
+            <p:nvSpPr>
+              <p:cNvPr id="5" name="TextBox 4">
+                <a:extLst>
+                  <a:ext uri="{FF2B5EF4-FFF2-40B4-BE49-F238E27FC236}">
+                    <a16:creationId xmlns:a16="http://schemas.microsoft.com/office/drawing/2014/main" id="{20F9F961-2654-3A46-8219-57FD68C153FB}"/>
+                  </a:ext>
+                </a:extLst>
+              </p:cNvPr>
+              <p:cNvSpPr txBox="1"/>
+              <p:nvPr/>
+            </p:nvSpPr>
+            <p:spPr>
+              <a:xfrm>
+                <a:off x="538026" y="2071048"/>
+                <a:ext cx="6626861" cy="709233"/>
+              </a:xfrm>
+              <a:prstGeom prst="rect">
+                <a:avLst/>
+              </a:prstGeom>
+              <a:noFill/>
+            </p:spPr>
+            <p:txBody>
+              <a:bodyPr wrap="square" lIns="0" tIns="0" rIns="0" bIns="0" rtlCol="0">
+                <a:spAutoFit/>
+              </a:bodyPr>
+              <a:lstStyle/>
+              <a:p>
+                <a:pPr/>
+                <a14:m>
+                  <m:oMathPara xmlns:m="http://schemas.openxmlformats.org/officeDocument/2006/math">
+                    <m:oMathParaPr>
+                      <m:jc m:val="left"/>
+                    </m:oMathParaPr>
+                    <m:oMath xmlns:m="http://schemas.openxmlformats.org/officeDocument/2006/math">
+                      <m:f>
+                        <m:fPr>
+                          <m:ctrlPr>
+                            <a:rPr lang="de-DE" sz="2400" i="1" smtClean="0">
+                              <a:latin typeface="Cambria Math" panose="02040503050406030204" pitchFamily="18" charset="0"/>
+                            </a:rPr>
+                          </m:ctrlPr>
+                        </m:fPr>
+                        <m:num>
+                          <m:r>
+                            <m:rPr>
+                              <m:nor/>
+                            </m:rPr>
+                            <a:rPr lang="de-DE" sz="2400" i="0" smtClean="0">
+                              <a:latin typeface="Cambria Math" panose="02040503050406030204" pitchFamily="18" charset="0"/>
+                            </a:rPr>
+                            <m:t>d</m:t>
+                          </m:r>
+                          <m:r>
+                            <a:rPr lang="de-DE" sz="2400" b="0" i="1" smtClean="0">
+                              <a:latin typeface="Cambria Math" panose="02040503050406030204" pitchFamily="18" charset="0"/>
+                            </a:rPr>
+                            <m:t>𝑇</m:t>
+                          </m:r>
+                        </m:num>
+                        <m:den>
+                          <m:r>
+                            <m:rPr>
+                              <m:nor/>
+                            </m:rPr>
+                            <a:rPr lang="de-DE" sz="2400" i="0" smtClean="0">
+                              <a:latin typeface="Cambria Math" panose="02040503050406030204" pitchFamily="18" charset="0"/>
+                            </a:rPr>
+                            <m:t>d</m:t>
+                          </m:r>
+                          <m:r>
+                            <a:rPr lang="de-DE" sz="2400" b="0" i="1" smtClean="0">
+                              <a:latin typeface="Cambria Math" panose="02040503050406030204" pitchFamily="18" charset="0"/>
+                            </a:rPr>
+                            <m:t>𝑡</m:t>
+                          </m:r>
+                        </m:den>
+                      </m:f>
+                      <m:r>
+                        <a:rPr lang="de-DE" sz="2400" b="0" i="1" smtClean="0">
+                          <a:latin typeface="Cambria Math" panose="02040503050406030204" pitchFamily="18" charset="0"/>
+                        </a:rPr>
+                        <m:t>=</m:t>
+                      </m:r>
+                      <m:r>
+                        <a:rPr lang="de-DE" sz="2400" b="0" i="1" smtClean="0">
+                          <a:latin typeface="Cambria Math" panose="02040503050406030204" pitchFamily="18" charset="0"/>
+                        </a:rPr>
+                        <m:t>𝑟</m:t>
+                      </m:r>
+                      <m:d>
+                        <m:dPr>
+                          <m:ctrlPr>
+                            <a:rPr lang="de-DE" sz="2400" b="0" i="1" smtClean="0">
+                              <a:latin typeface="Cambria Math" panose="02040503050406030204" pitchFamily="18" charset="0"/>
+                            </a:rPr>
+                          </m:ctrlPr>
+                        </m:dPr>
+                        <m:e>
+                          <m:r>
+                            <a:rPr lang="de-DE" sz="2400" b="0" i="1" smtClean="0">
+                              <a:latin typeface="Cambria Math" panose="02040503050406030204" pitchFamily="18" charset="0"/>
+                            </a:rPr>
+                            <m:t>𝑃</m:t>
+                          </m:r>
+                        </m:e>
+                      </m:d>
+                      <m:r>
+                        <a:rPr lang="de-DE" sz="2400" i="1">
+                          <a:latin typeface="Cambria Math" panose="02040503050406030204" pitchFamily="18" charset="0"/>
+                        </a:rPr>
+                        <m:t>𝑇</m:t>
+                      </m:r>
+                      <m:d>
+                        <m:dPr>
+                          <m:ctrlPr>
+                            <a:rPr lang="de-DE" sz="2400" i="1">
+                              <a:latin typeface="Cambria Math" panose="02040503050406030204" pitchFamily="18" charset="0"/>
+                            </a:rPr>
+                          </m:ctrlPr>
+                        </m:dPr>
+                        <m:e>
+                          <m:r>
+                            <a:rPr lang="de-DE" sz="2400" i="1">
+                              <a:latin typeface="Cambria Math" panose="02040503050406030204" pitchFamily="18" charset="0"/>
+                            </a:rPr>
+                            <m:t>1−</m:t>
+                          </m:r>
+                          <m:f>
+                            <m:fPr>
+                              <m:ctrlPr>
+                                <a:rPr lang="de-DE" sz="2400" i="1">
+                                  <a:latin typeface="Cambria Math" panose="02040503050406030204" pitchFamily="18" charset="0"/>
+                                </a:rPr>
+                              </m:ctrlPr>
+                            </m:fPr>
+                            <m:num>
+                              <m:r>
+                                <a:rPr lang="de-DE" sz="2400" i="1">
+                                  <a:latin typeface="Cambria Math" panose="02040503050406030204" pitchFamily="18" charset="0"/>
+                                </a:rPr>
+                                <m:t>𝑇</m:t>
+                              </m:r>
+                            </m:num>
+                            <m:den>
+                              <m:r>
+                                <a:rPr lang="de-DE" sz="2400" i="1">
+                                  <a:latin typeface="Cambria Math" panose="02040503050406030204" pitchFamily="18" charset="0"/>
+                                </a:rPr>
+                                <m:t>𝑘</m:t>
+                              </m:r>
+                            </m:den>
+                          </m:f>
+                        </m:e>
+                      </m:d>
+                    </m:oMath>
+                  </m:oMathPara>
+                </a14:m>
+                <a:endParaRPr lang="de-DE" sz="2400" dirty="0"/>
+              </a:p>
+            </p:txBody>
+          </p:sp>
+        </mc:Choice>
+        <mc:Fallback>
+          <p:sp>
+            <p:nvSpPr>
+              <p:cNvPr id="5" name="TextBox 4">
+                <a:extLst>
+                  <a:ext uri="{FF2B5EF4-FFF2-40B4-BE49-F238E27FC236}">
+                    <a16:creationId xmlns:a16="http://schemas.microsoft.com/office/drawing/2014/main" id="{20F9F961-2654-3A46-8219-57FD68C153FB}"/>
+                  </a:ext>
+                </a:extLst>
+              </p:cNvPr>
+              <p:cNvSpPr txBox="1">
+                <a:spLocks noRot="1" noChangeAspect="1" noMove="1" noResize="1" noEditPoints="1" noAdjustHandles="1" noChangeArrowheads="1" noChangeShapeType="1" noTextEdit="1"/>
+              </p:cNvSpPr>
+              <p:nvPr/>
+            </p:nvSpPr>
+            <p:spPr>
+              <a:xfrm>
+                <a:off x="538026" y="2071048"/>
+                <a:ext cx="6626861" cy="709233"/>
+              </a:xfrm>
+              <a:prstGeom prst="rect">
+                <a:avLst/>
+              </a:prstGeom>
+              <a:blipFill>
+                <a:blip r:embed="rId2"/>
+                <a:stretch>
+                  <a:fillRect l="-1530" t="-1754" b="-12281"/>
+                </a:stretch>
+              </a:blipFill>
+            </p:spPr>
+            <p:txBody>
+              <a:bodyPr/>
+              <a:lstStyle/>
+              <a:p>
+                <a:r>
+                  <a:rPr lang="de-DE">
+                    <a:noFill/>
+                  </a:rPr>
+                  <a:t> </a:t>
+                </a:r>
+              </a:p>
+            </p:txBody>
+          </p:sp>
+        </mc:Fallback>
+      </mc:AlternateContent>
+      <p:sp>
+        <p:nvSpPr>
+          <p:cNvPr id="7" name="TextBox 6">
+            <a:extLst>
+              <a:ext uri="{FF2B5EF4-FFF2-40B4-BE49-F238E27FC236}">
+                <a16:creationId xmlns:a16="http://schemas.microsoft.com/office/drawing/2014/main" id="{22862AB7-DE73-3E4F-BCC5-699D5C452E58}"/>
+              </a:ext>
+            </a:extLst>
+          </p:cNvPr>
+          <p:cNvSpPr txBox="1"/>
+          <p:nvPr/>
+        </p:nvSpPr>
+        <p:spPr>
+          <a:xfrm>
+            <a:off x="437818" y="365729"/>
+            <a:ext cx="5286577" cy="1015663"/>
+          </a:xfrm>
+          <a:prstGeom prst="rect">
+            <a:avLst/>
+          </a:prstGeom>
+          <a:noFill/>
+        </p:spPr>
+        <p:txBody>
+          <a:bodyPr wrap="square" rtlCol="0">
+            <a:spAutoFit/>
+          </a:bodyPr>
+          <a:lstStyle/>
+          <a:p>
+            <a:r>
+              <a:rPr lang="de-DE" sz="2400" dirty="0">
+                <a:latin typeface="Avenir Next Medium" panose="020B0503020202020204" pitchFamily="34" charset="0"/>
+              </a:rPr>
+              <a:t>Tree-Cover Model</a:t>
+            </a:r>
+          </a:p>
+          <a:p>
+            <a:r>
+              <a:rPr lang="de-DE" dirty="0">
+                <a:latin typeface="Avenir Next" panose="020B0503020202020204" pitchFamily="34" charset="0"/>
+              </a:rPr>
+              <a:t>Expansion rate</a:t>
+            </a:r>
+            <a:endParaRPr lang="de-DE" dirty="0"/>
+          </a:p>
+          <a:p>
+            <a:endParaRPr lang="de-DE" dirty="0">
+              <a:latin typeface="Avenir Next" panose="020B0503020202020204" pitchFamily="34" charset="0"/>
+            </a:endParaRPr>
+          </a:p>
+        </p:txBody>
+      </p:sp>
+      <mc:AlternateContent xmlns:mc="http://schemas.openxmlformats.org/markup-compatibility/2006">
+        <mc:Choice xmlns:a14="http://schemas.microsoft.com/office/drawing/2010/main" Requires="a14">
+          <p:sp>
+            <p:nvSpPr>
+              <p:cNvPr id="8" name="TextBox 7">
+                <a:extLst>
+                  <a:ext uri="{FF2B5EF4-FFF2-40B4-BE49-F238E27FC236}">
+                    <a16:creationId xmlns:a16="http://schemas.microsoft.com/office/drawing/2014/main" id="{3350A902-C04E-4541-B60A-034F1C194AFD}"/>
+                  </a:ext>
+                </a:extLst>
+              </p:cNvPr>
+              <p:cNvSpPr txBox="1"/>
+              <p:nvPr/>
+            </p:nvSpPr>
+            <p:spPr>
+              <a:xfrm>
+                <a:off x="437818" y="3969899"/>
+                <a:ext cx="4089517" cy="1626471"/>
+              </a:xfrm>
+              <a:prstGeom prst="rect">
+                <a:avLst/>
+              </a:prstGeom>
+              <a:noFill/>
+            </p:spPr>
+            <p:txBody>
+              <a:bodyPr wrap="none" rtlCol="0">
+                <a:spAutoFit/>
+              </a:bodyPr>
+              <a:lstStyle/>
+              <a:p>
+                <a:pPr marL="285750" indent="-285750">
+                  <a:buFontTx/>
+                  <a:buChar char="-"/>
+                </a:pPr>
+                <a14:m>
+                  <m:oMath xmlns:m="http://schemas.openxmlformats.org/officeDocument/2006/math">
+                    <m:r>
+                      <a:rPr lang="de-DE" i="1">
+                        <a:latin typeface="Cambria Math" panose="02040503050406030204" pitchFamily="18" charset="0"/>
+                      </a:rPr>
+                      <m:t>𝑟</m:t>
+                    </m:r>
+                    <m:r>
+                      <a:rPr lang="de-DE" i="1">
+                        <a:latin typeface="Cambria Math" panose="02040503050406030204" pitchFamily="18" charset="0"/>
+                      </a:rPr>
+                      <m:t>(</m:t>
+                    </m:r>
+                    <m:r>
+                      <a:rPr lang="de-DE" i="1">
+                        <a:latin typeface="Cambria Math" panose="02040503050406030204" pitchFamily="18" charset="0"/>
+                      </a:rPr>
+                      <m:t>𝑃</m:t>
+                    </m:r>
+                    <m:r>
+                      <a:rPr lang="de-DE" i="1">
+                        <a:latin typeface="Cambria Math" panose="02040503050406030204" pitchFamily="18" charset="0"/>
+                      </a:rPr>
+                      <m:t>)</m:t>
+                    </m:r>
+                  </m:oMath>
+                </a14:m>
+                <a:r>
+                  <a:rPr lang="de-DE" dirty="0"/>
+                  <a:t> … </a:t>
+                </a:r>
+                <a:r>
+                  <a:rPr lang="de-DE" dirty="0" err="1"/>
+                  <a:t>expansion</a:t>
+                </a:r>
+                <a:r>
+                  <a:rPr lang="de-DE" dirty="0"/>
+                  <a:t> rate</a:t>
+                </a:r>
+              </a:p>
+              <a:p>
+                <a:pPr marL="285750" indent="-285750">
+                  <a:buFontTx/>
+                  <a:buChar char="-"/>
+                </a:pPr>
+                <a:endParaRPr lang="de-DE" dirty="0"/>
+              </a:p>
+              <a:p>
+                <a:pPr marL="285750" indent="-285750">
+                  <a:buFontTx/>
+                  <a:buChar char="-"/>
+                </a:pPr>
+                <a:r>
+                  <a:rPr lang="de-DE" dirty="0"/>
+                  <a:t> </a:t>
+                </a:r>
+                <a14:m>
+                  <m:oMath xmlns:m="http://schemas.openxmlformats.org/officeDocument/2006/math">
+                    <m:r>
+                      <a:rPr lang="de-DE" i="1">
+                        <a:latin typeface="Cambria Math" panose="02040503050406030204" pitchFamily="18" charset="0"/>
+                      </a:rPr>
+                      <m:t>𝑟</m:t>
+                    </m:r>
+                    <m:d>
+                      <m:dPr>
+                        <m:ctrlPr>
+                          <a:rPr lang="de-DE" i="1">
+                            <a:latin typeface="Cambria Math" panose="02040503050406030204" pitchFamily="18" charset="0"/>
+                          </a:rPr>
+                        </m:ctrlPr>
+                      </m:dPr>
+                      <m:e>
+                        <m:r>
+                          <a:rPr lang="de-DE" i="1">
+                            <a:latin typeface="Cambria Math" panose="02040503050406030204" pitchFamily="18" charset="0"/>
+                          </a:rPr>
+                          <m:t>𝑃</m:t>
+                        </m:r>
+                      </m:e>
+                    </m:d>
+                    <m:r>
+                      <a:rPr lang="de-DE" i="1">
+                        <a:latin typeface="Cambria Math" panose="02040503050406030204" pitchFamily="18" charset="0"/>
+                      </a:rPr>
+                      <m:t>=</m:t>
+                    </m:r>
+                    <m:sSub>
+                      <m:sSubPr>
+                        <m:ctrlPr>
+                          <a:rPr lang="de-DE" i="1">
+                            <a:latin typeface="Cambria Math" panose="02040503050406030204" pitchFamily="18" charset="0"/>
+                          </a:rPr>
+                        </m:ctrlPr>
+                      </m:sSubPr>
+                      <m:e>
+                        <m:r>
+                          <a:rPr lang="de-DE" i="1">
+                            <a:latin typeface="Cambria Math" panose="02040503050406030204" pitchFamily="18" charset="0"/>
+                          </a:rPr>
+                          <m:t>𝑟</m:t>
+                        </m:r>
+                      </m:e>
+                      <m:sub>
+                        <m:r>
+                          <a:rPr lang="de-DE" i="1">
+                            <a:latin typeface="Cambria Math" panose="02040503050406030204" pitchFamily="18" charset="0"/>
+                          </a:rPr>
+                          <m:t>𝑚</m:t>
+                        </m:r>
+                      </m:sub>
+                    </m:sSub>
+                    <m:f>
+                      <m:fPr>
+                        <m:ctrlPr>
+                          <a:rPr lang="de-DE" i="1">
+                            <a:latin typeface="Cambria Math" panose="02040503050406030204" pitchFamily="18" charset="0"/>
+                          </a:rPr>
+                        </m:ctrlPr>
+                      </m:fPr>
+                      <m:num>
+                        <m:r>
+                          <a:rPr lang="de-DE" i="1">
+                            <a:latin typeface="Cambria Math" panose="02040503050406030204" pitchFamily="18" charset="0"/>
+                          </a:rPr>
+                          <m:t>𝑃</m:t>
+                        </m:r>
+                      </m:num>
+                      <m:den>
+                        <m:r>
+                          <a:rPr lang="de-DE" i="1">
+                            <a:latin typeface="Cambria Math" panose="02040503050406030204" pitchFamily="18" charset="0"/>
+                          </a:rPr>
+                          <m:t>𝑃</m:t>
+                        </m:r>
+                        <m:r>
+                          <a:rPr lang="de-DE" i="1">
+                            <a:latin typeface="Cambria Math" panose="02040503050406030204" pitchFamily="18" charset="0"/>
+                          </a:rPr>
+                          <m:t>+</m:t>
+                        </m:r>
+                        <m:sSub>
+                          <m:sSubPr>
+                            <m:ctrlPr>
+                              <a:rPr lang="de-DE" i="1">
+                                <a:latin typeface="Cambria Math" panose="02040503050406030204" pitchFamily="18" charset="0"/>
+                              </a:rPr>
+                            </m:ctrlPr>
+                          </m:sSubPr>
+                          <m:e>
+                            <m:r>
+                              <a:rPr lang="de-DE" i="1">
+                                <a:latin typeface="Cambria Math" panose="02040503050406030204" pitchFamily="18" charset="0"/>
+                              </a:rPr>
+                              <m:t>h</m:t>
+                            </m:r>
+                          </m:e>
+                          <m:sub>
+                            <m:r>
+                              <a:rPr lang="de-DE" i="1">
+                                <a:latin typeface="Cambria Math" panose="02040503050406030204" pitchFamily="18" charset="0"/>
+                              </a:rPr>
+                              <m:t>𝑃</m:t>
+                            </m:r>
+                          </m:sub>
+                        </m:sSub>
+                      </m:den>
+                    </m:f>
+                  </m:oMath>
+                </a14:m>
+                <a:endParaRPr lang="de-DE" dirty="0"/>
+              </a:p>
+              <a:p>
+                <a:pPr marL="285750" indent="-285750">
+                  <a:buFontTx/>
+                  <a:buChar char="-"/>
+                </a:pPr>
+                <a:endParaRPr lang="de-DE" dirty="0"/>
+              </a:p>
+              <a:p>
+                <a:pPr marL="285750" indent="-285750">
+                  <a:buFontTx/>
+                  <a:buChar char="-"/>
+                </a:pPr>
+                <a:r>
+                  <a:rPr lang="de-DE" dirty="0" err="1"/>
+                  <a:t>Saturating</a:t>
+                </a:r>
+                <a:r>
+                  <a:rPr lang="de-DE" dirty="0"/>
+                  <a:t> </a:t>
+                </a:r>
+                <a:r>
+                  <a:rPr lang="de-DE" dirty="0" err="1"/>
+                  <a:t>function</a:t>
+                </a:r>
+                <a:r>
+                  <a:rPr lang="de-DE" dirty="0"/>
+                  <a:t> / Monod </a:t>
+                </a:r>
+                <a:r>
+                  <a:rPr lang="de-DE" dirty="0" err="1"/>
+                  <a:t>Equation</a:t>
+                </a:r>
+                <a:r>
+                  <a:rPr lang="de-DE" dirty="0"/>
+                  <a:t> </a:t>
+                </a:r>
+              </a:p>
+            </p:txBody>
+          </p:sp>
+        </mc:Choice>
+        <mc:Fallback>
+          <p:sp>
+            <p:nvSpPr>
+              <p:cNvPr id="8" name="TextBox 7">
+                <a:extLst>
+                  <a:ext uri="{FF2B5EF4-FFF2-40B4-BE49-F238E27FC236}">
+                    <a16:creationId xmlns:a16="http://schemas.microsoft.com/office/drawing/2014/main" id="{3350A902-C04E-4541-B60A-034F1C194AFD}"/>
+                  </a:ext>
+                </a:extLst>
+              </p:cNvPr>
+              <p:cNvSpPr txBox="1">
+                <a:spLocks noRot="1" noChangeAspect="1" noMove="1" noResize="1" noEditPoints="1" noAdjustHandles="1" noChangeArrowheads="1" noChangeShapeType="1" noTextEdit="1"/>
+              </p:cNvSpPr>
+              <p:nvPr/>
+            </p:nvSpPr>
+            <p:spPr>
+              <a:xfrm>
+                <a:off x="437818" y="3969899"/>
+                <a:ext cx="4089517" cy="1626471"/>
+              </a:xfrm>
+              <a:prstGeom prst="rect">
+                <a:avLst/>
+              </a:prstGeom>
+              <a:blipFill>
+                <a:blip r:embed="rId3"/>
+                <a:stretch>
+                  <a:fillRect l="-929" t="-1550" b="-4651"/>
+                </a:stretch>
+              </a:blipFill>
+            </p:spPr>
+            <p:txBody>
+              <a:bodyPr/>
+              <a:lstStyle/>
+              <a:p>
+                <a:r>
+                  <a:rPr lang="de-DE">
+                    <a:noFill/>
+                  </a:rPr>
+                  <a:t> </a:t>
+                </a:r>
+              </a:p>
+            </p:txBody>
+          </p:sp>
+        </mc:Fallback>
+      </mc:AlternateContent>
+      <p:pic>
+        <p:nvPicPr>
+          <p:cNvPr id="10" name="Picture 9">
+            <a:extLst>
+              <a:ext uri="{FF2B5EF4-FFF2-40B4-BE49-F238E27FC236}">
+                <a16:creationId xmlns:a16="http://schemas.microsoft.com/office/drawing/2014/main" id="{C01B973F-8179-4D4C-AB73-6A192C609D72}"/>
+              </a:ext>
+            </a:extLst>
+          </p:cNvPr>
+          <p:cNvPicPr>
+            <a:picLocks noChangeAspect="1"/>
+          </p:cNvPicPr>
+          <p:nvPr/>
+        </p:nvPicPr>
+        <p:blipFill>
+          <a:blip r:embed="rId4">
+            <a:extLst>
+              <a:ext uri="{28A0092B-C50C-407E-A947-70E740481C1C}">
+                <a14:useLocalDpi xmlns:a14="http://schemas.microsoft.com/office/drawing/2010/main" val="0"/>
+              </a:ext>
+            </a:extLst>
+          </a:blip>
+          <a:stretch>
+            <a:fillRect/>
+          </a:stretch>
+        </p:blipFill>
+        <p:spPr>
+          <a:xfrm>
+            <a:off x="5300946" y="2922584"/>
+            <a:ext cx="6350000" cy="3721100"/>
+          </a:xfrm>
+          <a:prstGeom prst="rect">
+            <a:avLst/>
+          </a:prstGeom>
+        </p:spPr>
+      </p:pic>
+    </p:spTree>
+    <p:extLst>
+      <p:ext uri="{BB962C8B-B14F-4D97-AF65-F5344CB8AC3E}">
+        <p14:creationId xmlns:p14="http://schemas.microsoft.com/office/powerpoint/2010/main" val="2066699708"/>
+      </p:ext>
+    </p:extLst>
+  </p:cSld>
+  <p:clrMapOvr>
+    <a:masterClrMapping/>
+  </p:clrMapOvr>
+</p:sld>
+</file>
+
+<file path=ppt/slides/slide5.xml><?xml version="1.0" encoding="utf-8"?>
+<p:sld xmlns:a="http://schemas.openxmlformats.org/drawingml/2006/main" xmlns:r="http://schemas.openxmlformats.org/officeDocument/2006/relationships" xmlns:p="http://schemas.openxmlformats.org/presentationml/2006/main">
+  <p:cSld>
+    <p:spTree>
+      <p:nvGrpSpPr>
+        <p:cNvPr id="1" name=""/>
+        <p:cNvGrpSpPr/>
+        <p:nvPr/>
+      </p:nvGrpSpPr>
+      <p:grpSpPr>
+        <a:xfrm>
+          <a:off x="0" y="0"/>
+          <a:ext cx="0" cy="0"/>
+          <a:chOff x="0" y="0"/>
+          <a:chExt cx="0" cy="0"/>
+        </a:xfrm>
+      </p:grpSpPr>
+      <mc:AlternateContent xmlns:mc="http://schemas.openxmlformats.org/markup-compatibility/2006">
+        <mc:Choice xmlns:a14="http://schemas.microsoft.com/office/drawing/2010/main" Requires="a14">
+          <p:sp>
+            <p:nvSpPr>
+              <p:cNvPr id="5" name="TextBox 4">
+                <a:extLst>
+                  <a:ext uri="{FF2B5EF4-FFF2-40B4-BE49-F238E27FC236}">
+                    <a16:creationId xmlns:a16="http://schemas.microsoft.com/office/drawing/2014/main" id="{20F9F961-2654-3A46-8219-57FD68C153FB}"/>
+                  </a:ext>
+                </a:extLst>
+              </p:cNvPr>
+              <p:cNvSpPr txBox="1"/>
+              <p:nvPr/>
+            </p:nvSpPr>
+            <p:spPr>
+              <a:xfrm>
+                <a:off x="538026" y="2071048"/>
+                <a:ext cx="6626861" cy="761683"/>
+              </a:xfrm>
+              <a:prstGeom prst="rect">
+                <a:avLst/>
+              </a:prstGeom>
+              <a:noFill/>
+            </p:spPr>
+            <p:txBody>
+              <a:bodyPr wrap="square" lIns="0" tIns="0" rIns="0" bIns="0" rtlCol="0">
+                <a:spAutoFit/>
+              </a:bodyPr>
+              <a:lstStyle/>
+              <a:p>
+                <a:pPr/>
+                <a14:m>
+                  <m:oMathPara xmlns:m="http://schemas.openxmlformats.org/officeDocument/2006/math">
+                    <m:oMathParaPr>
+                      <m:jc m:val="left"/>
+                    </m:oMathParaPr>
+                    <m:oMath xmlns:m="http://schemas.openxmlformats.org/officeDocument/2006/math">
+                      <m:f>
+                        <m:fPr>
+                          <m:ctrlPr>
+                            <a:rPr lang="de-DE" sz="2400" i="1" smtClean="0">
+                              <a:latin typeface="Cambria Math" panose="02040503050406030204" pitchFamily="18" charset="0"/>
+                            </a:rPr>
+                          </m:ctrlPr>
+                        </m:fPr>
+                        <m:num>
+                          <m:r>
+                            <m:rPr>
+                              <m:nor/>
+                            </m:rPr>
+                            <a:rPr lang="de-DE" sz="2400" i="0" smtClean="0">
+                              <a:latin typeface="Cambria Math" panose="02040503050406030204" pitchFamily="18" charset="0"/>
+                            </a:rPr>
+                            <m:t>d</m:t>
+                          </m:r>
+                          <m:r>
+                            <a:rPr lang="de-DE" sz="2400" b="0" i="1" smtClean="0">
+                              <a:latin typeface="Cambria Math" panose="02040503050406030204" pitchFamily="18" charset="0"/>
+                            </a:rPr>
+                            <m:t>𝑇</m:t>
+                          </m:r>
+                        </m:num>
+                        <m:den>
+                          <m:r>
+                            <m:rPr>
+                              <m:nor/>
+                            </m:rPr>
+                            <a:rPr lang="de-DE" sz="2400" i="0" smtClean="0">
+                              <a:latin typeface="Cambria Math" panose="02040503050406030204" pitchFamily="18" charset="0"/>
+                            </a:rPr>
+                            <m:t>d</m:t>
+                          </m:r>
+                          <m:r>
+                            <a:rPr lang="de-DE" sz="2400" b="0" i="1" smtClean="0">
+                              <a:latin typeface="Cambria Math" panose="02040503050406030204" pitchFamily="18" charset="0"/>
+                            </a:rPr>
+                            <m:t>𝑡</m:t>
+                          </m:r>
+                        </m:den>
+                      </m:f>
+                      <m:r>
+                        <a:rPr lang="de-DE" sz="2400" b="0" i="1" smtClean="0">
+                          <a:latin typeface="Cambria Math" panose="02040503050406030204" pitchFamily="18" charset="0"/>
+                        </a:rPr>
+                        <m:t>=</m:t>
+                      </m:r>
+                      <m:r>
+                        <a:rPr lang="de-DE" sz="2400" b="0" i="1" smtClean="0">
+                          <a:latin typeface="Cambria Math" panose="02040503050406030204" pitchFamily="18" charset="0"/>
+                        </a:rPr>
+                        <m:t>𝑟</m:t>
+                      </m:r>
+                      <m:d>
+                        <m:dPr>
+                          <m:ctrlPr>
+                            <a:rPr lang="de-DE" sz="2400" b="0" i="1" smtClean="0">
+                              <a:latin typeface="Cambria Math" panose="02040503050406030204" pitchFamily="18" charset="0"/>
+                            </a:rPr>
+                          </m:ctrlPr>
+                        </m:dPr>
+                        <m:e>
+                          <m:r>
+                            <a:rPr lang="de-DE" sz="2400" b="0" i="1" smtClean="0">
+                              <a:latin typeface="Cambria Math" panose="02040503050406030204" pitchFamily="18" charset="0"/>
+                            </a:rPr>
+                            <m:t>𝑃</m:t>
+                          </m:r>
+                        </m:e>
+                      </m:d>
+                      <m:r>
+                        <a:rPr lang="de-DE" sz="2400" b="0" i="1" smtClean="0">
+                          <a:latin typeface="Cambria Math" panose="02040503050406030204" pitchFamily="18" charset="0"/>
+                        </a:rPr>
+                        <m:t>𝑇</m:t>
+                      </m:r>
+                      <m:d>
+                        <m:dPr>
+                          <m:ctrlPr>
+                            <a:rPr lang="de-DE" sz="2400" b="0" i="1" smtClean="0">
+                              <a:latin typeface="Cambria Math" panose="02040503050406030204" pitchFamily="18" charset="0"/>
+                            </a:rPr>
+                          </m:ctrlPr>
+                        </m:dPr>
+                        <m:e>
+                          <m:r>
+                            <a:rPr lang="de-DE" sz="2400" b="0" i="1" smtClean="0">
+                              <a:latin typeface="Cambria Math" panose="02040503050406030204" pitchFamily="18" charset="0"/>
+                            </a:rPr>
+                            <m:t>1−</m:t>
+                          </m:r>
+                          <m:f>
+                            <m:fPr>
+                              <m:ctrlPr>
+                                <a:rPr lang="de-DE" sz="2400" b="0" i="1" smtClean="0">
+                                  <a:latin typeface="Cambria Math" panose="02040503050406030204" pitchFamily="18" charset="0"/>
+                                </a:rPr>
+                              </m:ctrlPr>
+                            </m:fPr>
+                            <m:num>
+                              <m:r>
+                                <a:rPr lang="de-DE" sz="2400" b="0" i="1" smtClean="0">
+                                  <a:latin typeface="Cambria Math" panose="02040503050406030204" pitchFamily="18" charset="0"/>
+                                </a:rPr>
+                                <m:t>𝑇</m:t>
+                              </m:r>
+                            </m:num>
+                            <m:den>
+                              <m:r>
+                                <a:rPr lang="de-DE" sz="2400" b="0" i="1" smtClean="0">
+                                  <a:latin typeface="Cambria Math" panose="02040503050406030204" pitchFamily="18" charset="0"/>
+                                </a:rPr>
+                                <m:t>𝑘</m:t>
+                              </m:r>
+                            </m:den>
+                          </m:f>
+                        </m:e>
+                      </m:d>
+                      <m:r>
+                        <a:rPr lang="de-DE" sz="2400" b="0" i="1" smtClean="0">
+                          <a:latin typeface="Cambria Math" panose="02040503050406030204" pitchFamily="18" charset="0"/>
+                        </a:rPr>
+                        <m:t>−</m:t>
+                      </m:r>
+                      <m:sSub>
+                        <m:sSubPr>
+                          <m:ctrlPr>
+                            <a:rPr lang="de-DE" sz="2400" b="0" i="1" smtClean="0">
+                              <a:latin typeface="Cambria Math" panose="02040503050406030204" pitchFamily="18" charset="0"/>
+                            </a:rPr>
+                          </m:ctrlPr>
+                        </m:sSubPr>
+                        <m:e>
+                          <m:r>
+                            <a:rPr lang="de-DE" sz="2400" b="0" i="1" smtClean="0">
+                              <a:latin typeface="Cambria Math" panose="02040503050406030204" pitchFamily="18" charset="0"/>
+                            </a:rPr>
+                            <m:t>𝑚</m:t>
+                          </m:r>
+                        </m:e>
+                        <m:sub>
+                          <m:r>
+                            <a:rPr lang="de-DE" sz="2400" b="0" i="1" smtClean="0">
+                              <a:latin typeface="Cambria Math" panose="02040503050406030204" pitchFamily="18" charset="0"/>
+                            </a:rPr>
+                            <m:t>𝐴</m:t>
+                          </m:r>
+                        </m:sub>
+                      </m:sSub>
+                      <m:r>
+                        <a:rPr lang="de-DE" sz="2400" b="0" i="1" smtClean="0">
+                          <a:latin typeface="Cambria Math" panose="02040503050406030204" pitchFamily="18" charset="0"/>
+                        </a:rPr>
+                        <m:t>𝑇</m:t>
+                      </m:r>
+                      <m:f>
+                        <m:fPr>
+                          <m:ctrlPr>
+                            <a:rPr lang="de-DE" sz="2400" b="0" i="1" smtClean="0">
+                              <a:latin typeface="Cambria Math" panose="02040503050406030204" pitchFamily="18" charset="0"/>
+                            </a:rPr>
+                          </m:ctrlPr>
+                        </m:fPr>
+                        <m:num>
+                          <m:sSub>
+                            <m:sSubPr>
+                              <m:ctrlPr>
+                                <a:rPr lang="de-DE" sz="2400" b="0" i="1" smtClean="0">
+                                  <a:latin typeface="Cambria Math" panose="02040503050406030204" pitchFamily="18" charset="0"/>
+                                </a:rPr>
+                              </m:ctrlPr>
+                            </m:sSubPr>
+                            <m:e>
+                              <m:r>
+                                <a:rPr lang="de-DE" sz="2400" b="0" i="1" smtClean="0">
+                                  <a:latin typeface="Cambria Math" panose="02040503050406030204" pitchFamily="18" charset="0"/>
+                                </a:rPr>
+                                <m:t>h</m:t>
+                              </m:r>
+                            </m:e>
+                            <m:sub>
+                              <m:r>
+                                <a:rPr lang="de-DE" sz="2400" b="0" i="1" smtClean="0">
+                                  <a:latin typeface="Cambria Math" panose="02040503050406030204" pitchFamily="18" charset="0"/>
+                                </a:rPr>
+                                <m:t>𝐴</m:t>
+                              </m:r>
+                            </m:sub>
+                          </m:sSub>
+                        </m:num>
+                        <m:den>
+                          <m:r>
+                            <a:rPr lang="de-DE" sz="2400" b="0" i="1" smtClean="0">
+                              <a:latin typeface="Cambria Math" panose="02040503050406030204" pitchFamily="18" charset="0"/>
+                            </a:rPr>
+                            <m:t>𝑇</m:t>
+                          </m:r>
+                          <m:r>
+                            <a:rPr lang="de-DE" sz="2400" b="0" i="1" smtClean="0">
+                              <a:latin typeface="Cambria Math" panose="02040503050406030204" pitchFamily="18" charset="0"/>
+                            </a:rPr>
+                            <m:t>+</m:t>
+                          </m:r>
+                          <m:sSub>
+                            <m:sSubPr>
+                              <m:ctrlPr>
+                                <a:rPr lang="de-DE" sz="2400" b="0" i="1" smtClean="0">
+                                  <a:latin typeface="Cambria Math" panose="02040503050406030204" pitchFamily="18" charset="0"/>
+                                </a:rPr>
+                              </m:ctrlPr>
+                            </m:sSubPr>
+                            <m:e>
+                              <m:r>
+                                <a:rPr lang="de-DE" sz="2400" b="0" i="1" smtClean="0">
+                                  <a:latin typeface="Cambria Math" panose="02040503050406030204" pitchFamily="18" charset="0"/>
+                                </a:rPr>
+                                <m:t>h</m:t>
+                              </m:r>
+                            </m:e>
+                            <m:sub>
+                              <m:r>
+                                <a:rPr lang="de-DE" sz="2400" b="0" i="1" smtClean="0">
+                                  <a:latin typeface="Cambria Math" panose="02040503050406030204" pitchFamily="18" charset="0"/>
+                                </a:rPr>
+                                <m:t>𝐴</m:t>
+                              </m:r>
+                            </m:sub>
+                          </m:sSub>
+                        </m:den>
+                      </m:f>
+                      <m:r>
+                        <a:rPr lang="de-DE" sz="2400" b="0" i="1" smtClean="0">
+                          <a:latin typeface="Cambria Math" panose="02040503050406030204" pitchFamily="18" charset="0"/>
+                        </a:rPr>
+                        <m:t> </m:t>
+                      </m:r>
+                    </m:oMath>
+                  </m:oMathPara>
+                </a14:m>
+                <a:endParaRPr lang="de-DE" sz="2400" dirty="0"/>
+              </a:p>
+            </p:txBody>
+          </p:sp>
+        </mc:Choice>
+        <mc:Fallback>
+          <p:sp>
+            <p:nvSpPr>
+              <p:cNvPr id="5" name="TextBox 4">
+                <a:extLst>
+                  <a:ext uri="{FF2B5EF4-FFF2-40B4-BE49-F238E27FC236}">
+                    <a16:creationId xmlns:a16="http://schemas.microsoft.com/office/drawing/2014/main" id="{20F9F961-2654-3A46-8219-57FD68C153FB}"/>
+                  </a:ext>
+                </a:extLst>
+              </p:cNvPr>
+              <p:cNvSpPr txBox="1">
+                <a:spLocks noRot="1" noChangeAspect="1" noMove="1" noResize="1" noEditPoints="1" noAdjustHandles="1" noChangeArrowheads="1" noChangeShapeType="1" noTextEdit="1"/>
+              </p:cNvSpPr>
+              <p:nvPr/>
+            </p:nvSpPr>
+            <p:spPr>
+              <a:xfrm>
+                <a:off x="538026" y="2071048"/>
+                <a:ext cx="6626861" cy="761683"/>
+              </a:xfrm>
+              <a:prstGeom prst="rect">
+                <a:avLst/>
+              </a:prstGeom>
+              <a:blipFill>
+                <a:blip r:embed="rId2"/>
+                <a:stretch>
+                  <a:fillRect l="-1530" t="-1639" b="-8197"/>
+                </a:stretch>
+              </a:blipFill>
+            </p:spPr>
+            <p:txBody>
+              <a:bodyPr/>
+              <a:lstStyle/>
+              <a:p>
+                <a:r>
+                  <a:rPr lang="de-DE">
+                    <a:noFill/>
+                  </a:rPr>
+                  <a:t> </a:t>
+                </a:r>
+              </a:p>
+            </p:txBody>
+          </p:sp>
+        </mc:Fallback>
+      </mc:AlternateContent>
+      <p:sp>
+        <p:nvSpPr>
+          <p:cNvPr id="7" name="TextBox 6">
+            <a:extLst>
+              <a:ext uri="{FF2B5EF4-FFF2-40B4-BE49-F238E27FC236}">
+                <a16:creationId xmlns:a16="http://schemas.microsoft.com/office/drawing/2014/main" id="{22862AB7-DE73-3E4F-BCC5-699D5C452E58}"/>
+              </a:ext>
+            </a:extLst>
+          </p:cNvPr>
+          <p:cNvSpPr txBox="1"/>
+          <p:nvPr/>
+        </p:nvSpPr>
+        <p:spPr>
+          <a:xfrm>
+            <a:off x="437818" y="365729"/>
+            <a:ext cx="5286577" cy="1015663"/>
+          </a:xfrm>
+          <a:prstGeom prst="rect">
+            <a:avLst/>
+          </a:prstGeom>
+          <a:noFill/>
+        </p:spPr>
+        <p:txBody>
+          <a:bodyPr wrap="square" rtlCol="0">
+            <a:spAutoFit/>
+          </a:bodyPr>
+          <a:lstStyle/>
+          <a:p>
+            <a:r>
+              <a:rPr lang="de-DE" sz="2400" dirty="0">
+                <a:latin typeface="Avenir Next Medium" panose="020B0503020202020204" pitchFamily="34" charset="0"/>
+              </a:rPr>
+              <a:t>Tree-Cover Model</a:t>
+            </a:r>
+          </a:p>
+          <a:p>
+            <a:r>
+              <a:rPr lang="de-DE" dirty="0">
+                <a:latin typeface="Avenir Next" panose="020B0503020202020204" pitchFamily="34" charset="0"/>
+              </a:rPr>
+              <a:t>Allee </a:t>
+            </a:r>
+            <a:r>
+              <a:rPr lang="de-DE" dirty="0" err="1">
+                <a:latin typeface="Avenir Next" panose="020B0503020202020204" pitchFamily="34" charset="0"/>
+              </a:rPr>
+              <a:t>effect</a:t>
+            </a:r>
+            <a:endParaRPr lang="de-DE" dirty="0"/>
+          </a:p>
+          <a:p>
+            <a:endParaRPr lang="de-DE" dirty="0">
+              <a:latin typeface="Avenir Next" panose="020B0503020202020204" pitchFamily="34" charset="0"/>
+            </a:endParaRPr>
+          </a:p>
+        </p:txBody>
+      </p:sp>
+      <mc:AlternateContent xmlns:mc="http://schemas.openxmlformats.org/markup-compatibility/2006">
+        <mc:Choice xmlns:a14="http://schemas.microsoft.com/office/drawing/2010/main" Requires="a14">
+          <p:sp>
+            <p:nvSpPr>
+              <p:cNvPr id="8" name="TextBox 7">
+                <a:extLst>
+                  <a:ext uri="{FF2B5EF4-FFF2-40B4-BE49-F238E27FC236}">
+                    <a16:creationId xmlns:a16="http://schemas.microsoft.com/office/drawing/2014/main" id="{14BF2BD1-4351-5F46-B747-F3FBFEF6967F}"/>
+                  </a:ext>
+                </a:extLst>
+              </p:cNvPr>
+              <p:cNvSpPr txBox="1"/>
+              <p:nvPr/>
+            </p:nvSpPr>
+            <p:spPr>
+              <a:xfrm>
+                <a:off x="450344" y="3969899"/>
+                <a:ext cx="6220806" cy="2308324"/>
+              </a:xfrm>
+              <a:prstGeom prst="rect">
+                <a:avLst/>
+              </a:prstGeom>
+              <a:noFill/>
+            </p:spPr>
+            <p:txBody>
+              <a:bodyPr wrap="none" rtlCol="0">
+                <a:spAutoFit/>
+              </a:bodyPr>
+              <a:lstStyle/>
+              <a:p>
+                <a:pPr marL="285750" indent="-285750">
+                  <a:buFontTx/>
+                  <a:buChar char="-"/>
+                </a:pPr>
+                <a14:m>
+                  <m:oMath xmlns:m="http://schemas.openxmlformats.org/officeDocument/2006/math">
+                    <m:sSub>
+                      <m:sSubPr>
+                        <m:ctrlPr>
+                          <a:rPr lang="de-DE" b="0" i="1" smtClean="0">
+                            <a:latin typeface="Cambria Math" panose="02040503050406030204" pitchFamily="18" charset="0"/>
+                          </a:rPr>
+                        </m:ctrlPr>
+                      </m:sSubPr>
+                      <m:e>
+                        <m:r>
+                          <a:rPr lang="de-DE" b="0" i="1" smtClean="0">
+                            <a:latin typeface="Cambria Math" panose="02040503050406030204" pitchFamily="18" charset="0"/>
+                          </a:rPr>
+                          <m:t>𝑚</m:t>
+                        </m:r>
+                      </m:e>
+                      <m:sub>
+                        <m:r>
+                          <a:rPr lang="de-DE" b="0" i="1" smtClean="0">
+                            <a:latin typeface="Cambria Math" panose="02040503050406030204" pitchFamily="18" charset="0"/>
+                          </a:rPr>
+                          <m:t>𝐴</m:t>
+                        </m:r>
+                      </m:sub>
+                    </m:sSub>
+                  </m:oMath>
+                </a14:m>
+                <a:r>
+                  <a:rPr lang="de-DE" dirty="0">
+                    <a:latin typeface="Avenir Next" panose="020B0503020202020204" pitchFamily="34" charset="0"/>
+                  </a:rPr>
+                  <a:t> … </a:t>
+                </a:r>
+                <a:r>
+                  <a:rPr lang="de-DE" dirty="0" err="1">
+                    <a:latin typeface="Avenir Next" panose="020B0503020202020204" pitchFamily="34" charset="0"/>
+                  </a:rPr>
+                  <a:t>maximum</a:t>
+                </a:r>
+                <a:r>
+                  <a:rPr lang="de-DE" dirty="0">
+                    <a:latin typeface="Avenir Next" panose="020B0503020202020204" pitchFamily="34" charset="0"/>
+                  </a:rPr>
+                  <a:t> </a:t>
+                </a:r>
+                <a:r>
+                  <a:rPr lang="de-DE" dirty="0" err="1">
+                    <a:latin typeface="Avenir Next" panose="020B0503020202020204" pitchFamily="34" charset="0"/>
+                  </a:rPr>
+                  <a:t>loss</a:t>
+                </a:r>
+                <a:r>
+                  <a:rPr lang="de-DE" dirty="0">
+                    <a:latin typeface="Avenir Next" panose="020B0503020202020204" pitchFamily="34" charset="0"/>
+                  </a:rPr>
+                  <a:t> rate due </a:t>
+                </a:r>
+                <a:r>
+                  <a:rPr lang="de-DE" dirty="0" err="1">
+                    <a:latin typeface="Avenir Next" panose="020B0503020202020204" pitchFamily="34" charset="0"/>
+                  </a:rPr>
+                  <a:t>to</a:t>
+                </a:r>
+                <a:r>
+                  <a:rPr lang="de-DE" dirty="0">
+                    <a:latin typeface="Avenir Next" panose="020B0503020202020204" pitchFamily="34" charset="0"/>
+                  </a:rPr>
+                  <a:t> Allee-</a:t>
+                </a:r>
+                <a:r>
+                  <a:rPr lang="de-DE" dirty="0" err="1">
+                    <a:latin typeface="Avenir Next" panose="020B0503020202020204" pitchFamily="34" charset="0"/>
+                  </a:rPr>
+                  <a:t>Effect</a:t>
+                </a:r>
+                <a:endParaRPr lang="de-DE" dirty="0">
+                  <a:latin typeface="Avenir Next" panose="020B0503020202020204" pitchFamily="34" charset="0"/>
+                </a:endParaRPr>
+              </a:p>
+              <a:p>
+                <a:pPr marL="285750" indent="-285750">
+                  <a:buFontTx/>
+                  <a:buChar char="-"/>
+                </a:pPr>
+                <a14:m>
+                  <m:oMath xmlns:m="http://schemas.openxmlformats.org/officeDocument/2006/math">
+                    <m:sSub>
+                      <m:sSubPr>
+                        <m:ctrlPr>
+                          <a:rPr lang="de-DE" b="0" i="1" dirty="0" smtClean="0">
+                            <a:latin typeface="Cambria Math" panose="02040503050406030204" pitchFamily="18" charset="0"/>
+                          </a:rPr>
+                        </m:ctrlPr>
+                      </m:sSubPr>
+                      <m:e>
+                        <m:r>
+                          <a:rPr lang="de-DE" b="0" i="1" dirty="0" smtClean="0">
+                            <a:latin typeface="Cambria Math" panose="02040503050406030204" pitchFamily="18" charset="0"/>
+                          </a:rPr>
+                          <m:t>h</m:t>
+                        </m:r>
+                      </m:e>
+                      <m:sub>
+                        <m:r>
+                          <a:rPr lang="de-DE" i="1" dirty="0" smtClean="0">
+                            <a:latin typeface="Cambria Math" panose="02040503050406030204" pitchFamily="18" charset="0"/>
+                          </a:rPr>
+                          <m:t>𝐴</m:t>
+                        </m:r>
+                      </m:sub>
+                    </m:sSub>
+                    <m:r>
+                      <a:rPr lang="de-DE" i="1" dirty="0">
+                        <a:latin typeface="Cambria Math" panose="02040503050406030204" pitchFamily="18" charset="0"/>
+                      </a:rPr>
+                      <m:t> </m:t>
+                    </m:r>
+                  </m:oMath>
+                </a14:m>
+                <a:r>
+                  <a:rPr lang="de-DE" dirty="0">
+                    <a:latin typeface="Avenir Next" panose="020B0503020202020204" pitchFamily="34" charset="0"/>
+                  </a:rPr>
+                  <a:t> … </a:t>
+                </a:r>
+                <a:r>
+                  <a:rPr lang="de-DE" dirty="0" err="1">
+                    <a:latin typeface="Avenir Next" panose="020B0503020202020204" pitchFamily="34" charset="0"/>
+                  </a:rPr>
+                  <a:t>Tree</a:t>
+                </a:r>
+                <a:r>
+                  <a:rPr lang="de-DE" dirty="0">
+                    <a:latin typeface="Avenir Next" panose="020B0503020202020204" pitchFamily="34" charset="0"/>
+                  </a:rPr>
+                  <a:t>-cover </a:t>
+                </a:r>
+                <a:r>
+                  <a:rPr lang="de-DE" dirty="0" err="1">
+                    <a:latin typeface="Avenir Next" panose="020B0503020202020204" pitchFamily="34" charset="0"/>
+                  </a:rPr>
+                  <a:t>below</a:t>
+                </a:r>
+                <a:r>
+                  <a:rPr lang="de-DE" dirty="0">
+                    <a:latin typeface="Avenir Next" panose="020B0503020202020204" pitchFamily="34" charset="0"/>
+                  </a:rPr>
+                  <a:t> </a:t>
+                </a:r>
+                <a:r>
+                  <a:rPr lang="de-DE" dirty="0" err="1">
+                    <a:latin typeface="Avenir Next" panose="020B0503020202020204" pitchFamily="34" charset="0"/>
+                  </a:rPr>
+                  <a:t>which</a:t>
+                </a:r>
+                <a:r>
+                  <a:rPr lang="de-DE" dirty="0">
+                    <a:latin typeface="Avenir Next" panose="020B0503020202020204" pitchFamily="34" charset="0"/>
+                  </a:rPr>
+                  <a:t> </a:t>
+                </a:r>
+                <a:r>
+                  <a:rPr lang="de-DE" dirty="0" err="1">
+                    <a:latin typeface="Avenir Next" panose="020B0503020202020204" pitchFamily="34" charset="0"/>
+                  </a:rPr>
+                  <a:t>there</a:t>
+                </a:r>
+                <a:r>
+                  <a:rPr lang="de-DE" dirty="0">
+                    <a:latin typeface="Avenir Next" panose="020B0503020202020204" pitchFamily="34" charset="0"/>
+                  </a:rPr>
+                  <a:t> </a:t>
+                </a:r>
+                <a:r>
+                  <a:rPr lang="de-DE" dirty="0" err="1">
+                    <a:latin typeface="Avenir Next" panose="020B0503020202020204" pitchFamily="34" charset="0"/>
+                  </a:rPr>
+                  <a:t>is</a:t>
+                </a:r>
+                <a:r>
+                  <a:rPr lang="de-DE" dirty="0">
+                    <a:latin typeface="Avenir Next" panose="020B0503020202020204" pitchFamily="34" charset="0"/>
+                  </a:rPr>
+                  <a:t> an Allee </a:t>
+                </a:r>
+                <a:r>
+                  <a:rPr lang="de-DE" dirty="0" err="1">
+                    <a:latin typeface="Avenir Next" panose="020B0503020202020204" pitchFamily="34" charset="0"/>
+                  </a:rPr>
+                  <a:t>effect</a:t>
+                </a:r>
+                <a:endParaRPr lang="de-DE" dirty="0">
+                  <a:latin typeface="Avenir Next" panose="020B0503020202020204" pitchFamily="34" charset="0"/>
+                </a:endParaRPr>
+              </a:p>
+              <a:p>
+                <a:endParaRPr lang="de-DE" dirty="0">
+                  <a:latin typeface="Avenir Next" panose="020B0503020202020204" pitchFamily="34" charset="0"/>
+                </a:endParaRPr>
+              </a:p>
+              <a:p>
+                <a:pPr marL="285750" indent="-285750">
+                  <a:buFontTx/>
+                  <a:buChar char="-"/>
+                </a:pPr>
+                <a:r>
+                  <a:rPr lang="de-DE" dirty="0" err="1">
+                    <a:latin typeface="Avenir Next" panose="020B0503020202020204" pitchFamily="34" charset="0"/>
+                  </a:rPr>
+                  <a:t>Saturating</a:t>
+                </a:r>
+                <a:r>
+                  <a:rPr lang="de-DE" dirty="0">
+                    <a:latin typeface="Avenir Next" panose="020B0503020202020204" pitchFamily="34" charset="0"/>
+                  </a:rPr>
+                  <a:t> </a:t>
+                </a:r>
+                <a:r>
+                  <a:rPr lang="de-DE" dirty="0" err="1">
+                    <a:latin typeface="Avenir Next" panose="020B0503020202020204" pitchFamily="34" charset="0"/>
+                  </a:rPr>
+                  <a:t>function</a:t>
+                </a:r>
+                <a:r>
+                  <a:rPr lang="de-DE" dirty="0">
+                    <a:latin typeface="Avenir Next" panose="020B0503020202020204" pitchFamily="34" charset="0"/>
+                  </a:rPr>
+                  <a:t> / Monod </a:t>
+                </a:r>
+                <a:r>
+                  <a:rPr lang="de-DE" dirty="0" err="1">
+                    <a:latin typeface="Avenir Next" panose="020B0503020202020204" pitchFamily="34" charset="0"/>
+                  </a:rPr>
+                  <a:t>Equation</a:t>
+                </a:r>
+                <a:r>
+                  <a:rPr lang="de-DE" dirty="0">
+                    <a:latin typeface="Avenir Next" panose="020B0503020202020204" pitchFamily="34" charset="0"/>
+                  </a:rPr>
+                  <a:t> </a:t>
+                </a:r>
+              </a:p>
+              <a:p>
+                <a:pPr marL="285750" indent="-285750">
+                  <a:buFontTx/>
+                  <a:buChar char="-"/>
+                </a:pPr>
+                <a:endParaRPr lang="de-DE" dirty="0">
+                  <a:latin typeface="Avenir Next" panose="020B0503020202020204" pitchFamily="34" charset="0"/>
+                </a:endParaRPr>
+              </a:p>
+              <a:p>
+                <a:pPr marL="285750" indent="-285750">
+                  <a:buFontTx/>
+                  <a:buChar char="-"/>
+                </a:pPr>
+                <a:r>
+                  <a:rPr lang="de-DE" dirty="0">
+                    <a:latin typeface="Avenir Next" panose="020B0503020202020204" pitchFamily="34" charset="0"/>
+                  </a:rPr>
+                  <a:t>Allee </a:t>
+                </a:r>
+                <a:r>
+                  <a:rPr lang="de-DE" dirty="0" err="1">
+                    <a:latin typeface="Avenir Next" panose="020B0503020202020204" pitchFamily="34" charset="0"/>
+                  </a:rPr>
+                  <a:t>effect</a:t>
+                </a:r>
+                <a:r>
+                  <a:rPr lang="de-DE" dirty="0">
+                    <a:latin typeface="Avenir Next" panose="020B0503020202020204" pitchFamily="34" charset="0"/>
+                  </a:rPr>
+                  <a:t>: </a:t>
+                </a:r>
+                <a:r>
+                  <a:rPr lang="de-DE" dirty="0" err="1">
+                    <a:latin typeface="Avenir Next" panose="020B0503020202020204" pitchFamily="34" charset="0"/>
+                  </a:rPr>
+                  <a:t>Lower</a:t>
+                </a:r>
+                <a:r>
+                  <a:rPr lang="de-DE" dirty="0">
+                    <a:latin typeface="Avenir Next" panose="020B0503020202020204" pitchFamily="34" charset="0"/>
+                  </a:rPr>
+                  <a:t> </a:t>
+                </a:r>
+                <a:r>
+                  <a:rPr lang="de-DE" dirty="0" err="1">
+                    <a:latin typeface="Avenir Next" panose="020B0503020202020204" pitchFamily="34" charset="0"/>
+                  </a:rPr>
+                  <a:t>growth</a:t>
+                </a:r>
+                <a:r>
+                  <a:rPr lang="de-DE" dirty="0">
+                    <a:latin typeface="Avenir Next" panose="020B0503020202020204" pitchFamily="34" charset="0"/>
+                  </a:rPr>
+                  <a:t> rate at </a:t>
+                </a:r>
+                <a:r>
+                  <a:rPr lang="de-DE" dirty="0" err="1">
+                    <a:latin typeface="Avenir Next" panose="020B0503020202020204" pitchFamily="34" charset="0"/>
+                  </a:rPr>
+                  <a:t>low</a:t>
+                </a:r>
+                <a:r>
+                  <a:rPr lang="de-DE" dirty="0">
+                    <a:latin typeface="Avenir Next" panose="020B0503020202020204" pitchFamily="34" charset="0"/>
+                  </a:rPr>
+                  <a:t> </a:t>
+                </a:r>
+                <a:r>
+                  <a:rPr lang="de-DE" dirty="0" err="1">
+                    <a:latin typeface="Avenir Next" panose="020B0503020202020204" pitchFamily="34" charset="0"/>
+                  </a:rPr>
+                  <a:t>densities</a:t>
+                </a:r>
+                <a:r>
+                  <a:rPr lang="de-DE" dirty="0">
+                    <a:latin typeface="Avenir Next" panose="020B0503020202020204" pitchFamily="34" charset="0"/>
+                  </a:rPr>
+                  <a:t>.</a:t>
+                </a:r>
+              </a:p>
+              <a:p>
+                <a:pPr marL="285750" indent="-285750">
+                  <a:buFontTx/>
+                  <a:buChar char="-"/>
+                </a:pPr>
+                <a:endParaRPr lang="de-DE" dirty="0">
+                  <a:latin typeface="Avenir Next" panose="020B0503020202020204" pitchFamily="34" charset="0"/>
+                </a:endParaRPr>
+              </a:p>
+              <a:p>
+                <a:pPr marL="285750" indent="-285750">
+                  <a:buFontTx/>
+                  <a:buChar char="-"/>
+                </a:pPr>
+                <a:r>
+                  <a:rPr lang="de-DE" dirty="0" err="1">
+                    <a:latin typeface="Avenir Next" panose="020B0503020202020204" pitchFamily="34" charset="0"/>
+                  </a:rPr>
+                  <a:t>Reason</a:t>
+                </a:r>
+                <a:r>
+                  <a:rPr lang="de-DE" dirty="0">
+                    <a:latin typeface="Avenir Next" panose="020B0503020202020204" pitchFamily="34" charset="0"/>
+                  </a:rPr>
+                  <a:t>: lack </a:t>
+                </a:r>
+                <a:r>
+                  <a:rPr lang="de-DE" dirty="0" err="1">
+                    <a:latin typeface="Avenir Next" panose="020B0503020202020204" pitchFamily="34" charset="0"/>
+                  </a:rPr>
+                  <a:t>of</a:t>
+                </a:r>
+                <a:r>
+                  <a:rPr lang="de-DE" dirty="0">
+                    <a:latin typeface="Avenir Next" panose="020B0503020202020204" pitchFamily="34" charset="0"/>
+                  </a:rPr>
+                  <a:t> </a:t>
+                </a:r>
+                <a:r>
+                  <a:rPr lang="de-DE" dirty="0" err="1">
+                    <a:latin typeface="Avenir Next" panose="020B0503020202020204" pitchFamily="34" charset="0"/>
+                  </a:rPr>
+                  <a:t>protective</a:t>
+                </a:r>
+                <a:r>
+                  <a:rPr lang="de-DE" dirty="0">
+                    <a:latin typeface="Avenir Next" panose="020B0503020202020204" pitchFamily="34" charset="0"/>
+                  </a:rPr>
+                  <a:t> </a:t>
+                </a:r>
+                <a:r>
+                  <a:rPr lang="de-DE" dirty="0" err="1">
+                    <a:latin typeface="Avenir Next" panose="020B0503020202020204" pitchFamily="34" charset="0"/>
+                  </a:rPr>
+                  <a:t>covering</a:t>
+                </a:r>
+                <a:r>
+                  <a:rPr lang="de-DE" dirty="0">
+                    <a:latin typeface="Avenir Next" panose="020B0503020202020204" pitchFamily="34" charset="0"/>
+                  </a:rPr>
+                  <a:t> </a:t>
+                </a:r>
+                <a:r>
+                  <a:rPr lang="de-DE" dirty="0" err="1">
+                    <a:latin typeface="Avenir Next" panose="020B0503020202020204" pitchFamily="34" charset="0"/>
+                  </a:rPr>
+                  <a:t>from</a:t>
+                </a:r>
+                <a:r>
+                  <a:rPr lang="de-DE" dirty="0">
+                    <a:latin typeface="Avenir Next" panose="020B0503020202020204" pitchFamily="34" charset="0"/>
+                  </a:rPr>
+                  <a:t> „</a:t>
+                </a:r>
+                <a:r>
+                  <a:rPr lang="de-DE" dirty="0" err="1">
+                    <a:latin typeface="Avenir Next" panose="020B0503020202020204" pitchFamily="34" charset="0"/>
+                  </a:rPr>
+                  <a:t>nurse</a:t>
+                </a:r>
+                <a:r>
+                  <a:rPr lang="de-DE" dirty="0">
+                    <a:latin typeface="Avenir Next" panose="020B0503020202020204" pitchFamily="34" charset="0"/>
+                  </a:rPr>
+                  <a:t> </a:t>
+                </a:r>
+                <a:r>
+                  <a:rPr lang="de-DE" dirty="0" err="1">
+                    <a:latin typeface="Avenir Next" panose="020B0503020202020204" pitchFamily="34" charset="0"/>
+                  </a:rPr>
+                  <a:t>plants</a:t>
+                </a:r>
+                <a:r>
+                  <a:rPr lang="de-DE" dirty="0">
+                    <a:latin typeface="Avenir Next" panose="020B0503020202020204" pitchFamily="34" charset="0"/>
+                  </a:rPr>
+                  <a:t>“</a:t>
+                </a:r>
+              </a:p>
+            </p:txBody>
+          </p:sp>
+        </mc:Choice>
+        <mc:Fallback>
+          <p:sp>
+            <p:nvSpPr>
+              <p:cNvPr id="8" name="TextBox 7">
+                <a:extLst>
+                  <a:ext uri="{FF2B5EF4-FFF2-40B4-BE49-F238E27FC236}">
+                    <a16:creationId xmlns:a16="http://schemas.microsoft.com/office/drawing/2014/main" id="{14BF2BD1-4351-5F46-B747-F3FBFEF6967F}"/>
+                  </a:ext>
+                </a:extLst>
+              </p:cNvPr>
+              <p:cNvSpPr txBox="1">
+                <a:spLocks noRot="1" noChangeAspect="1" noMove="1" noResize="1" noEditPoints="1" noAdjustHandles="1" noChangeArrowheads="1" noChangeShapeType="1" noTextEdit="1"/>
+              </p:cNvSpPr>
+              <p:nvPr/>
+            </p:nvSpPr>
+            <p:spPr>
+              <a:xfrm>
+                <a:off x="450344" y="3969899"/>
+                <a:ext cx="6220806" cy="2308324"/>
+              </a:xfrm>
+              <a:prstGeom prst="rect">
+                <a:avLst/>
+              </a:prstGeom>
+              <a:blipFill>
+                <a:blip r:embed="rId3"/>
+                <a:stretch>
+                  <a:fillRect l="-1018" t="-1099" b="-4945"/>
+                </a:stretch>
+              </a:blipFill>
+            </p:spPr>
+            <p:txBody>
+              <a:bodyPr/>
+              <a:lstStyle/>
+              <a:p>
+                <a:r>
+                  <a:rPr lang="de-DE">
+                    <a:noFill/>
+                  </a:rPr>
+                  <a:t> </a:t>
+                </a:r>
+              </a:p>
+            </p:txBody>
+          </p:sp>
+        </mc:Fallback>
+      </mc:AlternateContent>
+    </p:spTree>
+    <p:extLst>
+      <p:ext uri="{BB962C8B-B14F-4D97-AF65-F5344CB8AC3E}">
+        <p14:creationId xmlns:p14="http://schemas.microsoft.com/office/powerpoint/2010/main" val="3477752363"/>
+      </p:ext>
+    </p:extLst>
+  </p:cSld>
+  <p:clrMapOvr>
+    <a:masterClrMapping/>
+  </p:clrMapOvr>
+</p:sld>
+</file>
+
+<file path=ppt/slides/slide6.xml><?xml version="1.0" encoding="utf-8"?>
+<p:sld xmlns:a="http://schemas.openxmlformats.org/drawingml/2006/main" xmlns:r="http://schemas.openxmlformats.org/officeDocument/2006/relationships" xmlns:p="http://schemas.openxmlformats.org/presentationml/2006/main">
+  <p:cSld>
+    <p:spTree>
+      <p:nvGrpSpPr>
+        <p:cNvPr id="1" name=""/>
+        <p:cNvGrpSpPr/>
+        <p:nvPr/>
+      </p:nvGrpSpPr>
+      <p:grpSpPr>
+        <a:xfrm>
+          <a:off x="0" y="0"/>
+          <a:ext cx="0" cy="0"/>
+          <a:chOff x="0" y="0"/>
+          <a:chExt cx="0" cy="0"/>
+        </a:xfrm>
+      </p:grpSpPr>
+      <p:sp>
+        <p:nvSpPr>
+          <p:cNvPr id="7" name="TextBox 6">
+            <a:extLst>
+              <a:ext uri="{FF2B5EF4-FFF2-40B4-BE49-F238E27FC236}">
+                <a16:creationId xmlns:a16="http://schemas.microsoft.com/office/drawing/2014/main" id="{22862AB7-DE73-3E4F-BCC5-699D5C452E58}"/>
+              </a:ext>
+            </a:extLst>
+          </p:cNvPr>
+          <p:cNvSpPr txBox="1"/>
+          <p:nvPr/>
+        </p:nvSpPr>
+        <p:spPr>
+          <a:xfrm>
+            <a:off x="437818" y="365729"/>
+            <a:ext cx="5286577" cy="1015663"/>
+          </a:xfrm>
+          <a:prstGeom prst="rect">
+            <a:avLst/>
+          </a:prstGeom>
+          <a:noFill/>
+        </p:spPr>
+        <p:txBody>
+          <a:bodyPr wrap="square" rtlCol="0">
+            <a:spAutoFit/>
+          </a:bodyPr>
+          <a:lstStyle/>
+          <a:p>
+            <a:r>
+              <a:rPr lang="de-DE" sz="2400" dirty="0">
+                <a:latin typeface="Avenir Next Medium" panose="020B0503020202020204" pitchFamily="34" charset="0"/>
+              </a:rPr>
+              <a:t>Tree-Cover Model</a:t>
+            </a:r>
+          </a:p>
+          <a:p>
+            <a:r>
+              <a:rPr lang="de-DE" dirty="0" err="1">
+                <a:latin typeface="Avenir Next" panose="020B0503020202020204" pitchFamily="34" charset="0"/>
+              </a:rPr>
+              <a:t>Fire</a:t>
+            </a:r>
+            <a:r>
+              <a:rPr lang="de-DE" dirty="0">
+                <a:latin typeface="Avenir Next" panose="020B0503020202020204" pitchFamily="34" charset="0"/>
+              </a:rPr>
+              <a:t> </a:t>
+            </a:r>
+            <a:r>
+              <a:rPr lang="de-DE" dirty="0" err="1">
+                <a:latin typeface="Avenir Next" panose="020B0503020202020204" pitchFamily="34" charset="0"/>
+              </a:rPr>
+              <a:t>mortality</a:t>
+            </a:r>
+            <a:endParaRPr lang="de-DE" dirty="0"/>
+          </a:p>
+          <a:p>
+            <a:endParaRPr lang="de-DE" dirty="0">
+              <a:latin typeface="Avenir Next" panose="020B0503020202020204" pitchFamily="34" charset="0"/>
+            </a:endParaRPr>
+          </a:p>
+        </p:txBody>
+      </p:sp>
+      <mc:AlternateContent xmlns:mc="http://schemas.openxmlformats.org/markup-compatibility/2006">
+        <mc:Choice xmlns:a14="http://schemas.microsoft.com/office/drawing/2010/main" Requires="a14">
+          <p:sp>
+            <p:nvSpPr>
+              <p:cNvPr id="8" name="TextBox 7">
+                <a:extLst>
+                  <a:ext uri="{FF2B5EF4-FFF2-40B4-BE49-F238E27FC236}">
+                    <a16:creationId xmlns:a16="http://schemas.microsoft.com/office/drawing/2014/main" id="{E16E49F4-87AD-D64F-8F92-F57803248D81}"/>
+                  </a:ext>
+                </a:extLst>
+              </p:cNvPr>
+              <p:cNvSpPr txBox="1"/>
+              <p:nvPr/>
+            </p:nvSpPr>
+            <p:spPr>
+              <a:xfrm>
+                <a:off x="538026" y="1972800"/>
+                <a:ext cx="7428527" cy="972000"/>
+              </a:xfrm>
+              <a:prstGeom prst="rect">
+                <a:avLst/>
+              </a:prstGeom>
+              <a:noFill/>
+            </p:spPr>
+            <p:txBody>
+              <a:bodyPr wrap="square" lIns="0" tIns="0" rIns="0" bIns="0" rtlCol="0">
+                <a:spAutoFit/>
+              </a:bodyPr>
+              <a:lstStyle/>
+              <a:p>
+                <a:pPr/>
+                <a14:m>
+                  <m:oMathPara xmlns:m="http://schemas.openxmlformats.org/officeDocument/2006/math">
+                    <m:oMathParaPr>
+                      <m:jc m:val="left"/>
+                    </m:oMathParaPr>
+                    <m:oMath xmlns:m="http://schemas.openxmlformats.org/officeDocument/2006/math">
+                      <m:f>
+                        <m:fPr>
+                          <m:ctrlPr>
+                            <a:rPr lang="de-DE" sz="2400" i="1" smtClean="0">
+                              <a:latin typeface="Cambria Math" panose="02040503050406030204" pitchFamily="18" charset="0"/>
+                            </a:rPr>
+                          </m:ctrlPr>
+                        </m:fPr>
+                        <m:num>
+                          <m:r>
+                            <m:rPr>
+                              <m:nor/>
+                            </m:rPr>
+                            <a:rPr lang="de-DE" sz="2400" i="0" smtClean="0">
+                              <a:latin typeface="Cambria Math" panose="02040503050406030204" pitchFamily="18" charset="0"/>
+                            </a:rPr>
+                            <m:t>d</m:t>
+                          </m:r>
+                          <m:r>
+                            <a:rPr lang="de-DE" sz="2400" b="0" i="1" smtClean="0">
+                              <a:latin typeface="Cambria Math" panose="02040503050406030204" pitchFamily="18" charset="0"/>
+                            </a:rPr>
+                            <m:t>𝑇</m:t>
+                          </m:r>
+                        </m:num>
+                        <m:den>
+                          <m:r>
+                            <m:rPr>
+                              <m:nor/>
+                            </m:rPr>
+                            <a:rPr lang="de-DE" sz="2400" i="0" smtClean="0">
+                              <a:latin typeface="Cambria Math" panose="02040503050406030204" pitchFamily="18" charset="0"/>
+                            </a:rPr>
+                            <m:t>d</m:t>
+                          </m:r>
+                          <m:r>
+                            <a:rPr lang="de-DE" sz="2400" b="0" i="1" smtClean="0">
+                              <a:latin typeface="Cambria Math" panose="02040503050406030204" pitchFamily="18" charset="0"/>
+                            </a:rPr>
+                            <m:t>𝑡</m:t>
+                          </m:r>
+                        </m:den>
+                      </m:f>
+                      <m:r>
+                        <a:rPr lang="de-DE" sz="2400" b="0" i="1" smtClean="0">
+                          <a:latin typeface="Cambria Math" panose="02040503050406030204" pitchFamily="18" charset="0"/>
+                        </a:rPr>
+                        <m:t>=</m:t>
+                      </m:r>
+                      <m:r>
+                        <a:rPr lang="de-DE" sz="2400" b="0" i="1" smtClean="0">
+                          <a:latin typeface="Cambria Math" panose="02040503050406030204" pitchFamily="18" charset="0"/>
+                        </a:rPr>
+                        <m:t>𝑟</m:t>
+                      </m:r>
+                      <m:d>
+                        <m:dPr>
+                          <m:ctrlPr>
+                            <a:rPr lang="de-DE" sz="2400" b="0" i="1" smtClean="0">
+                              <a:latin typeface="Cambria Math" panose="02040503050406030204" pitchFamily="18" charset="0"/>
+                            </a:rPr>
+                          </m:ctrlPr>
+                        </m:dPr>
+                        <m:e>
+                          <m:r>
+                            <a:rPr lang="de-DE" sz="2400" b="0" i="1" smtClean="0">
+                              <a:latin typeface="Cambria Math" panose="02040503050406030204" pitchFamily="18" charset="0"/>
+                            </a:rPr>
+                            <m:t>𝑃</m:t>
+                          </m:r>
+                        </m:e>
+                      </m:d>
+                      <m:r>
+                        <a:rPr lang="de-DE" sz="2400" b="0" i="1" smtClean="0">
+                          <a:latin typeface="Cambria Math" panose="02040503050406030204" pitchFamily="18" charset="0"/>
+                        </a:rPr>
+                        <m:t>𝑇</m:t>
+                      </m:r>
+                      <m:d>
+                        <m:dPr>
+                          <m:ctrlPr>
+                            <a:rPr lang="de-DE" sz="2400" b="0" i="1" smtClean="0">
+                              <a:latin typeface="Cambria Math" panose="02040503050406030204" pitchFamily="18" charset="0"/>
+                            </a:rPr>
+                          </m:ctrlPr>
+                        </m:dPr>
+                        <m:e>
+                          <m:r>
+                            <a:rPr lang="de-DE" sz="2400" b="0" i="1" smtClean="0">
+                              <a:latin typeface="Cambria Math" panose="02040503050406030204" pitchFamily="18" charset="0"/>
+                            </a:rPr>
+                            <m:t>1−</m:t>
+                          </m:r>
+                          <m:f>
+                            <m:fPr>
+                              <m:ctrlPr>
+                                <a:rPr lang="de-DE" sz="2400" b="0" i="1" smtClean="0">
+                                  <a:latin typeface="Cambria Math" panose="02040503050406030204" pitchFamily="18" charset="0"/>
+                                </a:rPr>
+                              </m:ctrlPr>
+                            </m:fPr>
+                            <m:num>
+                              <m:r>
+                                <a:rPr lang="de-DE" sz="2400" b="0" i="1" smtClean="0">
+                                  <a:latin typeface="Cambria Math" panose="02040503050406030204" pitchFamily="18" charset="0"/>
+                                </a:rPr>
+                                <m:t>𝑇</m:t>
+                              </m:r>
+                            </m:num>
+                            <m:den>
+                              <m:r>
+                                <a:rPr lang="de-DE" sz="2400" b="0" i="1" smtClean="0">
+                                  <a:latin typeface="Cambria Math" panose="02040503050406030204" pitchFamily="18" charset="0"/>
+                                </a:rPr>
+                                <m:t>𝑘</m:t>
+                              </m:r>
+                            </m:den>
+                          </m:f>
+                        </m:e>
+                      </m:d>
+                      <m:r>
+                        <a:rPr lang="de-DE" sz="2400" b="0" i="1" smtClean="0">
+                          <a:latin typeface="Cambria Math" panose="02040503050406030204" pitchFamily="18" charset="0"/>
+                        </a:rPr>
+                        <m:t>−</m:t>
+                      </m:r>
+                      <m:sSub>
+                        <m:sSubPr>
+                          <m:ctrlPr>
+                            <a:rPr lang="de-DE" sz="2400" b="0" i="1" smtClean="0">
+                              <a:latin typeface="Cambria Math" panose="02040503050406030204" pitchFamily="18" charset="0"/>
+                            </a:rPr>
+                          </m:ctrlPr>
+                        </m:sSubPr>
+                        <m:e>
+                          <m:r>
+                            <a:rPr lang="de-DE" sz="2400" b="0" i="1" smtClean="0">
+                              <a:latin typeface="Cambria Math" panose="02040503050406030204" pitchFamily="18" charset="0"/>
+                            </a:rPr>
+                            <m:t>𝑚</m:t>
+                          </m:r>
+                        </m:e>
+                        <m:sub>
+                          <m:r>
+                            <a:rPr lang="de-DE" sz="2400" b="0" i="1" smtClean="0">
+                              <a:latin typeface="Cambria Math" panose="02040503050406030204" pitchFamily="18" charset="0"/>
+                            </a:rPr>
+                            <m:t>𝐴</m:t>
+                          </m:r>
+                        </m:sub>
+                      </m:sSub>
+                      <m:r>
+                        <a:rPr lang="de-DE" sz="2400" b="0" i="1" smtClean="0">
+                          <a:latin typeface="Cambria Math" panose="02040503050406030204" pitchFamily="18" charset="0"/>
+                        </a:rPr>
+                        <m:t>𝑇</m:t>
+                      </m:r>
+                      <m:f>
+                        <m:fPr>
+                          <m:ctrlPr>
+                            <a:rPr lang="de-DE" sz="2400" b="0" i="1" smtClean="0">
+                              <a:latin typeface="Cambria Math" panose="02040503050406030204" pitchFamily="18" charset="0"/>
+                            </a:rPr>
+                          </m:ctrlPr>
+                        </m:fPr>
+                        <m:num>
+                          <m:sSub>
+                            <m:sSubPr>
+                              <m:ctrlPr>
+                                <a:rPr lang="de-DE" sz="2400" b="0" i="1" smtClean="0">
+                                  <a:latin typeface="Cambria Math" panose="02040503050406030204" pitchFamily="18" charset="0"/>
+                                </a:rPr>
+                              </m:ctrlPr>
+                            </m:sSubPr>
+                            <m:e>
+                              <m:r>
+                                <a:rPr lang="de-DE" sz="2400" b="0" i="1" smtClean="0">
+                                  <a:latin typeface="Cambria Math" panose="02040503050406030204" pitchFamily="18" charset="0"/>
+                                </a:rPr>
+                                <m:t>h</m:t>
+                              </m:r>
+                            </m:e>
+                            <m:sub>
+                              <m:r>
+                                <a:rPr lang="de-DE" sz="2400" b="0" i="1" smtClean="0">
+                                  <a:latin typeface="Cambria Math" panose="02040503050406030204" pitchFamily="18" charset="0"/>
+                                </a:rPr>
+                                <m:t>𝐴</m:t>
+                              </m:r>
+                            </m:sub>
+                          </m:sSub>
+                        </m:num>
+                        <m:den>
+                          <m:r>
+                            <a:rPr lang="de-DE" sz="2400" b="0" i="1" smtClean="0">
+                              <a:latin typeface="Cambria Math" panose="02040503050406030204" pitchFamily="18" charset="0"/>
+                            </a:rPr>
+                            <m:t>𝑇</m:t>
+                          </m:r>
+                          <m:r>
+                            <a:rPr lang="de-DE" sz="2400" b="0" i="1" smtClean="0">
+                              <a:latin typeface="Cambria Math" panose="02040503050406030204" pitchFamily="18" charset="0"/>
+                            </a:rPr>
+                            <m:t>+</m:t>
+                          </m:r>
+                          <m:sSub>
+                            <m:sSubPr>
+                              <m:ctrlPr>
+                                <a:rPr lang="de-DE" sz="2400" b="0" i="1" smtClean="0">
+                                  <a:latin typeface="Cambria Math" panose="02040503050406030204" pitchFamily="18" charset="0"/>
+                                </a:rPr>
+                              </m:ctrlPr>
+                            </m:sSubPr>
+                            <m:e>
+                              <m:r>
+                                <a:rPr lang="de-DE" sz="2400" b="0" i="1" smtClean="0">
+                                  <a:latin typeface="Cambria Math" panose="02040503050406030204" pitchFamily="18" charset="0"/>
+                                </a:rPr>
+                                <m:t>h</m:t>
+                              </m:r>
+                            </m:e>
+                            <m:sub>
+                              <m:r>
+                                <a:rPr lang="de-DE" sz="2400" b="0" i="1" smtClean="0">
+                                  <a:latin typeface="Cambria Math" panose="02040503050406030204" pitchFamily="18" charset="0"/>
+                                </a:rPr>
+                                <m:t>𝐴</m:t>
+                              </m:r>
+                            </m:sub>
+                          </m:sSub>
+                        </m:den>
+                      </m:f>
+                      <m:r>
+                        <a:rPr lang="de-DE" sz="2400" i="1">
+                          <a:latin typeface="Cambria Math" panose="02040503050406030204" pitchFamily="18" charset="0"/>
+                        </a:rPr>
+                        <m:t>−</m:t>
+                      </m:r>
+                      <m:sSub>
+                        <m:sSubPr>
+                          <m:ctrlPr>
+                            <a:rPr lang="de-DE" sz="2400" i="1">
+                              <a:latin typeface="Cambria Math" panose="02040503050406030204" pitchFamily="18" charset="0"/>
+                            </a:rPr>
+                          </m:ctrlPr>
+                        </m:sSubPr>
+                        <m:e>
+                          <m:r>
+                            <a:rPr lang="de-DE" sz="2400" i="1">
+                              <a:latin typeface="Cambria Math" panose="02040503050406030204" pitchFamily="18" charset="0"/>
+                            </a:rPr>
+                            <m:t>𝑚</m:t>
+                          </m:r>
+                        </m:e>
+                        <m:sub>
+                          <m:r>
+                            <a:rPr lang="de-DE" sz="2400" i="1">
+                              <a:latin typeface="Cambria Math" panose="02040503050406030204" pitchFamily="18" charset="0"/>
+                            </a:rPr>
+                            <m:t>𝑓</m:t>
+                          </m:r>
+                        </m:sub>
+                      </m:sSub>
+                      <m:r>
+                        <a:rPr lang="de-DE" sz="2400" i="1">
+                          <a:latin typeface="Cambria Math" panose="02040503050406030204" pitchFamily="18" charset="0"/>
+                        </a:rPr>
+                        <m:t>𝑇</m:t>
+                      </m:r>
+                      <m:f>
+                        <m:fPr>
+                          <m:ctrlPr>
+                            <a:rPr lang="de-DE" sz="2400" i="1">
+                              <a:latin typeface="Cambria Math" panose="02040503050406030204" pitchFamily="18" charset="0"/>
+                            </a:rPr>
+                          </m:ctrlPr>
+                        </m:fPr>
+                        <m:num>
+                          <m:sSubSup>
+                            <m:sSubSupPr>
+                              <m:ctrlPr>
+                                <a:rPr lang="de-DE" sz="2400" i="1">
+                                  <a:latin typeface="Cambria Math" panose="02040503050406030204" pitchFamily="18" charset="0"/>
+                                </a:rPr>
+                              </m:ctrlPr>
+                            </m:sSubSupPr>
+                            <m:e>
+                              <m:r>
+                                <a:rPr lang="de-DE" sz="2400" i="1">
+                                  <a:latin typeface="Cambria Math" panose="02040503050406030204" pitchFamily="18" charset="0"/>
+                                </a:rPr>
+                                <m:t>h</m:t>
+                              </m:r>
+                            </m:e>
+                            <m:sub>
+                              <m:r>
+                                <a:rPr lang="de-DE" sz="2400" i="1">
+                                  <a:latin typeface="Cambria Math" panose="02040503050406030204" pitchFamily="18" charset="0"/>
+                                </a:rPr>
+                                <m:t>𝑓</m:t>
+                              </m:r>
+                            </m:sub>
+                            <m:sup>
+                              <m:r>
+                                <a:rPr lang="de-DE" sz="2400" i="1">
+                                  <a:latin typeface="Cambria Math" panose="02040503050406030204" pitchFamily="18" charset="0"/>
+                                </a:rPr>
+                                <m:t>𝑝</m:t>
+                              </m:r>
+                            </m:sup>
+                          </m:sSubSup>
+                        </m:num>
+                        <m:den>
+                          <m:sSup>
+                            <m:sSupPr>
+                              <m:ctrlPr>
+                                <a:rPr lang="de-DE" sz="2400" i="1">
+                                  <a:latin typeface="Cambria Math" panose="02040503050406030204" pitchFamily="18" charset="0"/>
+                                </a:rPr>
+                              </m:ctrlPr>
+                            </m:sSupPr>
+                            <m:e>
+                              <m:r>
+                                <a:rPr lang="de-DE" sz="2400" i="1">
+                                  <a:latin typeface="Cambria Math" panose="02040503050406030204" pitchFamily="18" charset="0"/>
+                                </a:rPr>
+                                <m:t>𝑇</m:t>
+                              </m:r>
+                            </m:e>
+                            <m:sup>
+                              <m:r>
+                                <a:rPr lang="de-DE" sz="2400" i="1">
+                                  <a:latin typeface="Cambria Math" panose="02040503050406030204" pitchFamily="18" charset="0"/>
+                                </a:rPr>
+                                <m:t>𝑝</m:t>
+                              </m:r>
+                            </m:sup>
+                          </m:sSup>
+                          <m:r>
+                            <a:rPr lang="de-DE" sz="2400" i="1">
+                              <a:latin typeface="Cambria Math" panose="02040503050406030204" pitchFamily="18" charset="0"/>
+                            </a:rPr>
+                            <m:t>+</m:t>
+                          </m:r>
+                          <m:sSubSup>
+                            <m:sSubSupPr>
+                              <m:ctrlPr>
+                                <a:rPr lang="de-DE" sz="2400" i="1">
+                                  <a:latin typeface="Cambria Math" panose="02040503050406030204" pitchFamily="18" charset="0"/>
+                                </a:rPr>
+                              </m:ctrlPr>
+                            </m:sSubSupPr>
+                            <m:e>
+                              <m:r>
+                                <a:rPr lang="de-DE" sz="2400" i="1">
+                                  <a:latin typeface="Cambria Math" panose="02040503050406030204" pitchFamily="18" charset="0"/>
+                                </a:rPr>
+                                <m:t>h</m:t>
+                              </m:r>
+                            </m:e>
+                            <m:sub>
+                              <m:r>
+                                <a:rPr lang="de-DE" sz="2400" i="1">
+                                  <a:latin typeface="Cambria Math" panose="02040503050406030204" pitchFamily="18" charset="0"/>
+                                </a:rPr>
+                                <m:t>𝑓</m:t>
+                              </m:r>
+                            </m:sub>
+                            <m:sup>
+                              <m:r>
+                                <a:rPr lang="de-DE" sz="2400" i="1">
+                                  <a:latin typeface="Cambria Math" panose="02040503050406030204" pitchFamily="18" charset="0"/>
+                                </a:rPr>
+                                <m:t>𝑝</m:t>
+                              </m:r>
+                            </m:sup>
+                          </m:sSubSup>
+                        </m:den>
+                      </m:f>
+                    </m:oMath>
+                  </m:oMathPara>
+                </a14:m>
+                <a:endParaRPr lang="de-DE" sz="2400" dirty="0"/>
+              </a:p>
+            </p:txBody>
+          </p:sp>
+        </mc:Choice>
+        <mc:Fallback>
+          <p:sp>
+            <p:nvSpPr>
+              <p:cNvPr id="8" name="TextBox 7">
+                <a:extLst>
+                  <a:ext uri="{FF2B5EF4-FFF2-40B4-BE49-F238E27FC236}">
+                    <a16:creationId xmlns:a16="http://schemas.microsoft.com/office/drawing/2014/main" id="{E16E49F4-87AD-D64F-8F92-F57803248D81}"/>
+                  </a:ext>
+                </a:extLst>
+              </p:cNvPr>
+              <p:cNvSpPr txBox="1">
+                <a:spLocks noRot="1" noChangeAspect="1" noMove="1" noResize="1" noEditPoints="1" noAdjustHandles="1" noChangeArrowheads="1" noChangeShapeType="1" noTextEdit="1"/>
+              </p:cNvSpPr>
+              <p:nvPr/>
+            </p:nvSpPr>
+            <p:spPr>
+              <a:xfrm>
+                <a:off x="538026" y="1972800"/>
+                <a:ext cx="7428527" cy="972000"/>
+              </a:xfrm>
+              <a:prstGeom prst="rect">
+                <a:avLst/>
+              </a:prstGeom>
+              <a:blipFill>
+                <a:blip r:embed="rId2"/>
+                <a:stretch>
+                  <a:fillRect l="-1365" b="-7692"/>
+                </a:stretch>
+              </a:blipFill>
+            </p:spPr>
+            <p:txBody>
+              <a:bodyPr/>
+              <a:lstStyle/>
+              <a:p>
+                <a:r>
+                  <a:rPr lang="de-DE">
+                    <a:noFill/>
+                  </a:rPr>
+                  <a:t> </a:t>
+                </a:r>
+              </a:p>
+            </p:txBody>
+          </p:sp>
+        </mc:Fallback>
+      </mc:AlternateContent>
+      <mc:AlternateContent xmlns:mc="http://schemas.openxmlformats.org/markup-compatibility/2006">
+        <mc:Choice xmlns:a14="http://schemas.microsoft.com/office/drawing/2010/main" Requires="a14">
+          <p:sp>
+            <p:nvSpPr>
+              <p:cNvPr id="10" name="TextBox 9">
+                <a:extLst>
+                  <a:ext uri="{FF2B5EF4-FFF2-40B4-BE49-F238E27FC236}">
+                    <a16:creationId xmlns:a16="http://schemas.microsoft.com/office/drawing/2014/main" id="{2AE8858E-1843-674C-85E2-5B32F5542ABC}"/>
+                  </a:ext>
+                </a:extLst>
+              </p:cNvPr>
+              <p:cNvSpPr txBox="1"/>
+              <p:nvPr/>
+            </p:nvSpPr>
+            <p:spPr>
+              <a:xfrm>
+                <a:off x="450344" y="3969899"/>
+                <a:ext cx="5605894" cy="2330574"/>
+              </a:xfrm>
+              <a:prstGeom prst="rect">
+                <a:avLst/>
+              </a:prstGeom>
+              <a:noFill/>
+            </p:spPr>
+            <p:txBody>
+              <a:bodyPr wrap="none" rtlCol="0">
+                <a:spAutoFit/>
+              </a:bodyPr>
+              <a:lstStyle/>
+              <a:p>
+                <a:pPr marL="285750" indent="-285750">
+                  <a:buFontTx/>
+                  <a:buChar char="-"/>
+                </a:pPr>
+                <a14:m>
+                  <m:oMath xmlns:m="http://schemas.openxmlformats.org/officeDocument/2006/math">
+                    <m:sSub>
+                      <m:sSubPr>
+                        <m:ctrlPr>
+                          <a:rPr lang="de-DE" b="0" i="1" smtClean="0">
+                            <a:latin typeface="Cambria Math" panose="02040503050406030204" pitchFamily="18" charset="0"/>
+                          </a:rPr>
+                        </m:ctrlPr>
+                      </m:sSubPr>
+                      <m:e>
+                        <m:r>
+                          <a:rPr lang="de-DE" b="0" i="1" smtClean="0">
+                            <a:latin typeface="Cambria Math" panose="02040503050406030204" pitchFamily="18" charset="0"/>
+                          </a:rPr>
+                          <m:t>𝑚</m:t>
+                        </m:r>
+                      </m:e>
+                      <m:sub>
+                        <m:r>
+                          <a:rPr lang="de-DE" b="0" i="1" smtClean="0">
+                            <a:latin typeface="Cambria Math" panose="02040503050406030204" pitchFamily="18" charset="0"/>
+                          </a:rPr>
+                          <m:t>𝑓</m:t>
+                        </m:r>
+                      </m:sub>
+                    </m:sSub>
+                  </m:oMath>
+                </a14:m>
+                <a:r>
+                  <a:rPr lang="de-DE" dirty="0">
+                    <a:latin typeface="Avenir Next" panose="020B0503020202020204" pitchFamily="34" charset="0"/>
+                  </a:rPr>
+                  <a:t> … </a:t>
+                </a:r>
+                <a:r>
+                  <a:rPr lang="de-DE" dirty="0" err="1">
+                    <a:latin typeface="Avenir Next" panose="020B0503020202020204" pitchFamily="34" charset="0"/>
+                  </a:rPr>
+                  <a:t>maximum</a:t>
+                </a:r>
+                <a:r>
+                  <a:rPr lang="de-DE" dirty="0">
+                    <a:latin typeface="Avenir Next" panose="020B0503020202020204" pitchFamily="34" charset="0"/>
+                  </a:rPr>
+                  <a:t> </a:t>
+                </a:r>
+                <a:r>
+                  <a:rPr lang="de-DE" dirty="0" err="1">
+                    <a:latin typeface="Avenir Next" panose="020B0503020202020204" pitchFamily="34" charset="0"/>
+                  </a:rPr>
+                  <a:t>loss</a:t>
+                </a:r>
+                <a:r>
+                  <a:rPr lang="de-DE" dirty="0">
+                    <a:latin typeface="Avenir Next" panose="020B0503020202020204" pitchFamily="34" charset="0"/>
+                  </a:rPr>
+                  <a:t> rate due </a:t>
+                </a:r>
+                <a:r>
+                  <a:rPr lang="de-DE" dirty="0" err="1">
+                    <a:latin typeface="Avenir Next" panose="020B0503020202020204" pitchFamily="34" charset="0"/>
+                  </a:rPr>
+                  <a:t>to</a:t>
+                </a:r>
+                <a:r>
+                  <a:rPr lang="de-DE" dirty="0">
+                    <a:latin typeface="Avenir Next" panose="020B0503020202020204" pitchFamily="34" charset="0"/>
+                  </a:rPr>
+                  <a:t> </a:t>
+                </a:r>
+                <a:r>
+                  <a:rPr lang="de-DE" dirty="0" err="1">
+                    <a:latin typeface="Avenir Next" panose="020B0503020202020204" pitchFamily="34" charset="0"/>
+                  </a:rPr>
+                  <a:t>fire</a:t>
+                </a:r>
+                <a:endParaRPr lang="de-DE" dirty="0">
+                  <a:latin typeface="Avenir Next" panose="020B0503020202020204" pitchFamily="34" charset="0"/>
+                </a:endParaRPr>
+              </a:p>
+              <a:p>
+                <a:pPr marL="285750" indent="-285750">
+                  <a:buFontTx/>
+                  <a:buChar char="-"/>
+                </a:pPr>
+                <a14:m>
+                  <m:oMath xmlns:m="http://schemas.openxmlformats.org/officeDocument/2006/math">
+                    <m:sSub>
+                      <m:sSubPr>
+                        <m:ctrlPr>
+                          <a:rPr lang="de-DE" b="0" i="1" dirty="0" smtClean="0">
+                            <a:latin typeface="Cambria Math" panose="02040503050406030204" pitchFamily="18" charset="0"/>
+                          </a:rPr>
+                        </m:ctrlPr>
+                      </m:sSubPr>
+                      <m:e>
+                        <m:r>
+                          <a:rPr lang="de-DE" b="0" i="1" dirty="0" smtClean="0">
+                            <a:latin typeface="Cambria Math" panose="02040503050406030204" pitchFamily="18" charset="0"/>
+                          </a:rPr>
+                          <m:t>h</m:t>
+                        </m:r>
+                      </m:e>
+                      <m:sub>
+                        <m:r>
+                          <a:rPr lang="de-DE" i="1" dirty="0" smtClean="0">
+                            <a:latin typeface="Cambria Math" panose="02040503050406030204" pitchFamily="18" charset="0"/>
+                          </a:rPr>
+                          <m:t>𝐴</m:t>
+                        </m:r>
+                      </m:sub>
+                    </m:sSub>
+                    <m:r>
+                      <a:rPr lang="de-DE" i="1" dirty="0">
+                        <a:latin typeface="Cambria Math" panose="02040503050406030204" pitchFamily="18" charset="0"/>
+                      </a:rPr>
+                      <m:t> </m:t>
+                    </m:r>
+                  </m:oMath>
+                </a14:m>
+                <a:r>
+                  <a:rPr lang="de-DE" dirty="0">
+                    <a:latin typeface="Avenir Next" panose="020B0503020202020204" pitchFamily="34" charset="0"/>
+                  </a:rPr>
+                  <a:t> … </a:t>
+                </a:r>
+                <a:r>
+                  <a:rPr lang="de-DE" dirty="0" err="1">
+                    <a:latin typeface="Avenir Next" panose="020B0503020202020204" pitchFamily="34" charset="0"/>
+                  </a:rPr>
+                  <a:t>Tree</a:t>
+                </a:r>
+                <a:r>
+                  <a:rPr lang="de-DE" dirty="0">
+                    <a:latin typeface="Avenir Next" panose="020B0503020202020204" pitchFamily="34" charset="0"/>
+                  </a:rPr>
+                  <a:t>-cover </a:t>
+                </a:r>
+                <a:r>
+                  <a:rPr lang="de-DE" dirty="0" err="1">
+                    <a:latin typeface="Avenir Next" panose="020B0503020202020204" pitchFamily="34" charset="0"/>
+                  </a:rPr>
+                  <a:t>below</a:t>
+                </a:r>
+                <a:r>
+                  <a:rPr lang="de-DE" dirty="0">
+                    <a:latin typeface="Avenir Next" panose="020B0503020202020204" pitchFamily="34" charset="0"/>
+                  </a:rPr>
+                  <a:t> </a:t>
+                </a:r>
+                <a:r>
+                  <a:rPr lang="de-DE" dirty="0" err="1">
+                    <a:latin typeface="Avenir Next" panose="020B0503020202020204" pitchFamily="34" charset="0"/>
+                  </a:rPr>
+                  <a:t>which</a:t>
+                </a:r>
+                <a:r>
+                  <a:rPr lang="de-DE" dirty="0">
+                    <a:latin typeface="Avenir Next" panose="020B0503020202020204" pitchFamily="34" charset="0"/>
+                  </a:rPr>
+                  <a:t> </a:t>
+                </a:r>
+                <a:r>
+                  <a:rPr lang="de-DE" dirty="0" err="1">
+                    <a:latin typeface="Avenir Next" panose="020B0503020202020204" pitchFamily="34" charset="0"/>
+                  </a:rPr>
+                  <a:t>fire</a:t>
+                </a:r>
+                <a:r>
+                  <a:rPr lang="de-DE" dirty="0">
+                    <a:latin typeface="Avenir Next" panose="020B0503020202020204" pitchFamily="34" charset="0"/>
+                  </a:rPr>
+                  <a:t> </a:t>
+                </a:r>
+                <a:r>
+                  <a:rPr lang="de-DE" dirty="0" err="1">
+                    <a:latin typeface="Avenir Next" panose="020B0503020202020204" pitchFamily="34" charset="0"/>
+                  </a:rPr>
+                  <a:t>extinction</a:t>
+                </a:r>
+                <a:r>
+                  <a:rPr lang="de-DE" dirty="0">
+                    <a:latin typeface="Avenir Next" panose="020B0503020202020204" pitchFamily="34" charset="0"/>
+                  </a:rPr>
+                  <a:t> </a:t>
+                </a:r>
+                <a:r>
+                  <a:rPr lang="de-DE" dirty="0" err="1">
+                    <a:latin typeface="Avenir Next" panose="020B0503020202020204" pitchFamily="34" charset="0"/>
+                  </a:rPr>
+                  <a:t>rises</a:t>
+                </a:r>
+                <a:endParaRPr lang="de-DE" dirty="0">
+                  <a:latin typeface="Avenir Next" panose="020B0503020202020204" pitchFamily="34" charset="0"/>
+                </a:endParaRPr>
+              </a:p>
+              <a:p>
+                <a:endParaRPr lang="de-DE" dirty="0">
+                  <a:latin typeface="Avenir Next" panose="020B0503020202020204" pitchFamily="34" charset="0"/>
+                </a:endParaRPr>
+              </a:p>
+              <a:p>
+                <a:pPr marL="285750" indent="-285750">
+                  <a:buFontTx/>
+                  <a:buChar char="-"/>
+                </a:pPr>
+                <a:r>
+                  <a:rPr lang="de-DE" dirty="0" err="1">
+                    <a:latin typeface="Avenir Next" panose="020B0503020202020204" pitchFamily="34" charset="0"/>
+                  </a:rPr>
+                  <a:t>sigmoidal</a:t>
+                </a:r>
+                <a:r>
+                  <a:rPr lang="de-DE" dirty="0">
+                    <a:latin typeface="Avenir Next" panose="020B0503020202020204" pitchFamily="34" charset="0"/>
+                  </a:rPr>
+                  <a:t> Hill </a:t>
+                </a:r>
+                <a:r>
+                  <a:rPr lang="de-DE" dirty="0" err="1">
+                    <a:latin typeface="Avenir Next" panose="020B0503020202020204" pitchFamily="34" charset="0"/>
+                  </a:rPr>
+                  <a:t>function</a:t>
+                </a:r>
+                <a:endParaRPr lang="de-DE" dirty="0">
+                  <a:latin typeface="Avenir Next" panose="020B0503020202020204" pitchFamily="34" charset="0"/>
+                </a:endParaRPr>
+              </a:p>
+              <a:p>
+                <a:pPr marL="285750" indent="-285750">
+                  <a:buFontTx/>
+                  <a:buChar char="-"/>
+                </a:pPr>
+                <a:endParaRPr lang="de-DE" dirty="0">
+                  <a:latin typeface="Avenir Next" panose="020B0503020202020204" pitchFamily="34" charset="0"/>
+                </a:endParaRPr>
+              </a:p>
+              <a:p>
+                <a:pPr marL="285750" indent="-285750">
+                  <a:buFontTx/>
+                  <a:buChar char="-"/>
+                </a:pPr>
+                <a:r>
+                  <a:rPr lang="de-DE" dirty="0" err="1">
+                    <a:latin typeface="Avenir Next" panose="020B0503020202020204" pitchFamily="34" charset="0"/>
+                  </a:rPr>
+                  <a:t>Mortality</a:t>
+                </a:r>
+                <a:r>
+                  <a:rPr lang="de-DE" dirty="0">
+                    <a:latin typeface="Avenir Next" panose="020B0503020202020204" pitchFamily="34" charset="0"/>
+                  </a:rPr>
+                  <a:t> due </a:t>
+                </a:r>
+                <a:r>
+                  <a:rPr lang="de-DE" dirty="0" err="1">
+                    <a:latin typeface="Avenir Next" panose="020B0503020202020204" pitchFamily="34" charset="0"/>
+                  </a:rPr>
+                  <a:t>to</a:t>
+                </a:r>
+                <a:r>
+                  <a:rPr lang="de-DE" dirty="0">
+                    <a:latin typeface="Avenir Next" panose="020B0503020202020204" pitchFamily="34" charset="0"/>
+                  </a:rPr>
+                  <a:t> </a:t>
+                </a:r>
+                <a:r>
+                  <a:rPr lang="de-DE" dirty="0" err="1">
+                    <a:latin typeface="Avenir Next" panose="020B0503020202020204" pitchFamily="34" charset="0"/>
+                  </a:rPr>
+                  <a:t>fire</a:t>
+                </a:r>
+                <a:r>
+                  <a:rPr lang="de-DE" dirty="0">
+                    <a:latin typeface="Avenir Next" panose="020B0503020202020204" pitchFamily="34" charset="0"/>
+                  </a:rPr>
+                  <a:t> </a:t>
+                </a:r>
+                <a:r>
+                  <a:rPr lang="de-DE" dirty="0" err="1">
+                    <a:latin typeface="Avenir Next" panose="020B0503020202020204" pitchFamily="34" charset="0"/>
+                  </a:rPr>
+                  <a:t>declines</a:t>
+                </a:r>
+                <a:r>
+                  <a:rPr lang="de-DE" dirty="0">
+                    <a:latin typeface="Avenir Next" panose="020B0503020202020204" pitchFamily="34" charset="0"/>
+                  </a:rPr>
+                  <a:t> at high </a:t>
+                </a:r>
+                <a:r>
+                  <a:rPr lang="de-DE" dirty="0" err="1">
+                    <a:latin typeface="Avenir Next" panose="020B0503020202020204" pitchFamily="34" charset="0"/>
+                  </a:rPr>
+                  <a:t>Tree</a:t>
+                </a:r>
+                <a:r>
+                  <a:rPr lang="de-DE" dirty="0">
+                    <a:latin typeface="Avenir Next" panose="020B0503020202020204" pitchFamily="34" charset="0"/>
+                  </a:rPr>
+                  <a:t>-Covers</a:t>
+                </a:r>
+              </a:p>
+              <a:p>
+                <a:pPr marL="285750" indent="-285750">
+                  <a:buFontTx/>
+                  <a:buChar char="-"/>
+                </a:pPr>
+                <a:endParaRPr lang="de-DE" dirty="0">
+                  <a:latin typeface="Avenir Next" panose="020B0503020202020204" pitchFamily="34" charset="0"/>
+                </a:endParaRPr>
+              </a:p>
+              <a:p>
+                <a:pPr marL="285750" indent="-285750">
+                  <a:buFontTx/>
+                  <a:buChar char="-"/>
+                </a:pPr>
+                <a:r>
+                  <a:rPr lang="de-DE" dirty="0" err="1">
+                    <a:latin typeface="Avenir Next" panose="020B0503020202020204" pitchFamily="34" charset="0"/>
+                  </a:rPr>
+                  <a:t>Reason</a:t>
+                </a:r>
+                <a:r>
+                  <a:rPr lang="de-DE" dirty="0">
+                    <a:latin typeface="Avenir Next" panose="020B0503020202020204" pitchFamily="34" charset="0"/>
+                  </a:rPr>
+                  <a:t>: High </a:t>
+                </a:r>
+                <a:r>
+                  <a:rPr lang="de-DE" dirty="0" err="1">
+                    <a:latin typeface="Avenir Next" panose="020B0503020202020204" pitchFamily="34" charset="0"/>
+                  </a:rPr>
+                  <a:t>moisture</a:t>
+                </a:r>
+                <a:r>
+                  <a:rPr lang="de-DE" dirty="0">
+                    <a:latin typeface="Avenir Next" panose="020B0503020202020204" pitchFamily="34" charset="0"/>
+                  </a:rPr>
+                  <a:t>, </a:t>
+                </a:r>
+                <a:r>
+                  <a:rPr lang="de-DE" dirty="0" err="1">
+                    <a:latin typeface="Avenir Next" panose="020B0503020202020204" pitchFamily="34" charset="0"/>
+                  </a:rPr>
+                  <a:t>less</a:t>
+                </a:r>
+                <a:r>
+                  <a:rPr lang="de-DE" dirty="0">
+                    <a:latin typeface="Avenir Next" panose="020B0503020202020204" pitchFamily="34" charset="0"/>
+                  </a:rPr>
+                  <a:t> </a:t>
+                </a:r>
+                <a:r>
+                  <a:rPr lang="de-DE" dirty="0" err="1">
+                    <a:latin typeface="Avenir Next" panose="020B0503020202020204" pitchFamily="34" charset="0"/>
+                  </a:rPr>
+                  <a:t>grass</a:t>
+                </a:r>
+                <a:endParaRPr lang="de-DE" dirty="0">
+                  <a:latin typeface="Avenir Next" panose="020B0503020202020204" pitchFamily="34" charset="0"/>
+                </a:endParaRPr>
+              </a:p>
+            </p:txBody>
+          </p:sp>
+        </mc:Choice>
+        <mc:Fallback>
+          <p:sp>
+            <p:nvSpPr>
+              <p:cNvPr id="10" name="TextBox 9">
+                <a:extLst>
+                  <a:ext uri="{FF2B5EF4-FFF2-40B4-BE49-F238E27FC236}">
+                    <a16:creationId xmlns:a16="http://schemas.microsoft.com/office/drawing/2014/main" id="{2AE8858E-1843-674C-85E2-5B32F5542ABC}"/>
+                  </a:ext>
+                </a:extLst>
+              </p:cNvPr>
+              <p:cNvSpPr txBox="1">
+                <a:spLocks noRot="1" noChangeAspect="1" noMove="1" noResize="1" noEditPoints="1" noAdjustHandles="1" noChangeArrowheads="1" noChangeShapeType="1" noTextEdit="1"/>
+              </p:cNvSpPr>
+              <p:nvPr/>
+            </p:nvSpPr>
+            <p:spPr>
+              <a:xfrm>
+                <a:off x="450344" y="3969899"/>
+                <a:ext cx="5605894" cy="2330574"/>
+              </a:xfrm>
+              <a:prstGeom prst="rect">
+                <a:avLst/>
+              </a:prstGeom>
+              <a:blipFill>
+                <a:blip r:embed="rId3"/>
+                <a:stretch>
+                  <a:fillRect l="-1129" t="-543" b="-4348"/>
+                </a:stretch>
+              </a:blipFill>
+            </p:spPr>
+            <p:txBody>
+              <a:bodyPr/>
+              <a:lstStyle/>
+              <a:p>
+                <a:r>
+                  <a:rPr lang="de-DE">
+                    <a:noFill/>
+                  </a:rPr>
+                  <a:t> </a:t>
+                </a:r>
+              </a:p>
+            </p:txBody>
+          </p:sp>
+        </mc:Fallback>
+      </mc:AlternateContent>
+      <p:pic>
+        <p:nvPicPr>
+          <p:cNvPr id="3" name="Picture 2">
+            <a:extLst>
+              <a:ext uri="{FF2B5EF4-FFF2-40B4-BE49-F238E27FC236}">
+                <a16:creationId xmlns:a16="http://schemas.microsoft.com/office/drawing/2014/main" id="{4B70732C-A822-974C-A980-359AA7AB6296}"/>
+              </a:ext>
+            </a:extLst>
+          </p:cNvPr>
+          <p:cNvPicPr>
+            <a:picLocks noChangeAspect="1"/>
+          </p:cNvPicPr>
+          <p:nvPr/>
+        </p:nvPicPr>
+        <p:blipFill>
+          <a:blip r:embed="rId4">
+            <a:extLst>
+              <a:ext uri="{28A0092B-C50C-407E-A947-70E740481C1C}">
+                <a14:useLocalDpi xmlns:a14="http://schemas.microsoft.com/office/drawing/2010/main" val="0"/>
+              </a:ext>
+            </a:extLst>
+          </a:blip>
+          <a:stretch>
+            <a:fillRect/>
+          </a:stretch>
+        </p:blipFill>
+        <p:spPr>
+          <a:xfrm>
+            <a:off x="6385838" y="3061973"/>
+            <a:ext cx="5232400" cy="3238500"/>
+          </a:xfrm>
+          <a:prstGeom prst="rect">
+            <a:avLst/>
+          </a:prstGeom>
+        </p:spPr>
+      </p:pic>
+    </p:spTree>
+    <p:extLst>
+      <p:ext uri="{BB962C8B-B14F-4D97-AF65-F5344CB8AC3E}">
+        <p14:creationId xmlns:p14="http://schemas.microsoft.com/office/powerpoint/2010/main" val="3880870590"/>
+      </p:ext>
+    </p:extLst>
+  </p:cSld>
+  <p:clrMapOvr>
+    <a:masterClrMapping/>
+  </p:clrMapOvr>
+</p:sld>
+</file>
+
 <file path=ppt/theme/theme1.xml><?xml version="1.0" encoding="utf-8"?>
 <a:theme xmlns:a="http://schemas.openxmlformats.org/drawingml/2006/main" name="Office Theme">
   <a:themeElements>
